--- a/ppt/front-end/HTML5.pptx
+++ b/ppt/front-end/HTML5.pptx
@@ -4154,7 +4154,22 @@
             </a:r>
             <a:r>
               <a:rPr lang="zh-CN" altLang="en-US" dirty="0" smtClean="0"/>
-              <a:t>最基本的代码结构</a:t>
+              <a:t>最基本的代码</a:t>
+            </a:r>
+            <a:r>
+              <a:rPr lang="zh-CN" altLang="en-US" dirty="0" smtClean="0"/>
+              <a:t>结构</a:t>
+            </a:r>
+            <a:endParaRPr lang="en-US" altLang="zh-CN" dirty="0" smtClean="0"/>
+          </a:p>
+          <a:p>
+            <a:r>
+              <a:rPr lang="en-US" altLang="zh-CN" dirty="0" smtClean="0"/>
+              <a:t>HTML</a:t>
+            </a:r>
+            <a:r>
+              <a:rPr lang="zh-CN" altLang="en-US" dirty="0" smtClean="0"/>
+              <a:t>标签</a:t>
             </a:r>
             <a:endParaRPr lang="zh-CN" altLang="en-US" dirty="0"/>
           </a:p>
@@ -4700,6 +4715,460 @@
           </a:fontRef>
         </p:style>
       </p:cxnSp>
+      <p:sp>
+        <p:nvSpPr>
+          <p:cNvPr id="5" name="文本框 4"/>
+          <p:cNvSpPr txBox="1"/>
+          <p:nvPr/>
+        </p:nvSpPr>
+        <p:spPr>
+          <a:xfrm>
+            <a:off x="4012179" y="5673969"/>
+            <a:ext cx="1099083" cy="369332"/>
+          </a:xfrm>
+          <a:prstGeom prst="rect">
+            <a:avLst/>
+          </a:prstGeom>
+          <a:noFill/>
+        </p:spPr>
+        <p:txBody>
+          <a:bodyPr wrap="none" rtlCol="0">
+            <a:spAutoFit/>
+          </a:bodyPr>
+          <a:lstStyle/>
+          <a:p>
+            <a:r>
+              <a:rPr lang="en-US" altLang="zh-CN" dirty="0" smtClean="0"/>
+              <a:t>bootstrap</a:t>
+            </a:r>
+            <a:endParaRPr lang="zh-CN" altLang="en-US" dirty="0"/>
+          </a:p>
+        </p:txBody>
+      </p:sp>
+      <p:sp>
+        <p:nvSpPr>
+          <p:cNvPr id="6" name="文本框 5"/>
+          <p:cNvSpPr txBox="1"/>
+          <p:nvPr/>
+        </p:nvSpPr>
+        <p:spPr>
+          <a:xfrm>
+            <a:off x="6308622" y="5737266"/>
+            <a:ext cx="817403" cy="369332"/>
+          </a:xfrm>
+          <a:prstGeom prst="rect">
+            <a:avLst/>
+          </a:prstGeom>
+          <a:noFill/>
+        </p:spPr>
+        <p:txBody>
+          <a:bodyPr wrap="none" rtlCol="0">
+            <a:spAutoFit/>
+          </a:bodyPr>
+          <a:lstStyle/>
+          <a:p>
+            <a:r>
+              <a:rPr lang="en-US" altLang="zh-CN" dirty="0" smtClean="0"/>
+              <a:t>jQuery</a:t>
+            </a:r>
+            <a:endParaRPr lang="zh-CN" altLang="en-US" dirty="0"/>
+          </a:p>
+        </p:txBody>
+      </p:sp>
+      <p:sp>
+        <p:nvSpPr>
+          <p:cNvPr id="10" name="文本框 9"/>
+          <p:cNvSpPr txBox="1"/>
+          <p:nvPr/>
+        </p:nvSpPr>
+        <p:spPr>
+          <a:xfrm>
+            <a:off x="6717323" y="6043301"/>
+            <a:ext cx="1035861" cy="369332"/>
+          </a:xfrm>
+          <a:prstGeom prst="rect">
+            <a:avLst/>
+          </a:prstGeom>
+          <a:noFill/>
+        </p:spPr>
+        <p:txBody>
+          <a:bodyPr wrap="none" rtlCol="0">
+            <a:spAutoFit/>
+          </a:bodyPr>
+          <a:lstStyle/>
+          <a:p>
+            <a:r>
+              <a:rPr lang="en-US" altLang="zh-CN" dirty="0" err="1"/>
+              <a:t>angularjs</a:t>
+            </a:r>
+            <a:endParaRPr lang="zh-CN" altLang="en-US" dirty="0"/>
+          </a:p>
+        </p:txBody>
+      </p:sp>
+      <p:sp>
+        <p:nvSpPr>
+          <p:cNvPr id="12" name="文本框 11"/>
+          <p:cNvSpPr txBox="1"/>
+          <p:nvPr/>
+        </p:nvSpPr>
+        <p:spPr>
+          <a:xfrm>
+            <a:off x="6717323" y="5351529"/>
+            <a:ext cx="869918" cy="369332"/>
+          </a:xfrm>
+          <a:prstGeom prst="rect">
+            <a:avLst/>
+          </a:prstGeom>
+          <a:noFill/>
+        </p:spPr>
+        <p:txBody>
+          <a:bodyPr wrap="none" rtlCol="0">
+            <a:spAutoFit/>
+          </a:bodyPr>
+          <a:lstStyle/>
+          <a:p>
+            <a:r>
+              <a:rPr lang="en-US" altLang="zh-CN" dirty="0" err="1" smtClean="0"/>
+              <a:t>ReactJs</a:t>
+            </a:r>
+            <a:endParaRPr lang="zh-CN" altLang="en-US" dirty="0"/>
+          </a:p>
+        </p:txBody>
+      </p:sp>
+      <p:sp>
+        <p:nvSpPr>
+          <p:cNvPr id="14" name="矩形 13"/>
+          <p:cNvSpPr/>
+          <p:nvPr/>
+        </p:nvSpPr>
+        <p:spPr>
+          <a:xfrm>
+            <a:off x="3944817" y="6106598"/>
+            <a:ext cx="1306255" cy="369332"/>
+          </a:xfrm>
+          <a:prstGeom prst="rect">
+            <a:avLst/>
+          </a:prstGeom>
+        </p:spPr>
+        <p:txBody>
+          <a:bodyPr wrap="none">
+            <a:spAutoFit/>
+          </a:bodyPr>
+          <a:lstStyle/>
+          <a:p>
+            <a:r>
+              <a:rPr lang="en-US" altLang="zh-CN" dirty="0"/>
+              <a:t>Semantic UI</a:t>
+            </a:r>
+            <a:endParaRPr lang="zh-CN" altLang="en-US" dirty="0"/>
+          </a:p>
+        </p:txBody>
+      </p:sp>
+      <p:sp>
+        <p:nvSpPr>
+          <p:cNvPr id="16" name="矩形 15"/>
+          <p:cNvSpPr/>
+          <p:nvPr/>
+        </p:nvSpPr>
+        <p:spPr>
+          <a:xfrm>
+            <a:off x="3332005" y="5858635"/>
+            <a:ext cx="530915" cy="369332"/>
+          </a:xfrm>
+          <a:prstGeom prst="rect">
+            <a:avLst/>
+          </a:prstGeom>
+        </p:spPr>
+        <p:txBody>
+          <a:bodyPr wrap="none">
+            <a:spAutoFit/>
+          </a:bodyPr>
+          <a:lstStyle/>
+          <a:p>
+            <a:r>
+              <a:rPr lang="en-US" altLang="zh-CN" b="1" dirty="0" smtClean="0"/>
+              <a:t>……</a:t>
+            </a:r>
+            <a:endParaRPr lang="en-US" altLang="zh-CN" b="1" dirty="0"/>
+          </a:p>
+        </p:txBody>
+      </p:sp>
+      <p:sp>
+        <p:nvSpPr>
+          <p:cNvPr id="17" name="矩形 16"/>
+          <p:cNvSpPr/>
+          <p:nvPr/>
+        </p:nvSpPr>
+        <p:spPr>
+          <a:xfrm>
+            <a:off x="7630970" y="5737266"/>
+            <a:ext cx="530915" cy="369332"/>
+          </a:xfrm>
+          <a:prstGeom prst="rect">
+            <a:avLst/>
+          </a:prstGeom>
+        </p:spPr>
+        <p:txBody>
+          <a:bodyPr wrap="none">
+            <a:spAutoFit/>
+          </a:bodyPr>
+          <a:lstStyle/>
+          <a:p>
+            <a:r>
+              <a:rPr lang="en-US" altLang="zh-CN" b="1" dirty="0" smtClean="0"/>
+              <a:t>……</a:t>
+            </a:r>
+            <a:endParaRPr lang="en-US" altLang="zh-CN" b="1" dirty="0"/>
+          </a:p>
+        </p:txBody>
+      </p:sp>
+      <p:sp>
+        <p:nvSpPr>
+          <p:cNvPr id="19" name="文本框 18"/>
+          <p:cNvSpPr txBox="1"/>
+          <p:nvPr/>
+        </p:nvSpPr>
+        <p:spPr>
+          <a:xfrm>
+            <a:off x="9827128" y="3565871"/>
+            <a:ext cx="861133" cy="646331"/>
+          </a:xfrm>
+          <a:prstGeom prst="rect">
+            <a:avLst/>
+          </a:prstGeom>
+        </p:spPr>
+        <p:style>
+          <a:lnRef idx="2">
+            <a:schemeClr val="dk1">
+              <a:shade val="50000"/>
+            </a:schemeClr>
+          </a:lnRef>
+          <a:fillRef idx="1">
+            <a:schemeClr val="dk1"/>
+          </a:fillRef>
+          <a:effectRef idx="0">
+            <a:schemeClr val="dk1"/>
+          </a:effectRef>
+          <a:fontRef idx="minor">
+            <a:schemeClr val="lt1"/>
+          </a:fontRef>
+        </p:style>
+        <p:txBody>
+          <a:bodyPr wrap="none" rtlCol="0">
+            <a:spAutoFit/>
+          </a:bodyPr>
+          <a:lstStyle/>
+          <a:p>
+            <a:r>
+              <a:rPr lang="en-US" altLang="zh-CN" dirty="0" smtClean="0"/>
+              <a:t>1. Sass </a:t>
+            </a:r>
+          </a:p>
+          <a:p>
+            <a:r>
+              <a:rPr lang="en-US" altLang="zh-CN" dirty="0" smtClean="0"/>
+              <a:t>2. Less</a:t>
+            </a:r>
+            <a:endParaRPr lang="zh-CN" altLang="en-US" dirty="0"/>
+          </a:p>
+        </p:txBody>
+      </p:sp>
+      <p:sp>
+        <p:nvSpPr>
+          <p:cNvPr id="20" name="文本框 19"/>
+          <p:cNvSpPr txBox="1"/>
+          <p:nvPr/>
+        </p:nvSpPr>
+        <p:spPr>
+          <a:xfrm>
+            <a:off x="10837447" y="3565872"/>
+            <a:ext cx="997389" cy="646331"/>
+          </a:xfrm>
+          <a:prstGeom prst="rect">
+            <a:avLst/>
+          </a:prstGeom>
+        </p:spPr>
+        <p:style>
+          <a:lnRef idx="2">
+            <a:schemeClr val="dk1">
+              <a:shade val="50000"/>
+            </a:schemeClr>
+          </a:lnRef>
+          <a:fillRef idx="1">
+            <a:schemeClr val="dk1"/>
+          </a:fillRef>
+          <a:effectRef idx="0">
+            <a:schemeClr val="dk1"/>
+          </a:effectRef>
+          <a:fontRef idx="minor">
+            <a:schemeClr val="lt1"/>
+          </a:fontRef>
+        </p:style>
+        <p:txBody>
+          <a:bodyPr wrap="none" rtlCol="0">
+            <a:spAutoFit/>
+          </a:bodyPr>
+          <a:lstStyle/>
+          <a:p>
+            <a:pPr marL="342900" indent="-342900">
+              <a:buAutoNum type="arabicPeriod"/>
+            </a:pPr>
+            <a:r>
+              <a:rPr lang="en-US" altLang="zh-CN" dirty="0" err="1" smtClean="0"/>
+              <a:t>Npm</a:t>
+            </a:r>
+            <a:endParaRPr lang="en-US" altLang="zh-CN" dirty="0" smtClean="0"/>
+          </a:p>
+          <a:p>
+            <a:pPr marL="342900" indent="-342900">
+              <a:buAutoNum type="arabicPeriod"/>
+            </a:pPr>
+            <a:r>
+              <a:rPr lang="en-US" altLang="zh-CN" dirty="0" smtClean="0"/>
+              <a:t> </a:t>
+            </a:r>
+            <a:r>
+              <a:rPr lang="en-US" altLang="zh-CN" dirty="0" err="1" smtClean="0"/>
+              <a:t>git</a:t>
+            </a:r>
+            <a:endParaRPr lang="zh-CN" altLang="en-US" dirty="0"/>
+          </a:p>
+        </p:txBody>
+      </p:sp>
+      <p:sp>
+        <p:nvSpPr>
+          <p:cNvPr id="21" name="文本框 20"/>
+          <p:cNvSpPr txBox="1"/>
+          <p:nvPr/>
+        </p:nvSpPr>
+        <p:spPr>
+          <a:xfrm>
+            <a:off x="9827128" y="4406914"/>
+            <a:ext cx="1960345" cy="369332"/>
+          </a:xfrm>
+          <a:prstGeom prst="rect">
+            <a:avLst/>
+          </a:prstGeom>
+        </p:spPr>
+        <p:style>
+          <a:lnRef idx="2">
+            <a:schemeClr val="dk1">
+              <a:shade val="50000"/>
+            </a:schemeClr>
+          </a:lnRef>
+          <a:fillRef idx="1">
+            <a:schemeClr val="dk1"/>
+          </a:fillRef>
+          <a:effectRef idx="0">
+            <a:schemeClr val="dk1"/>
+          </a:effectRef>
+          <a:fontRef idx="minor">
+            <a:schemeClr val="lt1"/>
+          </a:fontRef>
+        </p:style>
+        <p:txBody>
+          <a:bodyPr wrap="none" rtlCol="0">
+            <a:spAutoFit/>
+          </a:bodyPr>
+          <a:lstStyle/>
+          <a:p>
+            <a:r>
+              <a:rPr lang="en-US" altLang="zh-CN" dirty="0" err="1" smtClean="0"/>
+              <a:t>Photoshop,Firebug</a:t>
+            </a:r>
+            <a:endParaRPr lang="en-US" altLang="zh-CN" dirty="0" smtClean="0"/>
+          </a:p>
+        </p:txBody>
+      </p:sp>
+      <p:sp>
+        <p:nvSpPr>
+          <p:cNvPr id="22" name="文本框 21"/>
+          <p:cNvSpPr txBox="1"/>
+          <p:nvPr/>
+        </p:nvSpPr>
+        <p:spPr>
+          <a:xfrm>
+            <a:off x="10001348" y="1996938"/>
+            <a:ext cx="1833488" cy="369332"/>
+          </a:xfrm>
+          <a:prstGeom prst="rect">
+            <a:avLst/>
+          </a:prstGeom>
+        </p:spPr>
+        <p:style>
+          <a:lnRef idx="2">
+            <a:schemeClr val="accent1">
+              <a:shade val="50000"/>
+            </a:schemeClr>
+          </a:lnRef>
+          <a:fillRef idx="1">
+            <a:schemeClr val="accent1"/>
+          </a:fillRef>
+          <a:effectRef idx="0">
+            <a:schemeClr val="accent1"/>
+          </a:effectRef>
+          <a:fontRef idx="minor">
+            <a:schemeClr val="lt1"/>
+          </a:fontRef>
+        </p:style>
+        <p:txBody>
+          <a:bodyPr wrap="square" rtlCol="0">
+            <a:spAutoFit/>
+          </a:bodyPr>
+          <a:lstStyle/>
+          <a:p>
+            <a:pPr algn="ctr"/>
+            <a:r>
+              <a:rPr lang="zh-CN" altLang="en-US" dirty="0"/>
+              <a:t>切图</a:t>
+            </a:r>
+          </a:p>
+        </p:txBody>
+      </p:sp>
+      <p:sp>
+        <p:nvSpPr>
+          <p:cNvPr id="23" name="文本框 22"/>
+          <p:cNvSpPr txBox="1"/>
+          <p:nvPr/>
+        </p:nvSpPr>
+        <p:spPr>
+          <a:xfrm>
+            <a:off x="10001347" y="2690386"/>
+            <a:ext cx="1833489" cy="369332"/>
+          </a:xfrm>
+          <a:prstGeom prst="rect">
+            <a:avLst/>
+          </a:prstGeom>
+        </p:spPr>
+        <p:style>
+          <a:lnRef idx="3">
+            <a:schemeClr val="lt1"/>
+          </a:lnRef>
+          <a:fillRef idx="1">
+            <a:schemeClr val="accent1"/>
+          </a:fillRef>
+          <a:effectRef idx="1">
+            <a:schemeClr val="accent1"/>
+          </a:effectRef>
+          <a:fontRef idx="minor">
+            <a:schemeClr val="lt1"/>
+          </a:fontRef>
+        </p:style>
+        <p:txBody>
+          <a:bodyPr wrap="square" rtlCol="0">
+            <a:spAutoFit/>
+          </a:bodyPr>
+          <a:lstStyle/>
+          <a:p>
+            <a:pPr algn="ctr"/>
+            <a:r>
+              <a:rPr lang="zh-CN" altLang="en-US" dirty="0" smtClean="0"/>
+              <a:t>工具</a:t>
+            </a:r>
+            <a:endParaRPr lang="zh-CN" altLang="en-US" dirty="0"/>
+          </a:p>
+        </p:txBody>
+      </p:sp>
     </p:spTree>
     <p:extLst>
       <p:ext uri="{BB962C8B-B14F-4D97-AF65-F5344CB8AC3E}">
@@ -4830,8 +5299,8 @@
         </p:nvSpPr>
         <p:spPr>
           <a:xfrm>
-            <a:off x="2989385" y="2450123"/>
-            <a:ext cx="5720861" cy="2585323"/>
+            <a:off x="2989385" y="3364519"/>
+            <a:ext cx="5720861" cy="2862322"/>
           </a:xfrm>
           <a:prstGeom prst="rect">
             <a:avLst/>
@@ -4861,7 +5330,17 @@
           <a:p>
             <a:r>
               <a:rPr lang="en-US" altLang="zh-CN" dirty="0" smtClean="0"/>
-              <a:t>&lt;html&gt;</a:t>
+              <a:t>&lt;!DOCTYPE html&gt;</a:t>
+            </a:r>
+          </a:p>
+          <a:p>
+            <a:r>
+              <a:rPr lang="en-US" altLang="zh-CN" dirty="0" smtClean="0"/>
+              <a:t>&lt;</a:t>
+            </a:r>
+            <a:r>
+              <a:rPr lang="en-US" altLang="zh-CN" dirty="0" smtClean="0"/>
+              <a:t>html&gt;</a:t>
             </a:r>
           </a:p>
           <a:p>
@@ -4938,6 +5417,120 @@
             <a:r>
               <a:rPr lang="en-US" altLang="zh-CN" dirty="0" smtClean="0"/>
               <a:t>   </a:t>
+            </a:r>
+            <a:endParaRPr lang="zh-CN" altLang="en-US" dirty="0"/>
+          </a:p>
+        </p:txBody>
+      </p:sp>
+      <p:sp>
+        <p:nvSpPr>
+          <p:cNvPr id="5" name="文本框 4"/>
+          <p:cNvSpPr txBox="1"/>
+          <p:nvPr/>
+        </p:nvSpPr>
+        <p:spPr>
+          <a:xfrm>
+            <a:off x="2989385" y="2028092"/>
+            <a:ext cx="5720861" cy="1200329"/>
+          </a:xfrm>
+          <a:prstGeom prst="rect">
+            <a:avLst/>
+          </a:prstGeom>
+        </p:spPr>
+        <p:style>
+          <a:lnRef idx="0">
+            <a:schemeClr val="dk1"/>
+          </a:lnRef>
+          <a:fillRef idx="3">
+            <a:schemeClr val="dk1"/>
+          </a:fillRef>
+          <a:effectRef idx="3">
+            <a:schemeClr val="dk1"/>
+          </a:effectRef>
+          <a:fontRef idx="minor">
+            <a:schemeClr val="lt1"/>
+          </a:fontRef>
+        </p:style>
+        <p:txBody>
+          <a:bodyPr wrap="square" rtlCol="0">
+            <a:spAutoFit/>
+          </a:bodyPr>
+          <a:lstStyle/>
+          <a:p>
+            <a:r>
+              <a:rPr lang="en-US" altLang="zh-CN" dirty="0" smtClean="0"/>
+              <a:t>{   </a:t>
+            </a:r>
+          </a:p>
+          <a:p>
+            <a:r>
+              <a:rPr lang="en-US" altLang="zh-CN" dirty="0" smtClean="0"/>
+              <a:t>&lt;</a:t>
+            </a:r>
+            <a:r>
+              <a:rPr lang="zh-CN" altLang="en-US" dirty="0" smtClean="0"/>
+              <a:t>标签名 属性名 </a:t>
+            </a:r>
+            <a:r>
+              <a:rPr lang="en-US" altLang="zh-CN" dirty="0" smtClean="0"/>
+              <a:t>= “</a:t>
+            </a:r>
+            <a:r>
+              <a:rPr lang="zh-CN" altLang="en-US" dirty="0" smtClean="0"/>
+              <a:t>属性值</a:t>
+            </a:r>
+            <a:r>
+              <a:rPr lang="en-US" altLang="zh-CN" dirty="0" smtClean="0"/>
+              <a:t>” … &gt; </a:t>
+            </a:r>
+            <a:r>
+              <a:rPr lang="zh-CN" altLang="en-US" dirty="0" smtClean="0"/>
+              <a:t>标签体 </a:t>
+            </a:r>
+            <a:r>
+              <a:rPr lang="en-US" altLang="zh-CN" dirty="0" smtClean="0"/>
+              <a:t>&lt;/</a:t>
+            </a:r>
+            <a:r>
+              <a:rPr lang="zh-CN" altLang="en-US" dirty="0" smtClean="0"/>
+              <a:t>标签名</a:t>
+            </a:r>
+            <a:r>
+              <a:rPr lang="en-US" altLang="zh-CN" dirty="0" smtClean="0"/>
+              <a:t>&gt;</a:t>
+            </a:r>
+          </a:p>
+          <a:p>
+            <a:r>
+              <a:rPr lang="en-US" altLang="zh-CN" dirty="0"/>
+              <a:t>&lt;</a:t>
+            </a:r>
+            <a:r>
+              <a:rPr lang="zh-CN" altLang="en-US" dirty="0"/>
+              <a:t>标签名 属性名 </a:t>
+            </a:r>
+            <a:r>
+              <a:rPr lang="en-US" altLang="zh-CN" dirty="0"/>
+              <a:t>= “</a:t>
+            </a:r>
+            <a:r>
+              <a:rPr lang="zh-CN" altLang="en-US" dirty="0"/>
+              <a:t>属性值</a:t>
+            </a:r>
+            <a:r>
+              <a:rPr lang="en-US" altLang="zh-CN" dirty="0"/>
+              <a:t>” …  </a:t>
+            </a:r>
+            <a:r>
+              <a:rPr lang="en-US" altLang="zh-CN" dirty="0" smtClean="0"/>
+              <a:t>/&gt;</a:t>
+            </a:r>
+            <a:endParaRPr lang="en-US" altLang="zh-CN" dirty="0"/>
+          </a:p>
+          <a:p>
+            <a:r>
+              <a:rPr lang="en-US" altLang="zh-CN" dirty="0" smtClean="0"/>
+              <a:t> }</a:t>
             </a:r>
             <a:endParaRPr lang="zh-CN" altLang="en-US" dirty="0"/>
           </a:p>

--- a/ppt/front-end/HTML5.pptx
+++ b/ppt/front-end/HTML5.pptx
@@ -10,6 +10,16 @@
     <p:sldId id="258" r:id="rId4"/>
     <p:sldId id="259" r:id="rId5"/>
     <p:sldId id="260" r:id="rId6"/>
+    <p:sldId id="261" r:id="rId7"/>
+    <p:sldId id="262" r:id="rId8"/>
+    <p:sldId id="263" r:id="rId9"/>
+    <p:sldId id="264" r:id="rId10"/>
+    <p:sldId id="265" r:id="rId11"/>
+    <p:sldId id="266" r:id="rId12"/>
+    <p:sldId id="267" r:id="rId13"/>
+    <p:sldId id="268" r:id="rId14"/>
+    <p:sldId id="270" r:id="rId15"/>
+    <p:sldId id="269" r:id="rId16"/>
   </p:sldIdLst>
   <p:sldSz cx="12192000" cy="6858000"/>
   <p:notesSz cx="6858000" cy="9144000"/>
@@ -109,6 +119,33 @@
     </a:lvl9pPr>
   </p:defaultTextStyle>
   <p:extLst>
+    <p:ext uri="{521415D9-36F7-43E2-AB2F-B90AF26B5E84}">
+      <p14:sectionLst xmlns:p14="http://schemas.microsoft.com/office/powerpoint/2010/main">
+        <p14:section name="默认节" id="{51D7360F-A1AE-47BA-B382-EF2F88F24DB0}">
+          <p14:sldIdLst>
+            <p14:sldId id="256"/>
+            <p14:sldId id="257"/>
+            <p14:sldId id="258"/>
+            <p14:sldId id="259"/>
+            <p14:sldId id="260"/>
+          </p14:sldIdLst>
+        </p14:section>
+        <p14:section name="HTML标签" id="{9A1FE9CA-5400-4D8C-AD4A-5FAF0E6957FD}">
+          <p14:sldIdLst>
+            <p14:sldId id="261"/>
+            <p14:sldId id="262"/>
+            <p14:sldId id="263"/>
+            <p14:sldId id="264"/>
+            <p14:sldId id="265"/>
+            <p14:sldId id="266"/>
+            <p14:sldId id="267"/>
+            <p14:sldId id="268"/>
+            <p14:sldId id="270"/>
+            <p14:sldId id="269"/>
+          </p14:sldIdLst>
+        </p14:section>
+      </p14:sectionLst>
+    </p:ext>
     <p:ext uri="{EFAFB233-063F-42B5-8137-9DF3F51BA10A}">
       <p15:sldGuideLst xmlns:p15="http://schemas.microsoft.com/office/powerpoint/2012/main"/>
     </p:ext>
@@ -4091,6 +4128,1545 @@
 </p:sld>
 </file>
 
+<file path=ppt/slides/slide10.xml><?xml version="1.0" encoding="utf-8"?>
+<p:sld xmlns:a="http://schemas.openxmlformats.org/drawingml/2006/main" xmlns:r="http://schemas.openxmlformats.org/officeDocument/2006/relationships" xmlns:p="http://schemas.openxmlformats.org/presentationml/2006/main">
+  <p:cSld>
+    <p:spTree>
+      <p:nvGrpSpPr>
+        <p:cNvPr id="1" name=""/>
+        <p:cNvGrpSpPr/>
+        <p:nvPr/>
+      </p:nvGrpSpPr>
+      <p:grpSpPr>
+        <a:xfrm>
+          <a:off x="0" y="0"/>
+          <a:ext cx="0" cy="0"/>
+          <a:chOff x="0" y="0"/>
+          <a:chExt cx="0" cy="0"/>
+        </a:xfrm>
+      </p:grpSpPr>
+      <p:sp>
+        <p:nvSpPr>
+          <p:cNvPr id="2" name="标题 1"/>
+          <p:cNvSpPr>
+            <a:spLocks noGrp="1"/>
+          </p:cNvSpPr>
+          <p:nvPr>
+            <p:ph type="title"/>
+          </p:nvPr>
+        </p:nvSpPr>
+        <p:spPr/>
+        <p:txBody>
+          <a:bodyPr/>
+          <a:lstStyle/>
+          <a:p>
+            <a:r>
+              <a:rPr lang="zh-CN" altLang="en-US" dirty="0" smtClean="0"/>
+              <a:t>图片标签</a:t>
+            </a:r>
+            <a:endParaRPr lang="zh-CN" altLang="en-US" dirty="0"/>
+          </a:p>
+        </p:txBody>
+      </p:sp>
+      <p:sp>
+        <p:nvSpPr>
+          <p:cNvPr id="3" name="矩形 2"/>
+          <p:cNvSpPr/>
+          <p:nvPr/>
+        </p:nvSpPr>
+        <p:spPr>
+          <a:xfrm>
+            <a:off x="650629" y="1733900"/>
+            <a:ext cx="6840243" cy="2031325"/>
+          </a:xfrm>
+          <a:prstGeom prst="rect">
+            <a:avLst/>
+          </a:prstGeom>
+        </p:spPr>
+        <p:style>
+          <a:lnRef idx="2">
+            <a:schemeClr val="dk1">
+              <a:shade val="50000"/>
+            </a:schemeClr>
+          </a:lnRef>
+          <a:fillRef idx="1">
+            <a:schemeClr val="dk1"/>
+          </a:fillRef>
+          <a:effectRef idx="0">
+            <a:schemeClr val="dk1"/>
+          </a:effectRef>
+          <a:fontRef idx="minor">
+            <a:schemeClr val="lt1"/>
+          </a:fontRef>
+        </p:style>
+        <p:txBody>
+          <a:bodyPr wrap="square">
+            <a:spAutoFit/>
+          </a:bodyPr>
+          <a:lstStyle/>
+          <a:p>
+            <a:pPr>
+              <a:lnSpc>
+                <a:spcPct val="150000"/>
+              </a:lnSpc>
+            </a:pPr>
+            <a:r>
+              <a:rPr lang="en-US" altLang="zh-CN" sz="2800" dirty="0" err="1" smtClean="0">
+                <a:solidFill>
+                  <a:schemeClr val="bg1"/>
+                </a:solidFill>
+                <a:ea typeface="SimSun" panose="02010600030101010101" pitchFamily="2" charset="-122"/>
+              </a:rPr>
+              <a:t>img</a:t>
+            </a:r>
+            <a:endParaRPr lang="en-US" altLang="zh-CN" sz="2800" dirty="0" smtClean="0">
+              <a:solidFill>
+                <a:schemeClr val="bg1"/>
+              </a:solidFill>
+              <a:ea typeface="SimSun" panose="02010600030101010101" pitchFamily="2" charset="-122"/>
+            </a:endParaRPr>
+          </a:p>
+          <a:p>
+            <a:pPr>
+              <a:lnSpc>
+                <a:spcPct val="150000"/>
+              </a:lnSpc>
+            </a:pPr>
+            <a:r>
+              <a:rPr lang="en-US" altLang="zh-CN" sz="2800" dirty="0" smtClean="0">
+                <a:solidFill>
+                  <a:schemeClr val="bg1"/>
+                </a:solidFill>
+                <a:ea typeface="SimSun" panose="02010600030101010101" pitchFamily="2" charset="-122"/>
+              </a:rPr>
+              <a:t>map&gt;</a:t>
+            </a:r>
+            <a:r>
+              <a:rPr lang="zh-CN" altLang="zh-CN" sz="2800" dirty="0" smtClean="0">
+                <a:solidFill>
+                  <a:schemeClr val="bg1"/>
+                </a:solidFill>
+                <a:ea typeface="Calibri" panose="020F0502020204030204" pitchFamily="34" charset="0"/>
+              </a:rPr>
+              <a:t>area</a:t>
+            </a:r>
+            <a:endParaRPr lang="en-US" altLang="zh-CN" sz="2800" dirty="0" smtClean="0">
+              <a:solidFill>
+                <a:schemeClr val="bg1"/>
+              </a:solidFill>
+              <a:ea typeface="Calibri" panose="020F0502020204030204" pitchFamily="34" charset="0"/>
+            </a:endParaRPr>
+          </a:p>
+          <a:p>
+            <a:pPr>
+              <a:lnSpc>
+                <a:spcPct val="150000"/>
+              </a:lnSpc>
+            </a:pPr>
+            <a:r>
+              <a:rPr lang="zh-CN" altLang="zh-CN" sz="2800" dirty="0" smtClean="0">
+                <a:solidFill>
+                  <a:schemeClr val="bg1"/>
+                </a:solidFill>
+                <a:ea typeface="Calibri" panose="020F0502020204030204" pitchFamily="34" charset="0"/>
+              </a:rPr>
+              <a:t>figure</a:t>
+            </a:r>
+            <a:r>
+              <a:rPr lang="en-US" altLang="zh-CN" sz="2800" dirty="0" smtClean="0">
+                <a:solidFill>
+                  <a:schemeClr val="bg1"/>
+                </a:solidFill>
+                <a:ea typeface="Calibri" panose="020F0502020204030204" pitchFamily="34" charset="0"/>
+              </a:rPr>
+              <a:t>&gt;</a:t>
+            </a:r>
+            <a:r>
+              <a:rPr lang="zh-CN" altLang="zh-CN" sz="2800" dirty="0" smtClean="0">
+                <a:solidFill>
+                  <a:schemeClr val="bg1"/>
+                </a:solidFill>
+                <a:ea typeface="Calibri" panose="020F0502020204030204" pitchFamily="34" charset="0"/>
+              </a:rPr>
+              <a:t>figcaption</a:t>
+            </a:r>
+            <a:r>
+              <a:rPr lang="en-US" altLang="zh-CN" sz="2800" dirty="0" smtClean="0">
+                <a:solidFill>
+                  <a:schemeClr val="bg1"/>
+                </a:solidFill>
+                <a:ea typeface="Calibri" panose="020F0502020204030204" pitchFamily="34" charset="0"/>
+              </a:rPr>
+              <a:t>+</a:t>
+            </a:r>
+            <a:r>
+              <a:rPr lang="en-US" altLang="zh-CN" sz="2800" dirty="0" err="1" smtClean="0">
+                <a:solidFill>
+                  <a:schemeClr val="bg1"/>
+                </a:solidFill>
+                <a:ea typeface="Calibri" panose="020F0502020204030204" pitchFamily="34" charset="0"/>
+              </a:rPr>
+              <a:t>img</a:t>
+            </a:r>
+            <a:endParaRPr lang="zh-CN" altLang="en-US" sz="2800" dirty="0">
+              <a:solidFill>
+                <a:schemeClr val="bg1"/>
+              </a:solidFill>
+            </a:endParaRPr>
+          </a:p>
+        </p:txBody>
+      </p:sp>
+      <p:sp>
+        <p:nvSpPr>
+          <p:cNvPr id="5" name="文本框 4"/>
+          <p:cNvSpPr txBox="1"/>
+          <p:nvPr/>
+        </p:nvSpPr>
+        <p:spPr>
+          <a:xfrm>
+            <a:off x="650629" y="1266093"/>
+            <a:ext cx="1301959" cy="369332"/>
+          </a:xfrm>
+          <a:prstGeom prst="rect">
+            <a:avLst/>
+          </a:prstGeom>
+        </p:spPr>
+        <p:style>
+          <a:lnRef idx="2">
+            <a:schemeClr val="dk1">
+              <a:shade val="50000"/>
+            </a:schemeClr>
+          </a:lnRef>
+          <a:fillRef idx="1">
+            <a:schemeClr val="dk1"/>
+          </a:fillRef>
+          <a:effectRef idx="0">
+            <a:schemeClr val="dk1"/>
+          </a:effectRef>
+          <a:fontRef idx="minor">
+            <a:schemeClr val="lt1"/>
+          </a:fontRef>
+        </p:style>
+        <p:txBody>
+          <a:bodyPr wrap="none" rtlCol="0">
+            <a:spAutoFit/>
+          </a:bodyPr>
+          <a:lstStyle/>
+          <a:p>
+            <a:r>
+              <a:rPr lang="en-US" altLang="zh-CN" dirty="0" smtClean="0">
+                <a:latin typeface="微软雅黑" panose="020B0503020204020204" pitchFamily="34" charset="-122"/>
+                <a:ea typeface="微软雅黑" panose="020B0503020204020204" pitchFamily="34" charset="-122"/>
+              </a:rPr>
+              <a:t>HTML</a:t>
+            </a:r>
+            <a:r>
+              <a:rPr lang="zh-CN" altLang="en-US" dirty="0" smtClean="0">
+                <a:latin typeface="微软雅黑" panose="020B0503020204020204" pitchFamily="34" charset="-122"/>
+                <a:ea typeface="微软雅黑" panose="020B0503020204020204" pitchFamily="34" charset="-122"/>
+              </a:rPr>
+              <a:t>标签</a:t>
+            </a:r>
+            <a:endParaRPr lang="zh-CN" altLang="en-US" dirty="0">
+              <a:latin typeface="微软雅黑" panose="020B0503020204020204" pitchFamily="34" charset="-122"/>
+              <a:ea typeface="微软雅黑" panose="020B0503020204020204" pitchFamily="34" charset="-122"/>
+            </a:endParaRPr>
+          </a:p>
+        </p:txBody>
+      </p:sp>
+    </p:spTree>
+    <p:extLst>
+      <p:ext uri="{BB962C8B-B14F-4D97-AF65-F5344CB8AC3E}">
+        <p14:creationId xmlns:p14="http://schemas.microsoft.com/office/powerpoint/2010/main" val="567005619"/>
+      </p:ext>
+    </p:extLst>
+  </p:cSld>
+  <p:clrMapOvr>
+    <a:masterClrMapping/>
+  </p:clrMapOvr>
+  <p:timing>
+    <p:tnLst>
+      <p:par>
+        <p:cTn id="1" dur="indefinite" restart="never" nodeType="tmRoot"/>
+      </p:par>
+    </p:tnLst>
+  </p:timing>
+</p:sld>
+</file>
+
+<file path=ppt/slides/slide11.xml><?xml version="1.0" encoding="utf-8"?>
+<p:sld xmlns:a="http://schemas.openxmlformats.org/drawingml/2006/main" xmlns:r="http://schemas.openxmlformats.org/officeDocument/2006/relationships" xmlns:p="http://schemas.openxmlformats.org/presentationml/2006/main">
+  <p:cSld>
+    <p:spTree>
+      <p:nvGrpSpPr>
+        <p:cNvPr id="1" name=""/>
+        <p:cNvGrpSpPr/>
+        <p:nvPr/>
+      </p:nvGrpSpPr>
+      <p:grpSpPr>
+        <a:xfrm>
+          <a:off x="0" y="0"/>
+          <a:ext cx="0" cy="0"/>
+          <a:chOff x="0" y="0"/>
+          <a:chExt cx="0" cy="0"/>
+        </a:xfrm>
+      </p:grpSpPr>
+      <p:sp>
+        <p:nvSpPr>
+          <p:cNvPr id="2" name="标题 1"/>
+          <p:cNvSpPr>
+            <a:spLocks noGrp="1"/>
+          </p:cNvSpPr>
+          <p:nvPr>
+            <p:ph type="title"/>
+          </p:nvPr>
+        </p:nvSpPr>
+        <p:spPr/>
+        <p:txBody>
+          <a:bodyPr/>
+          <a:lstStyle/>
+          <a:p>
+            <a:r>
+              <a:rPr lang="zh-CN" altLang="en-US" dirty="0" smtClean="0"/>
+              <a:t>媒体标签</a:t>
+            </a:r>
+            <a:endParaRPr lang="zh-CN" altLang="en-US" dirty="0"/>
+          </a:p>
+        </p:txBody>
+      </p:sp>
+      <p:sp>
+        <p:nvSpPr>
+          <p:cNvPr id="3" name="矩形 2"/>
+          <p:cNvSpPr/>
+          <p:nvPr/>
+        </p:nvSpPr>
+        <p:spPr>
+          <a:xfrm>
+            <a:off x="650629" y="1733900"/>
+            <a:ext cx="6608230" cy="2031325"/>
+          </a:xfrm>
+          <a:prstGeom prst="rect">
+            <a:avLst/>
+          </a:prstGeom>
+        </p:spPr>
+        <p:style>
+          <a:lnRef idx="2">
+            <a:schemeClr val="dk1">
+              <a:shade val="50000"/>
+            </a:schemeClr>
+          </a:lnRef>
+          <a:fillRef idx="1">
+            <a:schemeClr val="dk1"/>
+          </a:fillRef>
+          <a:effectRef idx="0">
+            <a:schemeClr val="dk1"/>
+          </a:effectRef>
+          <a:fontRef idx="minor">
+            <a:schemeClr val="lt1"/>
+          </a:fontRef>
+        </p:style>
+        <p:txBody>
+          <a:bodyPr wrap="square">
+            <a:spAutoFit/>
+          </a:bodyPr>
+          <a:lstStyle/>
+          <a:p>
+            <a:pPr>
+              <a:lnSpc>
+                <a:spcPct val="150000"/>
+              </a:lnSpc>
+            </a:pPr>
+            <a:r>
+              <a:rPr lang="en-US" altLang="zh-CN" sz="2800" dirty="0" smtClean="0">
+                <a:solidFill>
+                  <a:schemeClr val="bg1"/>
+                </a:solidFill>
+                <a:ea typeface="Calibri" panose="020F0502020204030204" pitchFamily="34" charset="0"/>
+              </a:rPr>
+              <a:t>video+</a:t>
+            </a:r>
+            <a:r>
+              <a:rPr lang="zh-CN" altLang="zh-CN" sz="2800" dirty="0" smtClean="0">
+                <a:solidFill>
+                  <a:schemeClr val="bg1"/>
+                </a:solidFill>
+                <a:ea typeface="Calibri" panose="020F0502020204030204" pitchFamily="34" charset="0"/>
+              </a:rPr>
+              <a:t>audio</a:t>
+            </a:r>
+            <a:r>
+              <a:rPr lang="en-US" altLang="zh-CN" sz="2800" dirty="0" smtClean="0">
+                <a:solidFill>
+                  <a:schemeClr val="bg1"/>
+                </a:solidFill>
+                <a:ea typeface="Calibri" panose="020F0502020204030204" pitchFamily="34" charset="0"/>
+              </a:rPr>
+              <a:t>&gt;source+</a:t>
+            </a:r>
+            <a:r>
+              <a:rPr lang="zh-CN" altLang="zh-CN" sz="2800" dirty="0" smtClean="0">
+                <a:solidFill>
+                  <a:schemeClr val="bg1"/>
+                </a:solidFill>
+                <a:ea typeface="Calibri" panose="020F0502020204030204" pitchFamily="34" charset="0"/>
+              </a:rPr>
+              <a:t>track</a:t>
+            </a:r>
+            <a:endParaRPr lang="en-US" altLang="zh-CN" sz="2800" dirty="0" smtClean="0">
+              <a:solidFill>
+                <a:schemeClr val="bg1"/>
+              </a:solidFill>
+              <a:ea typeface="Calibri" panose="020F0502020204030204" pitchFamily="34" charset="0"/>
+            </a:endParaRPr>
+          </a:p>
+          <a:p>
+            <a:pPr>
+              <a:lnSpc>
+                <a:spcPct val="150000"/>
+              </a:lnSpc>
+            </a:pPr>
+            <a:r>
+              <a:rPr lang="en-US" altLang="zh-CN" sz="2800" dirty="0" smtClean="0">
+                <a:solidFill>
+                  <a:schemeClr val="bg1"/>
+                </a:solidFill>
+                <a:ea typeface="SimSun" panose="02010600030101010101" pitchFamily="2" charset="-122"/>
+              </a:rPr>
+              <a:t>object&gt;</a:t>
+            </a:r>
+            <a:r>
+              <a:rPr lang="en-US" altLang="zh-CN" sz="2800" dirty="0" err="1" smtClean="0">
+                <a:solidFill>
+                  <a:schemeClr val="bg1"/>
+                </a:solidFill>
+                <a:ea typeface="SimSun" panose="02010600030101010101" pitchFamily="2" charset="-122"/>
+              </a:rPr>
+              <a:t>param</a:t>
+            </a:r>
+            <a:endParaRPr lang="en-US" altLang="zh-CN" sz="2800" dirty="0" smtClean="0">
+              <a:solidFill>
+                <a:schemeClr val="bg1"/>
+              </a:solidFill>
+              <a:ea typeface="SimSun" panose="02010600030101010101" pitchFamily="2" charset="-122"/>
+            </a:endParaRPr>
+          </a:p>
+          <a:p>
+            <a:pPr>
+              <a:lnSpc>
+                <a:spcPct val="150000"/>
+              </a:lnSpc>
+            </a:pPr>
+            <a:r>
+              <a:rPr lang="zh-CN" altLang="zh-CN" sz="2800" dirty="0" smtClean="0">
+                <a:solidFill>
+                  <a:schemeClr val="bg1"/>
+                </a:solidFill>
+                <a:ea typeface="Calibri" panose="020F0502020204030204" pitchFamily="34" charset="0"/>
+              </a:rPr>
+              <a:t>embed </a:t>
+            </a:r>
+            <a:endParaRPr lang="zh-CN" altLang="en-US" sz="2800" dirty="0">
+              <a:solidFill>
+                <a:schemeClr val="bg1"/>
+              </a:solidFill>
+            </a:endParaRPr>
+          </a:p>
+        </p:txBody>
+      </p:sp>
+      <p:sp>
+        <p:nvSpPr>
+          <p:cNvPr id="4" name="文本框 3"/>
+          <p:cNvSpPr txBox="1"/>
+          <p:nvPr/>
+        </p:nvSpPr>
+        <p:spPr>
+          <a:xfrm>
+            <a:off x="650629" y="1266093"/>
+            <a:ext cx="1301959" cy="369332"/>
+          </a:xfrm>
+          <a:prstGeom prst="rect">
+            <a:avLst/>
+          </a:prstGeom>
+        </p:spPr>
+        <p:style>
+          <a:lnRef idx="2">
+            <a:schemeClr val="dk1">
+              <a:shade val="50000"/>
+            </a:schemeClr>
+          </a:lnRef>
+          <a:fillRef idx="1">
+            <a:schemeClr val="dk1"/>
+          </a:fillRef>
+          <a:effectRef idx="0">
+            <a:schemeClr val="dk1"/>
+          </a:effectRef>
+          <a:fontRef idx="minor">
+            <a:schemeClr val="lt1"/>
+          </a:fontRef>
+        </p:style>
+        <p:txBody>
+          <a:bodyPr wrap="none" rtlCol="0">
+            <a:spAutoFit/>
+          </a:bodyPr>
+          <a:lstStyle/>
+          <a:p>
+            <a:r>
+              <a:rPr lang="en-US" altLang="zh-CN" dirty="0" smtClean="0">
+                <a:latin typeface="微软雅黑" panose="020B0503020204020204" pitchFamily="34" charset="-122"/>
+                <a:ea typeface="微软雅黑" panose="020B0503020204020204" pitchFamily="34" charset="-122"/>
+              </a:rPr>
+              <a:t>HTML</a:t>
+            </a:r>
+            <a:r>
+              <a:rPr lang="zh-CN" altLang="en-US" dirty="0" smtClean="0">
+                <a:latin typeface="微软雅黑" panose="020B0503020204020204" pitchFamily="34" charset="-122"/>
+                <a:ea typeface="微软雅黑" panose="020B0503020204020204" pitchFamily="34" charset="-122"/>
+              </a:rPr>
+              <a:t>标签</a:t>
+            </a:r>
+            <a:endParaRPr lang="zh-CN" altLang="en-US" dirty="0">
+              <a:latin typeface="微软雅黑" panose="020B0503020204020204" pitchFamily="34" charset="-122"/>
+              <a:ea typeface="微软雅黑" panose="020B0503020204020204" pitchFamily="34" charset="-122"/>
+            </a:endParaRPr>
+          </a:p>
+        </p:txBody>
+      </p:sp>
+    </p:spTree>
+    <p:extLst>
+      <p:ext uri="{BB962C8B-B14F-4D97-AF65-F5344CB8AC3E}">
+        <p14:creationId xmlns:p14="http://schemas.microsoft.com/office/powerpoint/2010/main" val="480013136"/>
+      </p:ext>
+    </p:extLst>
+  </p:cSld>
+  <p:clrMapOvr>
+    <a:masterClrMapping/>
+  </p:clrMapOvr>
+  <p:timing>
+    <p:tnLst>
+      <p:par>
+        <p:cTn id="1" dur="indefinite" restart="never" nodeType="tmRoot"/>
+      </p:par>
+    </p:tnLst>
+  </p:timing>
+</p:sld>
+</file>
+
+<file path=ppt/slides/slide12.xml><?xml version="1.0" encoding="utf-8"?>
+<p:sld xmlns:a="http://schemas.openxmlformats.org/drawingml/2006/main" xmlns:r="http://schemas.openxmlformats.org/officeDocument/2006/relationships" xmlns:p="http://schemas.openxmlformats.org/presentationml/2006/main">
+  <p:cSld>
+    <p:spTree>
+      <p:nvGrpSpPr>
+        <p:cNvPr id="1" name=""/>
+        <p:cNvGrpSpPr/>
+        <p:nvPr/>
+      </p:nvGrpSpPr>
+      <p:grpSpPr>
+        <a:xfrm>
+          <a:off x="0" y="0"/>
+          <a:ext cx="0" cy="0"/>
+          <a:chOff x="0" y="0"/>
+          <a:chExt cx="0" cy="0"/>
+        </a:xfrm>
+      </p:grpSpPr>
+      <p:sp>
+        <p:nvSpPr>
+          <p:cNvPr id="2" name="标题 1"/>
+          <p:cNvSpPr>
+            <a:spLocks noGrp="1"/>
+          </p:cNvSpPr>
+          <p:nvPr>
+            <p:ph type="title"/>
+          </p:nvPr>
+        </p:nvSpPr>
+        <p:spPr/>
+        <p:txBody>
+          <a:bodyPr/>
+          <a:lstStyle/>
+          <a:p>
+            <a:r>
+              <a:rPr lang="zh-CN" altLang="en-US" dirty="0" smtClean="0"/>
+              <a:t>表单标签</a:t>
+            </a:r>
+            <a:endParaRPr lang="zh-CN" altLang="en-US" dirty="0"/>
+          </a:p>
+        </p:txBody>
+      </p:sp>
+      <p:sp>
+        <p:nvSpPr>
+          <p:cNvPr id="3" name="矩形 2"/>
+          <p:cNvSpPr/>
+          <p:nvPr/>
+        </p:nvSpPr>
+        <p:spPr>
+          <a:xfrm>
+            <a:off x="650629" y="1733900"/>
+            <a:ext cx="6505433" cy="3903504"/>
+          </a:xfrm>
+          <a:prstGeom prst="rect">
+            <a:avLst/>
+          </a:prstGeom>
+        </p:spPr>
+        <p:style>
+          <a:lnRef idx="2">
+            <a:schemeClr val="dk1">
+              <a:shade val="50000"/>
+            </a:schemeClr>
+          </a:lnRef>
+          <a:fillRef idx="1">
+            <a:schemeClr val="dk1"/>
+          </a:fillRef>
+          <a:effectRef idx="0">
+            <a:schemeClr val="dk1"/>
+          </a:effectRef>
+          <a:fontRef idx="minor">
+            <a:schemeClr val="lt1"/>
+          </a:fontRef>
+        </p:style>
+        <p:txBody>
+          <a:bodyPr wrap="square">
+            <a:spAutoFit/>
+          </a:bodyPr>
+          <a:lstStyle/>
+          <a:p>
+            <a:pPr>
+              <a:lnSpc>
+                <a:spcPct val="150000"/>
+              </a:lnSpc>
+            </a:pPr>
+            <a:r>
+              <a:rPr lang="en-US" altLang="zh-CN" sz="2800" dirty="0" smtClean="0">
+                <a:solidFill>
+                  <a:schemeClr val="bg1"/>
+                </a:solidFill>
+                <a:ea typeface="SimSun" panose="02010600030101010101" pitchFamily="2" charset="-122"/>
+              </a:rPr>
+              <a:t>form</a:t>
+            </a:r>
+          </a:p>
+          <a:p>
+            <a:pPr>
+              <a:lnSpc>
+                <a:spcPct val="150000"/>
+              </a:lnSpc>
+            </a:pPr>
+            <a:r>
+              <a:rPr lang="en-US" altLang="zh-CN" sz="2800" dirty="0" smtClean="0">
+                <a:solidFill>
+                  <a:schemeClr val="bg1"/>
+                </a:solidFill>
+                <a:ea typeface="SimSun" panose="02010600030101010101" pitchFamily="2" charset="-122"/>
+              </a:rPr>
+              <a:t>input</a:t>
+            </a:r>
+          </a:p>
+          <a:p>
+            <a:pPr>
+              <a:lnSpc>
+                <a:spcPct val="150000"/>
+              </a:lnSpc>
+            </a:pPr>
+            <a:r>
+              <a:rPr lang="en-US" altLang="zh-CN" sz="2800" dirty="0" smtClean="0">
+                <a:solidFill>
+                  <a:schemeClr val="bg1"/>
+                </a:solidFill>
+                <a:ea typeface="SimSun" panose="02010600030101010101" pitchFamily="2" charset="-122"/>
+              </a:rPr>
+              <a:t>button</a:t>
+            </a:r>
+          </a:p>
+          <a:p>
+            <a:pPr>
+              <a:lnSpc>
+                <a:spcPct val="150000"/>
+              </a:lnSpc>
+            </a:pPr>
+            <a:r>
+              <a:rPr lang="en-US" altLang="zh-CN" sz="2800" dirty="0" smtClean="0">
+                <a:solidFill>
+                  <a:schemeClr val="bg1"/>
+                </a:solidFill>
+                <a:ea typeface="SimSun" panose="02010600030101010101" pitchFamily="2" charset="-122"/>
+              </a:rPr>
+              <a:t>select&gt;option-group&gt;option</a:t>
+            </a:r>
+          </a:p>
+          <a:p>
+            <a:pPr>
+              <a:lnSpc>
+                <a:spcPct val="150000"/>
+              </a:lnSpc>
+            </a:pPr>
+            <a:r>
+              <a:rPr lang="en-US" altLang="zh-CN" sz="2800" dirty="0" err="1" smtClean="0">
+                <a:solidFill>
+                  <a:schemeClr val="bg1"/>
+                </a:solidFill>
+                <a:ea typeface="SimSun" panose="02010600030101010101" pitchFamily="2" charset="-122"/>
+              </a:rPr>
+              <a:t>textarea</a:t>
+            </a:r>
+            <a:endParaRPr lang="en-US" altLang="zh-CN" sz="2800" dirty="0" smtClean="0">
+              <a:solidFill>
+                <a:schemeClr val="bg1"/>
+              </a:solidFill>
+              <a:ea typeface="SimSun" panose="02010600030101010101" pitchFamily="2" charset="-122"/>
+            </a:endParaRPr>
+          </a:p>
+          <a:p>
+            <a:pPr>
+              <a:lnSpc>
+                <a:spcPct val="150000"/>
+              </a:lnSpc>
+            </a:pPr>
+            <a:r>
+              <a:rPr lang="zh-CN" altLang="zh-CN" sz="2800" dirty="0" smtClean="0">
+                <a:solidFill>
+                  <a:schemeClr val="bg1"/>
+                </a:solidFill>
+                <a:ea typeface="Calibri" panose="020F0502020204030204" pitchFamily="34" charset="0"/>
+              </a:rPr>
+              <a:t>command </a:t>
+            </a:r>
+            <a:endParaRPr lang="zh-CN" altLang="en-US" sz="2800" dirty="0">
+              <a:solidFill>
+                <a:schemeClr val="bg1"/>
+              </a:solidFill>
+            </a:endParaRPr>
+          </a:p>
+        </p:txBody>
+      </p:sp>
+      <p:sp>
+        <p:nvSpPr>
+          <p:cNvPr id="4" name="文本框 3"/>
+          <p:cNvSpPr txBox="1"/>
+          <p:nvPr/>
+        </p:nvSpPr>
+        <p:spPr>
+          <a:xfrm>
+            <a:off x="650629" y="1266093"/>
+            <a:ext cx="1301959" cy="369332"/>
+          </a:xfrm>
+          <a:prstGeom prst="rect">
+            <a:avLst/>
+          </a:prstGeom>
+        </p:spPr>
+        <p:style>
+          <a:lnRef idx="2">
+            <a:schemeClr val="dk1">
+              <a:shade val="50000"/>
+            </a:schemeClr>
+          </a:lnRef>
+          <a:fillRef idx="1">
+            <a:schemeClr val="dk1"/>
+          </a:fillRef>
+          <a:effectRef idx="0">
+            <a:schemeClr val="dk1"/>
+          </a:effectRef>
+          <a:fontRef idx="minor">
+            <a:schemeClr val="lt1"/>
+          </a:fontRef>
+        </p:style>
+        <p:txBody>
+          <a:bodyPr wrap="none" rtlCol="0">
+            <a:spAutoFit/>
+          </a:bodyPr>
+          <a:lstStyle/>
+          <a:p>
+            <a:r>
+              <a:rPr lang="en-US" altLang="zh-CN" dirty="0" smtClean="0">
+                <a:latin typeface="微软雅黑" panose="020B0503020204020204" pitchFamily="34" charset="-122"/>
+                <a:ea typeface="微软雅黑" panose="020B0503020204020204" pitchFamily="34" charset="-122"/>
+              </a:rPr>
+              <a:t>HTML</a:t>
+            </a:r>
+            <a:r>
+              <a:rPr lang="zh-CN" altLang="en-US" dirty="0" smtClean="0">
+                <a:latin typeface="微软雅黑" panose="020B0503020204020204" pitchFamily="34" charset="-122"/>
+                <a:ea typeface="微软雅黑" panose="020B0503020204020204" pitchFamily="34" charset="-122"/>
+              </a:rPr>
+              <a:t>标签</a:t>
+            </a:r>
+            <a:endParaRPr lang="zh-CN" altLang="en-US" dirty="0">
+              <a:latin typeface="微软雅黑" panose="020B0503020204020204" pitchFamily="34" charset="-122"/>
+              <a:ea typeface="微软雅黑" panose="020B0503020204020204" pitchFamily="34" charset="-122"/>
+            </a:endParaRPr>
+          </a:p>
+        </p:txBody>
+      </p:sp>
+    </p:spTree>
+    <p:extLst>
+      <p:ext uri="{BB962C8B-B14F-4D97-AF65-F5344CB8AC3E}">
+        <p14:creationId xmlns:p14="http://schemas.microsoft.com/office/powerpoint/2010/main" val="1631299506"/>
+      </p:ext>
+    </p:extLst>
+  </p:cSld>
+  <p:clrMapOvr>
+    <a:masterClrMapping/>
+  </p:clrMapOvr>
+  <p:timing>
+    <p:tnLst>
+      <p:par>
+        <p:cTn id="1" dur="indefinite" restart="never" nodeType="tmRoot"/>
+      </p:par>
+    </p:tnLst>
+  </p:timing>
+</p:sld>
+</file>
+
+<file path=ppt/slides/slide13.xml><?xml version="1.0" encoding="utf-8"?>
+<p:sld xmlns:a="http://schemas.openxmlformats.org/drawingml/2006/main" xmlns:r="http://schemas.openxmlformats.org/officeDocument/2006/relationships" xmlns:p="http://schemas.openxmlformats.org/presentationml/2006/main">
+  <p:cSld>
+    <p:spTree>
+      <p:nvGrpSpPr>
+        <p:cNvPr id="1" name=""/>
+        <p:cNvGrpSpPr/>
+        <p:nvPr/>
+      </p:nvGrpSpPr>
+      <p:grpSpPr>
+        <a:xfrm>
+          <a:off x="0" y="0"/>
+          <a:ext cx="0" cy="0"/>
+          <a:chOff x="0" y="0"/>
+          <a:chExt cx="0" cy="0"/>
+        </a:xfrm>
+      </p:grpSpPr>
+      <p:sp>
+        <p:nvSpPr>
+          <p:cNvPr id="2" name="标题 1"/>
+          <p:cNvSpPr>
+            <a:spLocks noGrp="1"/>
+          </p:cNvSpPr>
+          <p:nvPr>
+            <p:ph type="title"/>
+          </p:nvPr>
+        </p:nvSpPr>
+        <p:spPr/>
+        <p:txBody>
+          <a:bodyPr/>
+          <a:lstStyle/>
+          <a:p>
+            <a:r>
+              <a:rPr lang="zh-CN" altLang="en-US" dirty="0" smtClean="0"/>
+              <a:t>代码标签</a:t>
+            </a:r>
+            <a:endParaRPr lang="zh-CN" altLang="en-US" dirty="0"/>
+          </a:p>
+        </p:txBody>
+      </p:sp>
+      <p:sp>
+        <p:nvSpPr>
+          <p:cNvPr id="3" name="矩形 2"/>
+          <p:cNvSpPr/>
+          <p:nvPr/>
+        </p:nvSpPr>
+        <p:spPr>
+          <a:xfrm>
+            <a:off x="650629" y="1733900"/>
+            <a:ext cx="6094563" cy="1384995"/>
+          </a:xfrm>
+          <a:prstGeom prst="rect">
+            <a:avLst/>
+          </a:prstGeom>
+        </p:spPr>
+        <p:style>
+          <a:lnRef idx="2">
+            <a:schemeClr val="dk1">
+              <a:shade val="50000"/>
+            </a:schemeClr>
+          </a:lnRef>
+          <a:fillRef idx="1">
+            <a:schemeClr val="dk1"/>
+          </a:fillRef>
+          <a:effectRef idx="0">
+            <a:schemeClr val="dk1"/>
+          </a:effectRef>
+          <a:fontRef idx="minor">
+            <a:schemeClr val="lt1"/>
+          </a:fontRef>
+        </p:style>
+        <p:txBody>
+          <a:bodyPr wrap="square">
+            <a:spAutoFit/>
+          </a:bodyPr>
+          <a:lstStyle/>
+          <a:p>
+            <a:pPr>
+              <a:lnSpc>
+                <a:spcPct val="150000"/>
+              </a:lnSpc>
+            </a:pPr>
+            <a:r>
+              <a:rPr lang="en-US" altLang="zh-CN" sz="2800" dirty="0" smtClean="0">
+                <a:solidFill>
+                  <a:schemeClr val="bg1"/>
+                </a:solidFill>
+                <a:ea typeface="SimSun" panose="02010600030101010101" pitchFamily="2" charset="-122"/>
+              </a:rPr>
+              <a:t>code</a:t>
+            </a:r>
+          </a:p>
+          <a:p>
+            <a:pPr>
+              <a:lnSpc>
+                <a:spcPct val="150000"/>
+              </a:lnSpc>
+            </a:pPr>
+            <a:r>
+              <a:rPr lang="en-US" altLang="zh-CN" sz="2800" dirty="0" err="1" smtClean="0">
+                <a:solidFill>
+                  <a:schemeClr val="bg1"/>
+                </a:solidFill>
+                <a:ea typeface="SimSun" panose="02010600030101010101" pitchFamily="2" charset="-122"/>
+              </a:rPr>
+              <a:t>var</a:t>
+            </a:r>
+            <a:endParaRPr lang="zh-CN" altLang="en-US" sz="2800" dirty="0">
+              <a:solidFill>
+                <a:schemeClr val="bg1"/>
+              </a:solidFill>
+            </a:endParaRPr>
+          </a:p>
+        </p:txBody>
+      </p:sp>
+      <p:sp>
+        <p:nvSpPr>
+          <p:cNvPr id="4" name="文本框 3"/>
+          <p:cNvSpPr txBox="1"/>
+          <p:nvPr/>
+        </p:nvSpPr>
+        <p:spPr>
+          <a:xfrm>
+            <a:off x="650629" y="1266093"/>
+            <a:ext cx="1301959" cy="369332"/>
+          </a:xfrm>
+          <a:prstGeom prst="rect">
+            <a:avLst/>
+          </a:prstGeom>
+        </p:spPr>
+        <p:style>
+          <a:lnRef idx="2">
+            <a:schemeClr val="dk1">
+              <a:shade val="50000"/>
+            </a:schemeClr>
+          </a:lnRef>
+          <a:fillRef idx="1">
+            <a:schemeClr val="dk1"/>
+          </a:fillRef>
+          <a:effectRef idx="0">
+            <a:schemeClr val="dk1"/>
+          </a:effectRef>
+          <a:fontRef idx="minor">
+            <a:schemeClr val="lt1"/>
+          </a:fontRef>
+        </p:style>
+        <p:txBody>
+          <a:bodyPr wrap="none" rtlCol="0">
+            <a:spAutoFit/>
+          </a:bodyPr>
+          <a:lstStyle/>
+          <a:p>
+            <a:r>
+              <a:rPr lang="en-US" altLang="zh-CN" dirty="0" smtClean="0">
+                <a:latin typeface="微软雅黑" panose="020B0503020204020204" pitchFamily="34" charset="-122"/>
+                <a:ea typeface="微软雅黑" panose="020B0503020204020204" pitchFamily="34" charset="-122"/>
+              </a:rPr>
+              <a:t>HTML</a:t>
+            </a:r>
+            <a:r>
+              <a:rPr lang="zh-CN" altLang="en-US" dirty="0" smtClean="0">
+                <a:latin typeface="微软雅黑" panose="020B0503020204020204" pitchFamily="34" charset="-122"/>
+                <a:ea typeface="微软雅黑" panose="020B0503020204020204" pitchFamily="34" charset="-122"/>
+              </a:rPr>
+              <a:t>标签</a:t>
+            </a:r>
+            <a:endParaRPr lang="zh-CN" altLang="en-US" dirty="0">
+              <a:latin typeface="微软雅黑" panose="020B0503020204020204" pitchFamily="34" charset="-122"/>
+              <a:ea typeface="微软雅黑" panose="020B0503020204020204" pitchFamily="34" charset="-122"/>
+            </a:endParaRPr>
+          </a:p>
+        </p:txBody>
+      </p:sp>
+    </p:spTree>
+    <p:extLst>
+      <p:ext uri="{BB962C8B-B14F-4D97-AF65-F5344CB8AC3E}">
+        <p14:creationId xmlns:p14="http://schemas.microsoft.com/office/powerpoint/2010/main" val="2212305487"/>
+      </p:ext>
+    </p:extLst>
+  </p:cSld>
+  <p:clrMapOvr>
+    <a:masterClrMapping/>
+  </p:clrMapOvr>
+  <p:timing>
+    <p:tnLst>
+      <p:par>
+        <p:cTn id="1" dur="indefinite" restart="never" nodeType="tmRoot"/>
+      </p:par>
+    </p:tnLst>
+  </p:timing>
+</p:sld>
+</file>
+
+<file path=ppt/slides/slide14.xml><?xml version="1.0" encoding="utf-8"?>
+<p:sld xmlns:a="http://schemas.openxmlformats.org/drawingml/2006/main" xmlns:r="http://schemas.openxmlformats.org/officeDocument/2006/relationships" xmlns:p="http://schemas.openxmlformats.org/presentationml/2006/main">
+  <p:cSld>
+    <p:spTree>
+      <p:nvGrpSpPr>
+        <p:cNvPr id="1" name=""/>
+        <p:cNvGrpSpPr/>
+        <p:nvPr/>
+      </p:nvGrpSpPr>
+      <p:grpSpPr>
+        <a:xfrm>
+          <a:off x="0" y="0"/>
+          <a:ext cx="0" cy="0"/>
+          <a:chOff x="0" y="0"/>
+          <a:chExt cx="0" cy="0"/>
+        </a:xfrm>
+      </p:grpSpPr>
+      <p:sp>
+        <p:nvSpPr>
+          <p:cNvPr id="2" name="标题 1"/>
+          <p:cNvSpPr>
+            <a:spLocks noGrp="1"/>
+          </p:cNvSpPr>
+          <p:nvPr>
+            <p:ph type="title"/>
+          </p:nvPr>
+        </p:nvSpPr>
+        <p:spPr/>
+        <p:txBody>
+          <a:bodyPr/>
+          <a:lstStyle/>
+          <a:p>
+            <a:r>
+              <a:rPr lang="zh-CN" altLang="en-US" dirty="0" smtClean="0"/>
+              <a:t>链接标签</a:t>
+            </a:r>
+            <a:endParaRPr lang="zh-CN" altLang="en-US" dirty="0"/>
+          </a:p>
+        </p:txBody>
+      </p:sp>
+      <p:sp>
+        <p:nvSpPr>
+          <p:cNvPr id="3" name="文本框 2"/>
+          <p:cNvSpPr txBox="1"/>
+          <p:nvPr/>
+        </p:nvSpPr>
+        <p:spPr>
+          <a:xfrm>
+            <a:off x="2019869" y="2033517"/>
+            <a:ext cx="8120417" cy="369332"/>
+          </a:xfrm>
+          <a:prstGeom prst="rect">
+            <a:avLst/>
+          </a:prstGeom>
+        </p:spPr>
+        <p:style>
+          <a:lnRef idx="2">
+            <a:schemeClr val="dk1">
+              <a:shade val="50000"/>
+            </a:schemeClr>
+          </a:lnRef>
+          <a:fillRef idx="1">
+            <a:schemeClr val="dk1"/>
+          </a:fillRef>
+          <a:effectRef idx="0">
+            <a:schemeClr val="dk1"/>
+          </a:effectRef>
+          <a:fontRef idx="minor">
+            <a:schemeClr val="lt1"/>
+          </a:fontRef>
+        </p:style>
+        <p:txBody>
+          <a:bodyPr wrap="square" rtlCol="0">
+            <a:spAutoFit/>
+          </a:bodyPr>
+          <a:lstStyle/>
+          <a:p>
+            <a:r>
+              <a:rPr lang="en-US" altLang="zh-CN" dirty="0" smtClean="0"/>
+              <a:t>a</a:t>
+            </a:r>
+            <a:endParaRPr lang="zh-CN" altLang="en-US" dirty="0"/>
+          </a:p>
+        </p:txBody>
+      </p:sp>
+      <p:graphicFrame>
+        <p:nvGraphicFramePr>
+          <p:cNvPr id="4" name="表格 3"/>
+          <p:cNvGraphicFramePr>
+            <a:graphicFrameLocks noGrp="1"/>
+          </p:cNvGraphicFramePr>
+          <p:nvPr>
+            <p:extLst>
+              <p:ext uri="{D42A27DB-BD31-4B8C-83A1-F6EECF244321}">
+                <p14:modId xmlns:p14="http://schemas.microsoft.com/office/powerpoint/2010/main" val="2769825694"/>
+              </p:ext>
+            </p:extLst>
+          </p:nvPr>
+        </p:nvGraphicFramePr>
+        <p:xfrm>
+          <a:off x="2018352" y="2712239"/>
+          <a:ext cx="8128000" cy="2225040"/>
+        </p:xfrm>
+        <a:graphic>
+          <a:graphicData uri="http://schemas.openxmlformats.org/drawingml/2006/table">
+            <a:tbl>
+              <a:tblPr firstRow="1" bandRow="1">
+                <a:tableStyleId>{5C22544A-7EE6-4342-B048-85BDC9FD1C3A}</a:tableStyleId>
+              </a:tblPr>
+              <a:tblGrid>
+                <a:gridCol w="4064000"/>
+                <a:gridCol w="4064000"/>
+              </a:tblGrid>
+              <a:tr h="370840">
+                <a:tc>
+                  <a:txBody>
+                    <a:bodyPr/>
+                    <a:lstStyle/>
+                    <a:p>
+                      <a:r>
+                        <a:rPr lang="zh-CN" altLang="en-US" dirty="0" smtClean="0"/>
+                        <a:t>属性</a:t>
+                      </a:r>
+                      <a:endParaRPr lang="zh-CN" altLang="en-US" dirty="0"/>
+                    </a:p>
+                  </a:txBody>
+                  <a:tcPr/>
+                </a:tc>
+                <a:tc>
+                  <a:txBody>
+                    <a:bodyPr/>
+                    <a:lstStyle/>
+                    <a:p>
+                      <a:r>
+                        <a:rPr lang="zh-CN" altLang="en-US" dirty="0" smtClean="0"/>
+                        <a:t>属性值</a:t>
+                      </a:r>
+                      <a:endParaRPr lang="zh-CN" altLang="en-US" dirty="0"/>
+                    </a:p>
+                  </a:txBody>
+                  <a:tcPr/>
+                </a:tc>
+              </a:tr>
+              <a:tr h="370840">
+                <a:tc>
+                  <a:txBody>
+                    <a:bodyPr/>
+                    <a:lstStyle/>
+                    <a:p>
+                      <a:r>
+                        <a:rPr lang="en-US" altLang="zh-CN" dirty="0" err="1" smtClean="0"/>
+                        <a:t>href</a:t>
+                      </a:r>
+                      <a:endParaRPr lang="zh-CN" altLang="en-US" dirty="0"/>
+                    </a:p>
+                  </a:txBody>
+                  <a:tcPr/>
+                </a:tc>
+                <a:tc>
+                  <a:txBody>
+                    <a:bodyPr/>
+                    <a:lstStyle/>
+                    <a:p>
+                      <a:endParaRPr lang="zh-CN" altLang="en-US" dirty="0"/>
+                    </a:p>
+                  </a:txBody>
+                  <a:tcPr/>
+                </a:tc>
+              </a:tr>
+              <a:tr h="370840">
+                <a:tc>
+                  <a:txBody>
+                    <a:bodyPr/>
+                    <a:lstStyle/>
+                    <a:p>
+                      <a:r>
+                        <a:rPr lang="en-US" altLang="zh-CN" dirty="0" smtClean="0"/>
+                        <a:t>target</a:t>
+                      </a:r>
+                      <a:endParaRPr lang="zh-CN" altLang="en-US" dirty="0"/>
+                    </a:p>
+                  </a:txBody>
+                  <a:tcPr/>
+                </a:tc>
+                <a:tc>
+                  <a:txBody>
+                    <a:bodyPr/>
+                    <a:lstStyle/>
+                    <a:p>
+                      <a:endParaRPr lang="zh-CN" altLang="en-US"/>
+                    </a:p>
+                  </a:txBody>
+                  <a:tcPr/>
+                </a:tc>
+              </a:tr>
+              <a:tr h="370840">
+                <a:tc>
+                  <a:txBody>
+                    <a:bodyPr/>
+                    <a:lstStyle/>
+                    <a:p>
+                      <a:endParaRPr lang="zh-CN" altLang="en-US" dirty="0"/>
+                    </a:p>
+                  </a:txBody>
+                  <a:tcPr/>
+                </a:tc>
+                <a:tc>
+                  <a:txBody>
+                    <a:bodyPr/>
+                    <a:lstStyle/>
+                    <a:p>
+                      <a:endParaRPr lang="zh-CN" altLang="en-US"/>
+                    </a:p>
+                  </a:txBody>
+                  <a:tcPr/>
+                </a:tc>
+              </a:tr>
+              <a:tr h="370840">
+                <a:tc>
+                  <a:txBody>
+                    <a:bodyPr/>
+                    <a:lstStyle/>
+                    <a:p>
+                      <a:endParaRPr lang="zh-CN" altLang="en-US"/>
+                    </a:p>
+                  </a:txBody>
+                  <a:tcPr/>
+                </a:tc>
+                <a:tc>
+                  <a:txBody>
+                    <a:bodyPr/>
+                    <a:lstStyle/>
+                    <a:p>
+                      <a:endParaRPr lang="zh-CN" altLang="en-US"/>
+                    </a:p>
+                  </a:txBody>
+                  <a:tcPr/>
+                </a:tc>
+              </a:tr>
+              <a:tr h="370840">
+                <a:tc>
+                  <a:txBody>
+                    <a:bodyPr/>
+                    <a:lstStyle/>
+                    <a:p>
+                      <a:endParaRPr lang="zh-CN" altLang="en-US"/>
+                    </a:p>
+                  </a:txBody>
+                  <a:tcPr/>
+                </a:tc>
+                <a:tc>
+                  <a:txBody>
+                    <a:bodyPr/>
+                    <a:lstStyle/>
+                    <a:p>
+                      <a:endParaRPr lang="zh-CN" altLang="en-US" dirty="0"/>
+                    </a:p>
+                  </a:txBody>
+                  <a:tcPr/>
+                </a:tc>
+              </a:tr>
+            </a:tbl>
+          </a:graphicData>
+        </a:graphic>
+      </p:graphicFrame>
+      <p:sp>
+        <p:nvSpPr>
+          <p:cNvPr id="5" name="文本框 4"/>
+          <p:cNvSpPr txBox="1"/>
+          <p:nvPr/>
+        </p:nvSpPr>
+        <p:spPr>
+          <a:xfrm>
+            <a:off x="650629" y="1266093"/>
+            <a:ext cx="1301959" cy="369332"/>
+          </a:xfrm>
+          <a:prstGeom prst="rect">
+            <a:avLst/>
+          </a:prstGeom>
+        </p:spPr>
+        <p:style>
+          <a:lnRef idx="2">
+            <a:schemeClr val="dk1">
+              <a:shade val="50000"/>
+            </a:schemeClr>
+          </a:lnRef>
+          <a:fillRef idx="1">
+            <a:schemeClr val="dk1"/>
+          </a:fillRef>
+          <a:effectRef idx="0">
+            <a:schemeClr val="dk1"/>
+          </a:effectRef>
+          <a:fontRef idx="minor">
+            <a:schemeClr val="lt1"/>
+          </a:fontRef>
+        </p:style>
+        <p:txBody>
+          <a:bodyPr wrap="none" rtlCol="0">
+            <a:spAutoFit/>
+          </a:bodyPr>
+          <a:lstStyle/>
+          <a:p>
+            <a:r>
+              <a:rPr lang="en-US" altLang="zh-CN" dirty="0" smtClean="0">
+                <a:latin typeface="微软雅黑" panose="020B0503020204020204" pitchFamily="34" charset="-122"/>
+                <a:ea typeface="微软雅黑" panose="020B0503020204020204" pitchFamily="34" charset="-122"/>
+              </a:rPr>
+              <a:t>HTML</a:t>
+            </a:r>
+            <a:r>
+              <a:rPr lang="zh-CN" altLang="en-US" dirty="0" smtClean="0">
+                <a:latin typeface="微软雅黑" panose="020B0503020204020204" pitchFamily="34" charset="-122"/>
+                <a:ea typeface="微软雅黑" panose="020B0503020204020204" pitchFamily="34" charset="-122"/>
+              </a:rPr>
+              <a:t>标签</a:t>
+            </a:r>
+            <a:endParaRPr lang="zh-CN" altLang="en-US" dirty="0">
+              <a:latin typeface="微软雅黑" panose="020B0503020204020204" pitchFamily="34" charset="-122"/>
+              <a:ea typeface="微软雅黑" panose="020B0503020204020204" pitchFamily="34" charset="-122"/>
+            </a:endParaRPr>
+          </a:p>
+        </p:txBody>
+      </p:sp>
+    </p:spTree>
+    <p:extLst>
+      <p:ext uri="{BB962C8B-B14F-4D97-AF65-F5344CB8AC3E}">
+        <p14:creationId xmlns:p14="http://schemas.microsoft.com/office/powerpoint/2010/main" val="2615817918"/>
+      </p:ext>
+    </p:extLst>
+  </p:cSld>
+  <p:clrMapOvr>
+    <a:masterClrMapping/>
+  </p:clrMapOvr>
+  <p:timing>
+    <p:tnLst>
+      <p:par>
+        <p:cTn id="1" dur="indefinite" restart="never" nodeType="tmRoot"/>
+      </p:par>
+    </p:tnLst>
+  </p:timing>
+</p:sld>
+</file>
+
+<file path=ppt/slides/slide15.xml><?xml version="1.0" encoding="utf-8"?>
+<p:sld xmlns:a="http://schemas.openxmlformats.org/drawingml/2006/main" xmlns:r="http://schemas.openxmlformats.org/officeDocument/2006/relationships" xmlns:p="http://schemas.openxmlformats.org/presentationml/2006/main">
+  <p:cSld>
+    <p:spTree>
+      <p:nvGrpSpPr>
+        <p:cNvPr id="1" name=""/>
+        <p:cNvGrpSpPr/>
+        <p:nvPr/>
+      </p:nvGrpSpPr>
+      <p:grpSpPr>
+        <a:xfrm>
+          <a:off x="0" y="0"/>
+          <a:ext cx="0" cy="0"/>
+          <a:chOff x="0" y="0"/>
+          <a:chExt cx="0" cy="0"/>
+        </a:xfrm>
+      </p:grpSpPr>
+      <p:sp>
+        <p:nvSpPr>
+          <p:cNvPr id="2" name="标题 1"/>
+          <p:cNvSpPr>
+            <a:spLocks noGrp="1"/>
+          </p:cNvSpPr>
+          <p:nvPr>
+            <p:ph type="title"/>
+          </p:nvPr>
+        </p:nvSpPr>
+        <p:spPr/>
+        <p:txBody>
+          <a:bodyPr/>
+          <a:lstStyle/>
+          <a:p>
+            <a:r>
+              <a:rPr lang="zh-CN" altLang="en-US" dirty="0" smtClean="0"/>
+              <a:t>框架标签</a:t>
+            </a:r>
+            <a:endParaRPr lang="zh-CN" altLang="en-US" dirty="0"/>
+          </a:p>
+        </p:txBody>
+      </p:sp>
+      <p:sp>
+        <p:nvSpPr>
+          <p:cNvPr id="3" name="矩形 2"/>
+          <p:cNvSpPr/>
+          <p:nvPr/>
+        </p:nvSpPr>
+        <p:spPr>
+          <a:xfrm>
+            <a:off x="650629" y="1733900"/>
+            <a:ext cx="5871252" cy="1384995"/>
+          </a:xfrm>
+          <a:prstGeom prst="rect">
+            <a:avLst/>
+          </a:prstGeom>
+        </p:spPr>
+        <p:style>
+          <a:lnRef idx="2">
+            <a:schemeClr val="dk1">
+              <a:shade val="50000"/>
+            </a:schemeClr>
+          </a:lnRef>
+          <a:fillRef idx="1">
+            <a:schemeClr val="dk1"/>
+          </a:fillRef>
+          <a:effectRef idx="0">
+            <a:schemeClr val="dk1"/>
+          </a:effectRef>
+          <a:fontRef idx="minor">
+            <a:schemeClr val="lt1"/>
+          </a:fontRef>
+        </p:style>
+        <p:txBody>
+          <a:bodyPr wrap="square">
+            <a:spAutoFit/>
+          </a:bodyPr>
+          <a:lstStyle/>
+          <a:p>
+            <a:pPr>
+              <a:lnSpc>
+                <a:spcPct val="150000"/>
+              </a:lnSpc>
+            </a:pPr>
+            <a:r>
+              <a:rPr lang="en-US" altLang="zh-CN" sz="2800" dirty="0" err="1" smtClean="0">
+                <a:solidFill>
+                  <a:schemeClr val="bg1"/>
+                </a:solidFill>
+                <a:ea typeface="SimSun" panose="02010600030101010101" pitchFamily="2" charset="-122"/>
+              </a:rPr>
+              <a:t>iframe</a:t>
+            </a:r>
+            <a:endParaRPr lang="en-US" altLang="zh-CN" sz="2800" dirty="0" smtClean="0">
+              <a:solidFill>
+                <a:schemeClr val="bg1"/>
+              </a:solidFill>
+              <a:ea typeface="SimSun" panose="02010600030101010101" pitchFamily="2" charset="-122"/>
+            </a:endParaRPr>
+          </a:p>
+          <a:p>
+            <a:pPr>
+              <a:lnSpc>
+                <a:spcPct val="150000"/>
+              </a:lnSpc>
+            </a:pPr>
+            <a:r>
+              <a:rPr lang="zh-CN" altLang="zh-CN" sz="2800" dirty="0" smtClean="0">
+                <a:solidFill>
+                  <a:schemeClr val="bg1"/>
+                </a:solidFill>
+                <a:ea typeface="Calibri" panose="020F0502020204030204" pitchFamily="34" charset="0"/>
+              </a:rPr>
+              <a:t>frameset </a:t>
+            </a:r>
+            <a:r>
+              <a:rPr lang="en-US" altLang="zh-CN" sz="2800" dirty="0" smtClean="0">
+                <a:solidFill>
+                  <a:schemeClr val="bg1"/>
+                </a:solidFill>
+                <a:ea typeface="Calibri" panose="020F0502020204030204" pitchFamily="34" charset="0"/>
+              </a:rPr>
+              <a:t>&gt; </a:t>
+            </a:r>
+            <a:r>
+              <a:rPr lang="en-US" altLang="zh-CN" sz="2800" dirty="0" err="1" smtClean="0">
+                <a:solidFill>
+                  <a:schemeClr val="bg1"/>
+                </a:solidFill>
+                <a:ea typeface="Calibri" panose="020F0502020204030204" pitchFamily="34" charset="0"/>
+              </a:rPr>
+              <a:t>frame+noframe</a:t>
+            </a:r>
+            <a:endParaRPr lang="zh-CN" altLang="en-US" sz="2800" dirty="0">
+              <a:solidFill>
+                <a:schemeClr val="bg1"/>
+              </a:solidFill>
+            </a:endParaRPr>
+          </a:p>
+        </p:txBody>
+      </p:sp>
+      <p:sp>
+        <p:nvSpPr>
+          <p:cNvPr id="4" name="文本框 3"/>
+          <p:cNvSpPr txBox="1"/>
+          <p:nvPr/>
+        </p:nvSpPr>
+        <p:spPr>
+          <a:xfrm>
+            <a:off x="650629" y="1266093"/>
+            <a:ext cx="1301959" cy="369332"/>
+          </a:xfrm>
+          <a:prstGeom prst="rect">
+            <a:avLst/>
+          </a:prstGeom>
+        </p:spPr>
+        <p:style>
+          <a:lnRef idx="2">
+            <a:schemeClr val="dk1">
+              <a:shade val="50000"/>
+            </a:schemeClr>
+          </a:lnRef>
+          <a:fillRef idx="1">
+            <a:schemeClr val="dk1"/>
+          </a:fillRef>
+          <a:effectRef idx="0">
+            <a:schemeClr val="dk1"/>
+          </a:effectRef>
+          <a:fontRef idx="minor">
+            <a:schemeClr val="lt1"/>
+          </a:fontRef>
+        </p:style>
+        <p:txBody>
+          <a:bodyPr wrap="none" rtlCol="0">
+            <a:spAutoFit/>
+          </a:bodyPr>
+          <a:lstStyle/>
+          <a:p>
+            <a:r>
+              <a:rPr lang="en-US" altLang="zh-CN" dirty="0" smtClean="0">
+                <a:latin typeface="微软雅黑" panose="020B0503020204020204" pitchFamily="34" charset="-122"/>
+                <a:ea typeface="微软雅黑" panose="020B0503020204020204" pitchFamily="34" charset="-122"/>
+              </a:rPr>
+              <a:t>HTML</a:t>
+            </a:r>
+            <a:r>
+              <a:rPr lang="zh-CN" altLang="en-US" dirty="0" smtClean="0">
+                <a:latin typeface="微软雅黑" panose="020B0503020204020204" pitchFamily="34" charset="-122"/>
+                <a:ea typeface="微软雅黑" panose="020B0503020204020204" pitchFamily="34" charset="-122"/>
+              </a:rPr>
+              <a:t>标签</a:t>
+            </a:r>
+            <a:endParaRPr lang="zh-CN" altLang="en-US" dirty="0">
+              <a:latin typeface="微软雅黑" panose="020B0503020204020204" pitchFamily="34" charset="-122"/>
+              <a:ea typeface="微软雅黑" panose="020B0503020204020204" pitchFamily="34" charset="-122"/>
+            </a:endParaRPr>
+          </a:p>
+        </p:txBody>
+      </p:sp>
+    </p:spTree>
+    <p:extLst>
+      <p:ext uri="{BB962C8B-B14F-4D97-AF65-F5344CB8AC3E}">
+        <p14:creationId xmlns:p14="http://schemas.microsoft.com/office/powerpoint/2010/main" val="1057609553"/>
+      </p:ext>
+    </p:extLst>
+  </p:cSld>
+  <p:clrMapOvr>
+    <a:masterClrMapping/>
+  </p:clrMapOvr>
+  <p:timing>
+    <p:tnLst>
+      <p:par>
+        <p:cTn id="1" dur="indefinite" restart="never" nodeType="tmRoot"/>
+      </p:par>
+    </p:tnLst>
+  </p:timing>
+</p:sld>
+</file>
+
 <file path=ppt/slides/slide2.xml><?xml version="1.0" encoding="utf-8"?>
 <p:sld xmlns:a="http://schemas.openxmlformats.org/drawingml/2006/main" xmlns:r="http://schemas.openxmlformats.org/officeDocument/2006/relationships" xmlns:p="http://schemas.openxmlformats.org/presentationml/2006/main">
   <p:cSld>
@@ -4154,11 +5730,7 @@
             </a:r>
             <a:r>
               <a:rPr lang="zh-CN" altLang="en-US" dirty="0" smtClean="0"/>
-              <a:t>最基本的代码</a:t>
-            </a:r>
-            <a:r>
-              <a:rPr lang="zh-CN" altLang="en-US" dirty="0" smtClean="0"/>
-              <a:t>结构</a:t>
+              <a:t>最基本的代码结构</a:t>
             </a:r>
             <a:endParaRPr lang="en-US" altLang="zh-CN" dirty="0" smtClean="0"/>
           </a:p>
@@ -5088,7 +6660,7 @@
         </p:nvSpPr>
         <p:spPr>
           <a:xfrm>
-            <a:off x="10001348" y="1996938"/>
+            <a:off x="10001347" y="2322981"/>
             <a:ext cx="1833488" cy="369332"/>
           </a:xfrm>
           <a:prstGeom prst="rect">
@@ -5133,7 +6705,7 @@
         </p:nvSpPr>
         <p:spPr>
           <a:xfrm>
-            <a:off x="10001347" y="2690386"/>
+            <a:off x="10001347" y="2831062"/>
             <a:ext cx="1833489" cy="369332"/>
           </a:xfrm>
           <a:prstGeom prst="rect">
@@ -5164,6 +6736,101 @@
             <a:r>
               <a:rPr lang="zh-CN" altLang="en-US" dirty="0" smtClean="0"/>
               <a:t>工具</a:t>
+            </a:r>
+            <a:endParaRPr lang="zh-CN" altLang="en-US" dirty="0"/>
+          </a:p>
+        </p:txBody>
+      </p:sp>
+      <p:sp>
+        <p:nvSpPr>
+          <p:cNvPr id="24" name="文本框 23"/>
+          <p:cNvSpPr txBox="1"/>
+          <p:nvPr/>
+        </p:nvSpPr>
+        <p:spPr>
+          <a:xfrm>
+            <a:off x="10001347" y="1806156"/>
+            <a:ext cx="1833488" cy="369332"/>
+          </a:xfrm>
+          <a:prstGeom prst="rect">
+            <a:avLst/>
+          </a:prstGeom>
+        </p:spPr>
+        <p:style>
+          <a:lnRef idx="2">
+            <a:schemeClr val="accent1">
+              <a:shade val="50000"/>
+            </a:schemeClr>
+          </a:lnRef>
+          <a:fillRef idx="1">
+            <a:schemeClr val="accent1"/>
+          </a:fillRef>
+          <a:effectRef idx="0">
+            <a:schemeClr val="accent1"/>
+          </a:effectRef>
+          <a:fontRef idx="minor">
+            <a:schemeClr val="lt1"/>
+          </a:fontRef>
+        </p:style>
+        <p:txBody>
+          <a:bodyPr wrap="square" rtlCol="0">
+            <a:spAutoFit/>
+          </a:bodyPr>
+          <a:lstStyle/>
+          <a:p>
+            <a:pPr algn="ctr"/>
+            <a:r>
+              <a:rPr lang="zh-CN" altLang="en-US" dirty="0" smtClean="0"/>
+              <a:t>后端语言</a:t>
+            </a:r>
+            <a:endParaRPr lang="zh-CN" altLang="en-US" dirty="0"/>
+          </a:p>
+        </p:txBody>
+      </p:sp>
+      <p:sp>
+        <p:nvSpPr>
+          <p:cNvPr id="18" name="文本框 17"/>
+          <p:cNvSpPr txBox="1"/>
+          <p:nvPr/>
+        </p:nvSpPr>
+        <p:spPr>
+          <a:xfrm>
+            <a:off x="9031786" y="990419"/>
+            <a:ext cx="1939121" cy="369332"/>
+          </a:xfrm>
+          <a:prstGeom prst="rect">
+            <a:avLst/>
+          </a:prstGeom>
+        </p:spPr>
+        <p:style>
+          <a:lnRef idx="2">
+            <a:schemeClr val="dk1">
+              <a:shade val="50000"/>
+            </a:schemeClr>
+          </a:lnRef>
+          <a:fillRef idx="1">
+            <a:schemeClr val="dk1"/>
+          </a:fillRef>
+          <a:effectRef idx="0">
+            <a:schemeClr val="dk1"/>
+          </a:effectRef>
+          <a:fontRef idx="minor">
+            <a:schemeClr val="lt1"/>
+          </a:fontRef>
+        </p:style>
+        <p:txBody>
+          <a:bodyPr wrap="none" rtlCol="0">
+            <a:spAutoFit/>
+          </a:bodyPr>
+          <a:lstStyle/>
+          <a:p>
+            <a:r>
+              <a:rPr lang="en-US" altLang="zh-CN" dirty="0" err="1" smtClean="0"/>
+              <a:t>Java,Php,python</a:t>
+            </a:r>
+            <a:r>
+              <a:rPr lang="en-US" altLang="zh-CN" dirty="0" smtClean="0"/>
+              <a:t>….</a:t>
             </a:r>
             <a:endParaRPr lang="zh-CN" altLang="en-US" dirty="0"/>
           </a:p>
@@ -5336,11 +7003,7 @@
           <a:p>
             <a:r>
               <a:rPr lang="en-US" altLang="zh-CN" dirty="0" smtClean="0"/>
-              <a:t>&lt;</a:t>
-            </a:r>
-            <a:r>
-              <a:rPr lang="en-US" altLang="zh-CN" dirty="0" smtClean="0"/>
-              <a:t>html&gt;</a:t>
+              <a:t>&lt;html&gt;</a:t>
             </a:r>
           </a:p>
           <a:p>
@@ -5540,6 +7203,1533 @@
     <p:extLst>
       <p:ext uri="{BB962C8B-B14F-4D97-AF65-F5344CB8AC3E}">
         <p14:creationId xmlns:p14="http://schemas.microsoft.com/office/powerpoint/2010/main" val="1498453017"/>
+      </p:ext>
+    </p:extLst>
+  </p:cSld>
+  <p:clrMapOvr>
+    <a:masterClrMapping/>
+  </p:clrMapOvr>
+  <p:timing>
+    <p:tnLst>
+      <p:par>
+        <p:cTn id="1" dur="indefinite" restart="never" nodeType="tmRoot"/>
+      </p:par>
+    </p:tnLst>
+  </p:timing>
+</p:sld>
+</file>
+
+<file path=ppt/slides/slide6.xml><?xml version="1.0" encoding="utf-8"?>
+<p:sld xmlns:a="http://schemas.openxmlformats.org/drawingml/2006/main" xmlns:r="http://schemas.openxmlformats.org/officeDocument/2006/relationships" xmlns:p="http://schemas.openxmlformats.org/presentationml/2006/main">
+  <p:cSld>
+    <p:spTree>
+      <p:nvGrpSpPr>
+        <p:cNvPr id="1" name=""/>
+        <p:cNvGrpSpPr/>
+        <p:nvPr/>
+      </p:nvGrpSpPr>
+      <p:grpSpPr>
+        <a:xfrm>
+          <a:off x="0" y="0"/>
+          <a:ext cx="0" cy="0"/>
+          <a:chOff x="0" y="0"/>
+          <a:chExt cx="0" cy="0"/>
+        </a:xfrm>
+      </p:grpSpPr>
+      <p:sp>
+        <p:nvSpPr>
+          <p:cNvPr id="2" name="标题 1"/>
+          <p:cNvSpPr>
+            <a:spLocks noGrp="1"/>
+          </p:cNvSpPr>
+          <p:nvPr>
+            <p:ph type="title"/>
+          </p:nvPr>
+        </p:nvSpPr>
+        <p:spPr/>
+        <p:txBody>
+          <a:bodyPr/>
+          <a:lstStyle/>
+          <a:p>
+            <a:r>
+              <a:rPr lang="zh-CN" altLang="en-US" dirty="0" smtClean="0"/>
+              <a:t>布局标签</a:t>
+            </a:r>
+            <a:endParaRPr lang="zh-CN" altLang="en-US" dirty="0"/>
+          </a:p>
+        </p:txBody>
+      </p:sp>
+      <p:sp>
+        <p:nvSpPr>
+          <p:cNvPr id="3" name="文本框 2"/>
+          <p:cNvSpPr txBox="1"/>
+          <p:nvPr/>
+        </p:nvSpPr>
+        <p:spPr>
+          <a:xfrm>
+            <a:off x="650629" y="1266093"/>
+            <a:ext cx="1301959" cy="369332"/>
+          </a:xfrm>
+          <a:prstGeom prst="rect">
+            <a:avLst/>
+          </a:prstGeom>
+        </p:spPr>
+        <p:style>
+          <a:lnRef idx="2">
+            <a:schemeClr val="dk1">
+              <a:shade val="50000"/>
+            </a:schemeClr>
+          </a:lnRef>
+          <a:fillRef idx="1">
+            <a:schemeClr val="dk1"/>
+          </a:fillRef>
+          <a:effectRef idx="0">
+            <a:schemeClr val="dk1"/>
+          </a:effectRef>
+          <a:fontRef idx="minor">
+            <a:schemeClr val="lt1"/>
+          </a:fontRef>
+        </p:style>
+        <p:txBody>
+          <a:bodyPr wrap="none" rtlCol="0">
+            <a:spAutoFit/>
+          </a:bodyPr>
+          <a:lstStyle/>
+          <a:p>
+            <a:r>
+              <a:rPr lang="en-US" altLang="zh-CN" dirty="0" smtClean="0">
+                <a:latin typeface="微软雅黑" panose="020B0503020204020204" pitchFamily="34" charset="-122"/>
+                <a:ea typeface="微软雅黑" panose="020B0503020204020204" pitchFamily="34" charset="-122"/>
+              </a:rPr>
+              <a:t>HTML</a:t>
+            </a:r>
+            <a:r>
+              <a:rPr lang="zh-CN" altLang="en-US" dirty="0" smtClean="0">
+                <a:latin typeface="微软雅黑" panose="020B0503020204020204" pitchFamily="34" charset="-122"/>
+                <a:ea typeface="微软雅黑" panose="020B0503020204020204" pitchFamily="34" charset="-122"/>
+              </a:rPr>
+              <a:t>标签</a:t>
+            </a:r>
+            <a:endParaRPr lang="zh-CN" altLang="en-US" dirty="0">
+              <a:latin typeface="微软雅黑" panose="020B0503020204020204" pitchFamily="34" charset="-122"/>
+              <a:ea typeface="微软雅黑" panose="020B0503020204020204" pitchFamily="34" charset="-122"/>
+            </a:endParaRPr>
+          </a:p>
+        </p:txBody>
+      </p:sp>
+      <p:sp>
+        <p:nvSpPr>
+          <p:cNvPr id="4" name="矩形 3"/>
+          <p:cNvSpPr/>
+          <p:nvPr/>
+        </p:nvSpPr>
+        <p:spPr>
+          <a:xfrm>
+            <a:off x="650629" y="1733900"/>
+            <a:ext cx="6951174" cy="4247317"/>
+          </a:xfrm>
+          <a:prstGeom prst="rect">
+            <a:avLst/>
+          </a:prstGeom>
+        </p:spPr>
+        <p:style>
+          <a:lnRef idx="2">
+            <a:schemeClr val="dk1">
+              <a:shade val="50000"/>
+            </a:schemeClr>
+          </a:lnRef>
+          <a:fillRef idx="1">
+            <a:schemeClr val="dk1"/>
+          </a:fillRef>
+          <a:effectRef idx="0">
+            <a:schemeClr val="dk1"/>
+          </a:effectRef>
+          <a:fontRef idx="minor">
+            <a:schemeClr val="lt1"/>
+          </a:fontRef>
+        </p:style>
+        <p:txBody>
+          <a:bodyPr wrap="square">
+            <a:spAutoFit/>
+          </a:bodyPr>
+          <a:lstStyle/>
+          <a:p>
+            <a:pPr>
+              <a:lnSpc>
+                <a:spcPct val="150000"/>
+              </a:lnSpc>
+            </a:pPr>
+            <a:r>
+              <a:rPr lang="en-US" altLang="zh-CN" sz="2000" dirty="0" smtClean="0">
+                <a:solidFill>
+                  <a:schemeClr val="bg1"/>
+                </a:solidFill>
+                <a:ea typeface="Calibri" panose="020F0502020204030204" pitchFamily="34" charset="0"/>
+              </a:rPr>
+              <a:t>div</a:t>
+            </a:r>
+            <a:r>
+              <a:rPr lang="en-US" altLang="zh-CN" sz="2000" dirty="0" smtClean="0">
+                <a:solidFill>
+                  <a:schemeClr val="bg1"/>
+                </a:solidFill>
+                <a:ea typeface="SimSun" panose="02010600030101010101" pitchFamily="2" charset="-122"/>
+              </a:rPr>
+              <a:t> </a:t>
+            </a:r>
+          </a:p>
+          <a:p>
+            <a:pPr>
+              <a:lnSpc>
+                <a:spcPct val="150000"/>
+              </a:lnSpc>
+            </a:pPr>
+            <a:r>
+              <a:rPr lang="en-US" altLang="zh-CN" sz="2000" dirty="0" smtClean="0">
+                <a:solidFill>
+                  <a:schemeClr val="bg1"/>
+                </a:solidFill>
+                <a:ea typeface="SimSun" panose="02010600030101010101" pitchFamily="2" charset="-122"/>
+              </a:rPr>
+              <a:t>header</a:t>
+            </a:r>
+          </a:p>
+          <a:p>
+            <a:pPr>
+              <a:lnSpc>
+                <a:spcPct val="150000"/>
+              </a:lnSpc>
+            </a:pPr>
+            <a:r>
+              <a:rPr lang="en-US" altLang="zh-CN" sz="2000" dirty="0" smtClean="0">
+                <a:solidFill>
+                  <a:schemeClr val="bg1"/>
+                </a:solidFill>
+                <a:ea typeface="SimSun" panose="02010600030101010101" pitchFamily="2" charset="-122"/>
+              </a:rPr>
+              <a:t>article</a:t>
+            </a:r>
+          </a:p>
+          <a:p>
+            <a:pPr>
+              <a:lnSpc>
+                <a:spcPct val="150000"/>
+              </a:lnSpc>
+            </a:pPr>
+            <a:r>
+              <a:rPr lang="en-US" altLang="zh-CN" sz="2000" dirty="0" smtClean="0">
+                <a:solidFill>
+                  <a:schemeClr val="bg1"/>
+                </a:solidFill>
+                <a:ea typeface="SimSun" panose="02010600030101010101" pitchFamily="2" charset="-122"/>
+              </a:rPr>
+              <a:t>footer</a:t>
+            </a:r>
+          </a:p>
+          <a:p>
+            <a:pPr>
+              <a:lnSpc>
+                <a:spcPct val="150000"/>
+              </a:lnSpc>
+            </a:pPr>
+            <a:r>
+              <a:rPr lang="en-US" altLang="zh-CN" sz="2000" dirty="0" smtClean="0">
+                <a:solidFill>
+                  <a:schemeClr val="bg1"/>
+                </a:solidFill>
+                <a:ea typeface="SimSun" panose="02010600030101010101" pitchFamily="2" charset="-122"/>
+              </a:rPr>
+              <a:t>section</a:t>
+            </a:r>
+          </a:p>
+          <a:p>
+            <a:pPr>
+              <a:lnSpc>
+                <a:spcPct val="150000"/>
+              </a:lnSpc>
+            </a:pPr>
+            <a:r>
+              <a:rPr lang="en-US" altLang="zh-CN" sz="2000" dirty="0" smtClean="0">
+                <a:solidFill>
+                  <a:schemeClr val="bg1"/>
+                </a:solidFill>
+                <a:ea typeface="SimSun" panose="02010600030101010101" pitchFamily="2" charset="-122"/>
+              </a:rPr>
+              <a:t>aside</a:t>
+            </a:r>
+          </a:p>
+          <a:p>
+            <a:pPr>
+              <a:lnSpc>
+                <a:spcPct val="150000"/>
+              </a:lnSpc>
+            </a:pPr>
+            <a:r>
+              <a:rPr lang="en-US" altLang="zh-CN" sz="2000" dirty="0" smtClean="0">
+                <a:solidFill>
+                  <a:schemeClr val="bg1"/>
+                </a:solidFill>
+                <a:ea typeface="SimSun" panose="02010600030101010101" pitchFamily="2" charset="-122"/>
+              </a:rPr>
+              <a:t>table&gt;(</a:t>
+            </a:r>
+            <a:r>
+              <a:rPr lang="en-US" altLang="zh-CN" sz="2000" dirty="0" err="1" smtClean="0">
+                <a:solidFill>
+                  <a:schemeClr val="bg1"/>
+                </a:solidFill>
+                <a:ea typeface="SimSun" panose="02010600030101010101" pitchFamily="2" charset="-122"/>
+              </a:rPr>
+              <a:t>thead</a:t>
+            </a:r>
+            <a:r>
+              <a:rPr lang="en-US" altLang="zh-CN" sz="2000" dirty="0" smtClean="0">
+                <a:solidFill>
+                  <a:schemeClr val="bg1"/>
+                </a:solidFill>
+                <a:ea typeface="SimSun" panose="02010600030101010101" pitchFamily="2" charset="-122"/>
+              </a:rPr>
+              <a:t>&gt;</a:t>
+            </a:r>
+            <a:r>
+              <a:rPr lang="en-US" altLang="zh-CN" sz="2000" dirty="0" err="1" smtClean="0">
+                <a:solidFill>
+                  <a:schemeClr val="bg1"/>
+                </a:solidFill>
+                <a:ea typeface="SimSun" panose="02010600030101010101" pitchFamily="2" charset="-122"/>
+              </a:rPr>
+              <a:t>tr</a:t>
+            </a:r>
+            <a:r>
+              <a:rPr lang="en-US" altLang="zh-CN" sz="2000" dirty="0" smtClean="0">
+                <a:solidFill>
+                  <a:schemeClr val="bg1"/>
+                </a:solidFill>
+                <a:ea typeface="SimSun" panose="02010600030101010101" pitchFamily="2" charset="-122"/>
+              </a:rPr>
+              <a:t>&gt;</a:t>
+            </a:r>
+            <a:r>
+              <a:rPr lang="en-US" altLang="zh-CN" sz="2000" dirty="0" err="1" smtClean="0">
+                <a:solidFill>
+                  <a:schemeClr val="bg1"/>
+                </a:solidFill>
+                <a:ea typeface="SimSun" panose="02010600030101010101" pitchFamily="2" charset="-122"/>
+              </a:rPr>
+              <a:t>th</a:t>
+            </a:r>
+            <a:r>
+              <a:rPr lang="en-US" altLang="zh-CN" sz="2000" dirty="0" smtClean="0">
+                <a:solidFill>
+                  <a:schemeClr val="bg1"/>
+                </a:solidFill>
+                <a:ea typeface="SimSun" panose="02010600030101010101" pitchFamily="2" charset="-122"/>
+              </a:rPr>
+              <a:t>)+(</a:t>
+            </a:r>
+            <a:r>
+              <a:rPr lang="en-US" altLang="zh-CN" sz="2000" dirty="0" err="1" smtClean="0">
+                <a:solidFill>
+                  <a:schemeClr val="bg1"/>
+                </a:solidFill>
+                <a:ea typeface="SimSun" panose="02010600030101010101" pitchFamily="2" charset="-122"/>
+              </a:rPr>
+              <a:t>tbody</a:t>
+            </a:r>
+            <a:r>
+              <a:rPr lang="en-US" altLang="zh-CN" sz="2000" dirty="0" smtClean="0">
+                <a:solidFill>
+                  <a:schemeClr val="bg1"/>
+                </a:solidFill>
+                <a:ea typeface="SimSun" panose="02010600030101010101" pitchFamily="2" charset="-122"/>
+              </a:rPr>
+              <a:t>&gt;</a:t>
+            </a:r>
+            <a:r>
+              <a:rPr lang="en-US" altLang="zh-CN" sz="2000" dirty="0" err="1" smtClean="0">
+                <a:solidFill>
+                  <a:schemeClr val="bg1"/>
+                </a:solidFill>
+                <a:ea typeface="SimSun" panose="02010600030101010101" pitchFamily="2" charset="-122"/>
+              </a:rPr>
+              <a:t>tr</a:t>
+            </a:r>
+            <a:r>
+              <a:rPr lang="en-US" altLang="zh-CN" sz="2000" dirty="0" smtClean="0">
+                <a:solidFill>
+                  <a:schemeClr val="bg1"/>
+                </a:solidFill>
+                <a:ea typeface="SimSun" panose="02010600030101010101" pitchFamily="2" charset="-122"/>
+              </a:rPr>
+              <a:t>&gt;td)+(</a:t>
+            </a:r>
+            <a:r>
+              <a:rPr lang="en-US" altLang="zh-CN" sz="2000" dirty="0" err="1" smtClean="0">
+                <a:solidFill>
+                  <a:schemeClr val="bg1"/>
+                </a:solidFill>
+                <a:ea typeface="SimSun" panose="02010600030101010101" pitchFamily="2" charset="-122"/>
+              </a:rPr>
+              <a:t>tfoot</a:t>
+            </a:r>
+            <a:r>
+              <a:rPr lang="en-US" altLang="zh-CN" sz="2000" dirty="0" smtClean="0">
+                <a:solidFill>
+                  <a:schemeClr val="bg1"/>
+                </a:solidFill>
+                <a:ea typeface="SimSun" panose="02010600030101010101" pitchFamily="2" charset="-122"/>
+              </a:rPr>
+              <a:t>&gt;</a:t>
+            </a:r>
+            <a:r>
+              <a:rPr lang="en-US" altLang="zh-CN" sz="2000" dirty="0" err="1" smtClean="0">
+                <a:solidFill>
+                  <a:schemeClr val="bg1"/>
+                </a:solidFill>
+                <a:ea typeface="SimSun" panose="02010600030101010101" pitchFamily="2" charset="-122"/>
+              </a:rPr>
+              <a:t>tr</a:t>
+            </a:r>
+            <a:r>
+              <a:rPr lang="en-US" altLang="zh-CN" sz="2000" dirty="0" smtClean="0">
+                <a:solidFill>
+                  <a:schemeClr val="bg1"/>
+                </a:solidFill>
+                <a:ea typeface="SimSun" panose="02010600030101010101" pitchFamily="2" charset="-122"/>
+              </a:rPr>
+              <a:t>&gt;td)</a:t>
+            </a:r>
+          </a:p>
+          <a:p>
+            <a:pPr>
+              <a:lnSpc>
+                <a:spcPct val="150000"/>
+              </a:lnSpc>
+            </a:pPr>
+            <a:r>
+              <a:rPr lang="en-US" altLang="zh-CN" sz="2000" dirty="0" err="1" smtClean="0">
+                <a:solidFill>
+                  <a:schemeClr val="bg1"/>
+                </a:solidFill>
+                <a:ea typeface="SimSun" panose="02010600030101010101" pitchFamily="2" charset="-122"/>
+              </a:rPr>
+              <a:t>nav</a:t>
+            </a:r>
+            <a:endParaRPr lang="en-US" altLang="zh-CN" sz="2000" dirty="0" smtClean="0">
+              <a:solidFill>
+                <a:schemeClr val="bg1"/>
+              </a:solidFill>
+              <a:ea typeface="SimSun" panose="02010600030101010101" pitchFamily="2" charset="-122"/>
+            </a:endParaRPr>
+          </a:p>
+          <a:p>
+            <a:pPr>
+              <a:lnSpc>
+                <a:spcPct val="150000"/>
+              </a:lnSpc>
+            </a:pPr>
+            <a:r>
+              <a:rPr lang="en-US" altLang="zh-CN" sz="2000" dirty="0" smtClean="0">
+                <a:solidFill>
+                  <a:schemeClr val="bg1"/>
+                </a:solidFill>
+                <a:ea typeface="SimSun" panose="02010600030101010101" pitchFamily="2" charset="-122"/>
+              </a:rPr>
+              <a:t>menu(</a:t>
+            </a:r>
+            <a:r>
+              <a:rPr lang="zh-CN" altLang="zh-CN" sz="2000" dirty="0" smtClean="0">
+                <a:solidFill>
+                  <a:schemeClr val="bg1"/>
+                </a:solidFill>
+                <a:ea typeface="SimSun" panose="02010600030101010101" pitchFamily="2" charset="-122"/>
+              </a:rPr>
+              <a:t>暂不支持</a:t>
+            </a:r>
+            <a:r>
+              <a:rPr lang="en-US" altLang="zh-CN" sz="2000" dirty="0" smtClean="0">
+                <a:solidFill>
+                  <a:schemeClr val="bg1"/>
+                </a:solidFill>
+                <a:ea typeface="SimSun" panose="02010600030101010101" pitchFamily="2" charset="-122"/>
+              </a:rPr>
+              <a:t>)</a:t>
+            </a:r>
+            <a:endParaRPr lang="zh-CN" altLang="en-US" sz="2000" dirty="0">
+              <a:solidFill>
+                <a:schemeClr val="bg1"/>
+              </a:solidFill>
+            </a:endParaRPr>
+          </a:p>
+        </p:txBody>
+      </p:sp>
+    </p:spTree>
+    <p:extLst>
+      <p:ext uri="{BB962C8B-B14F-4D97-AF65-F5344CB8AC3E}">
+        <p14:creationId xmlns:p14="http://schemas.microsoft.com/office/powerpoint/2010/main" val="3490308916"/>
+      </p:ext>
+    </p:extLst>
+  </p:cSld>
+  <p:clrMapOvr>
+    <a:masterClrMapping/>
+  </p:clrMapOvr>
+  <p:timing>
+    <p:tnLst>
+      <p:par>
+        <p:cTn id="1" dur="indefinite" restart="never" nodeType="tmRoot"/>
+      </p:par>
+    </p:tnLst>
+  </p:timing>
+</p:sld>
+</file>
+
+<file path=ppt/slides/slide7.xml><?xml version="1.0" encoding="utf-8"?>
+<p:sld xmlns:a="http://schemas.openxmlformats.org/drawingml/2006/main" xmlns:r="http://schemas.openxmlformats.org/officeDocument/2006/relationships" xmlns:p="http://schemas.openxmlformats.org/presentationml/2006/main">
+  <p:cSld>
+    <p:spTree>
+      <p:nvGrpSpPr>
+        <p:cNvPr id="1" name=""/>
+        <p:cNvGrpSpPr/>
+        <p:nvPr/>
+      </p:nvGrpSpPr>
+      <p:grpSpPr>
+        <a:xfrm>
+          <a:off x="0" y="0"/>
+          <a:ext cx="0" cy="0"/>
+          <a:chOff x="0" y="0"/>
+          <a:chExt cx="0" cy="0"/>
+        </a:xfrm>
+      </p:grpSpPr>
+      <p:sp>
+        <p:nvSpPr>
+          <p:cNvPr id="2" name="标题 1"/>
+          <p:cNvSpPr>
+            <a:spLocks noGrp="1"/>
+          </p:cNvSpPr>
+          <p:nvPr>
+            <p:ph type="title"/>
+          </p:nvPr>
+        </p:nvSpPr>
+        <p:spPr/>
+        <p:txBody>
+          <a:bodyPr/>
+          <a:lstStyle/>
+          <a:p>
+            <a:r>
+              <a:rPr lang="zh-CN" altLang="en-US" dirty="0" smtClean="0"/>
+              <a:t>全局标签 </a:t>
+            </a:r>
+            <a:r>
+              <a:rPr lang="en-US" altLang="zh-CN" dirty="0" err="1" smtClean="0"/>
+              <a:t>head+body</a:t>
+            </a:r>
+            <a:endParaRPr lang="zh-CN" altLang="en-US" dirty="0"/>
+          </a:p>
+        </p:txBody>
+      </p:sp>
+      <p:sp>
+        <p:nvSpPr>
+          <p:cNvPr id="4" name="文本框 3"/>
+          <p:cNvSpPr txBox="1"/>
+          <p:nvPr/>
+        </p:nvSpPr>
+        <p:spPr>
+          <a:xfrm>
+            <a:off x="650629" y="1733900"/>
+            <a:ext cx="7017662" cy="1964512"/>
+          </a:xfrm>
+          <a:prstGeom prst="rect">
+            <a:avLst/>
+          </a:prstGeom>
+        </p:spPr>
+        <p:style>
+          <a:lnRef idx="2">
+            <a:schemeClr val="dk1">
+              <a:shade val="50000"/>
+            </a:schemeClr>
+          </a:lnRef>
+          <a:fillRef idx="1">
+            <a:schemeClr val="dk1"/>
+          </a:fillRef>
+          <a:effectRef idx="0">
+            <a:schemeClr val="dk1"/>
+          </a:effectRef>
+          <a:fontRef idx="minor">
+            <a:schemeClr val="lt1"/>
+          </a:fontRef>
+        </p:style>
+        <p:txBody>
+          <a:bodyPr wrap="square" rtlCol="0">
+            <a:spAutoFit/>
+          </a:bodyPr>
+          <a:lstStyle/>
+          <a:p>
+            <a:pPr>
+              <a:lnSpc>
+                <a:spcPct val="150000"/>
+              </a:lnSpc>
+            </a:pPr>
+            <a:r>
+              <a:rPr lang="en-US" altLang="zh-CN" sz="2800" dirty="0" smtClean="0"/>
+              <a:t>style</a:t>
+            </a:r>
+          </a:p>
+          <a:p>
+            <a:pPr>
+              <a:lnSpc>
+                <a:spcPct val="150000"/>
+              </a:lnSpc>
+            </a:pPr>
+            <a:r>
+              <a:rPr lang="en-US" altLang="zh-CN" sz="2800" dirty="0" smtClean="0"/>
+              <a:t>link</a:t>
+            </a:r>
+          </a:p>
+          <a:p>
+            <a:pPr>
+              <a:lnSpc>
+                <a:spcPct val="150000"/>
+              </a:lnSpc>
+            </a:pPr>
+            <a:r>
+              <a:rPr lang="en-US" altLang="zh-CN" sz="2800" dirty="0" smtClean="0"/>
+              <a:t>script&gt;</a:t>
+            </a:r>
+            <a:r>
+              <a:rPr lang="en-US" altLang="zh-CN" sz="2800" dirty="0" err="1" smtClean="0"/>
+              <a:t>noscript</a:t>
+            </a:r>
+            <a:endParaRPr lang="zh-CN" altLang="en-US" sz="2800" dirty="0"/>
+          </a:p>
+        </p:txBody>
+      </p:sp>
+      <p:sp>
+        <p:nvSpPr>
+          <p:cNvPr id="5" name="文本框 4"/>
+          <p:cNvSpPr txBox="1"/>
+          <p:nvPr/>
+        </p:nvSpPr>
+        <p:spPr>
+          <a:xfrm>
+            <a:off x="650629" y="1266093"/>
+            <a:ext cx="1301959" cy="369332"/>
+          </a:xfrm>
+          <a:prstGeom prst="rect">
+            <a:avLst/>
+          </a:prstGeom>
+        </p:spPr>
+        <p:style>
+          <a:lnRef idx="2">
+            <a:schemeClr val="dk1">
+              <a:shade val="50000"/>
+            </a:schemeClr>
+          </a:lnRef>
+          <a:fillRef idx="1">
+            <a:schemeClr val="dk1"/>
+          </a:fillRef>
+          <a:effectRef idx="0">
+            <a:schemeClr val="dk1"/>
+          </a:effectRef>
+          <a:fontRef idx="minor">
+            <a:schemeClr val="lt1"/>
+          </a:fontRef>
+        </p:style>
+        <p:txBody>
+          <a:bodyPr wrap="none" rtlCol="0">
+            <a:spAutoFit/>
+          </a:bodyPr>
+          <a:lstStyle/>
+          <a:p>
+            <a:r>
+              <a:rPr lang="en-US" altLang="zh-CN" dirty="0" smtClean="0">
+                <a:latin typeface="微软雅黑" panose="020B0503020204020204" pitchFamily="34" charset="-122"/>
+                <a:ea typeface="微软雅黑" panose="020B0503020204020204" pitchFamily="34" charset="-122"/>
+              </a:rPr>
+              <a:t>HTML</a:t>
+            </a:r>
+            <a:r>
+              <a:rPr lang="zh-CN" altLang="en-US" dirty="0" smtClean="0">
+                <a:latin typeface="微软雅黑" panose="020B0503020204020204" pitchFamily="34" charset="-122"/>
+                <a:ea typeface="微软雅黑" panose="020B0503020204020204" pitchFamily="34" charset="-122"/>
+              </a:rPr>
+              <a:t>标签</a:t>
+            </a:r>
+            <a:endParaRPr lang="zh-CN" altLang="en-US" dirty="0">
+              <a:latin typeface="微软雅黑" panose="020B0503020204020204" pitchFamily="34" charset="-122"/>
+              <a:ea typeface="微软雅黑" panose="020B0503020204020204" pitchFamily="34" charset="-122"/>
+            </a:endParaRPr>
+          </a:p>
+        </p:txBody>
+      </p:sp>
+    </p:spTree>
+    <p:extLst>
+      <p:ext uri="{BB962C8B-B14F-4D97-AF65-F5344CB8AC3E}">
+        <p14:creationId xmlns:p14="http://schemas.microsoft.com/office/powerpoint/2010/main" val="2271922812"/>
+      </p:ext>
+    </p:extLst>
+  </p:cSld>
+  <p:clrMapOvr>
+    <a:masterClrMapping/>
+  </p:clrMapOvr>
+  <p:timing>
+    <p:tnLst>
+      <p:par>
+        <p:cTn id="1" dur="indefinite" restart="never" nodeType="tmRoot"/>
+      </p:par>
+    </p:tnLst>
+  </p:timing>
+</p:sld>
+</file>
+
+<file path=ppt/slides/slide8.xml><?xml version="1.0" encoding="utf-8"?>
+<p:sld xmlns:a="http://schemas.openxmlformats.org/drawingml/2006/main" xmlns:r="http://schemas.openxmlformats.org/officeDocument/2006/relationships" xmlns:p="http://schemas.openxmlformats.org/presentationml/2006/main">
+  <p:cSld>
+    <p:spTree>
+      <p:nvGrpSpPr>
+        <p:cNvPr id="1" name=""/>
+        <p:cNvGrpSpPr/>
+        <p:nvPr/>
+      </p:nvGrpSpPr>
+      <p:grpSpPr>
+        <a:xfrm>
+          <a:off x="0" y="0"/>
+          <a:ext cx="0" cy="0"/>
+          <a:chOff x="0" y="0"/>
+          <a:chExt cx="0" cy="0"/>
+        </a:xfrm>
+      </p:grpSpPr>
+      <p:sp>
+        <p:nvSpPr>
+          <p:cNvPr id="2" name="标题 1"/>
+          <p:cNvSpPr>
+            <a:spLocks noGrp="1"/>
+          </p:cNvSpPr>
+          <p:nvPr>
+            <p:ph type="title"/>
+          </p:nvPr>
+        </p:nvSpPr>
+        <p:spPr/>
+        <p:txBody>
+          <a:bodyPr/>
+          <a:lstStyle/>
+          <a:p>
+            <a:r>
+              <a:rPr lang="zh-CN" altLang="en-US" dirty="0" smtClean="0"/>
+              <a:t>列表标签</a:t>
+            </a:r>
+            <a:endParaRPr lang="zh-CN" altLang="en-US" dirty="0"/>
+          </a:p>
+        </p:txBody>
+      </p:sp>
+      <p:sp>
+        <p:nvSpPr>
+          <p:cNvPr id="3" name="文本框 2"/>
+          <p:cNvSpPr txBox="1"/>
+          <p:nvPr/>
+        </p:nvSpPr>
+        <p:spPr>
+          <a:xfrm>
+            <a:off x="650629" y="1733900"/>
+            <a:ext cx="7017663" cy="3323987"/>
+          </a:xfrm>
+          <a:prstGeom prst="rect">
+            <a:avLst/>
+          </a:prstGeom>
+        </p:spPr>
+        <p:style>
+          <a:lnRef idx="2">
+            <a:schemeClr val="dk1">
+              <a:shade val="50000"/>
+            </a:schemeClr>
+          </a:lnRef>
+          <a:fillRef idx="1">
+            <a:schemeClr val="dk1"/>
+          </a:fillRef>
+          <a:effectRef idx="0">
+            <a:schemeClr val="dk1"/>
+          </a:effectRef>
+          <a:fontRef idx="minor">
+            <a:schemeClr val="lt1"/>
+          </a:fontRef>
+        </p:style>
+        <p:txBody>
+          <a:bodyPr wrap="square" rtlCol="0">
+            <a:spAutoFit/>
+          </a:bodyPr>
+          <a:lstStyle/>
+          <a:p>
+            <a:pPr>
+              <a:lnSpc>
+                <a:spcPct val="150000"/>
+              </a:lnSpc>
+            </a:pPr>
+            <a:r>
+              <a:rPr lang="en-US" altLang="zh-CN" sz="2800" dirty="0" err="1" smtClean="0"/>
+              <a:t>ul</a:t>
+            </a:r>
+            <a:r>
+              <a:rPr lang="en-US" altLang="zh-CN" sz="2800" dirty="0" smtClean="0"/>
+              <a:t>&gt;li</a:t>
+            </a:r>
+          </a:p>
+          <a:p>
+            <a:pPr>
+              <a:lnSpc>
+                <a:spcPct val="150000"/>
+              </a:lnSpc>
+            </a:pPr>
+            <a:r>
+              <a:rPr lang="en-US" altLang="zh-CN" sz="2800" dirty="0" err="1" smtClean="0"/>
+              <a:t>ol</a:t>
+            </a:r>
+            <a:r>
+              <a:rPr lang="en-US" altLang="zh-CN" sz="2800" dirty="0" smtClean="0"/>
+              <a:t>&gt;li</a:t>
+            </a:r>
+          </a:p>
+          <a:p>
+            <a:pPr>
+              <a:lnSpc>
+                <a:spcPct val="150000"/>
+              </a:lnSpc>
+            </a:pPr>
+            <a:r>
+              <a:rPr lang="en-US" altLang="zh-CN" sz="2800" dirty="0" smtClean="0"/>
+              <a:t>dl&gt;</a:t>
+            </a:r>
+            <a:r>
+              <a:rPr lang="en-US" altLang="zh-CN" sz="2800" dirty="0" err="1" smtClean="0"/>
+              <a:t>dt+dd</a:t>
+            </a:r>
+            <a:endParaRPr lang="en-US" altLang="zh-CN" sz="2800" dirty="0" smtClean="0"/>
+          </a:p>
+          <a:p>
+            <a:pPr>
+              <a:lnSpc>
+                <a:spcPct val="150000"/>
+              </a:lnSpc>
+            </a:pPr>
+            <a:r>
+              <a:rPr lang="en-US" altLang="zh-CN" sz="2800" dirty="0" err="1" smtClean="0"/>
+              <a:t>datalist</a:t>
+            </a:r>
+            <a:endParaRPr lang="en-US" altLang="zh-CN" sz="2800" dirty="0" smtClean="0"/>
+          </a:p>
+          <a:p>
+            <a:pPr>
+              <a:lnSpc>
+                <a:spcPct val="150000"/>
+              </a:lnSpc>
+            </a:pPr>
+            <a:r>
+              <a:rPr lang="zh-CN" altLang="zh-CN" sz="2800" dirty="0" smtClean="0"/>
+              <a:t>details</a:t>
+            </a:r>
+            <a:r>
+              <a:rPr lang="en-US" altLang="zh-CN" sz="2800" dirty="0" smtClean="0"/>
+              <a:t>&gt;</a:t>
+            </a:r>
+            <a:r>
+              <a:rPr lang="zh-CN" altLang="zh-CN" sz="2800" dirty="0" smtClean="0"/>
+              <a:t>summary</a:t>
+            </a:r>
+            <a:endParaRPr lang="zh-CN" altLang="en-US" sz="2800" dirty="0"/>
+          </a:p>
+        </p:txBody>
+      </p:sp>
+      <p:sp>
+        <p:nvSpPr>
+          <p:cNvPr id="4" name="文本框 3"/>
+          <p:cNvSpPr txBox="1"/>
+          <p:nvPr/>
+        </p:nvSpPr>
+        <p:spPr>
+          <a:xfrm>
+            <a:off x="650629" y="1266093"/>
+            <a:ext cx="1301959" cy="369332"/>
+          </a:xfrm>
+          <a:prstGeom prst="rect">
+            <a:avLst/>
+          </a:prstGeom>
+        </p:spPr>
+        <p:style>
+          <a:lnRef idx="2">
+            <a:schemeClr val="dk1">
+              <a:shade val="50000"/>
+            </a:schemeClr>
+          </a:lnRef>
+          <a:fillRef idx="1">
+            <a:schemeClr val="dk1"/>
+          </a:fillRef>
+          <a:effectRef idx="0">
+            <a:schemeClr val="dk1"/>
+          </a:effectRef>
+          <a:fontRef idx="minor">
+            <a:schemeClr val="lt1"/>
+          </a:fontRef>
+        </p:style>
+        <p:txBody>
+          <a:bodyPr wrap="none" rtlCol="0">
+            <a:spAutoFit/>
+          </a:bodyPr>
+          <a:lstStyle/>
+          <a:p>
+            <a:r>
+              <a:rPr lang="en-US" altLang="zh-CN" dirty="0" smtClean="0">
+                <a:latin typeface="微软雅黑" panose="020B0503020204020204" pitchFamily="34" charset="-122"/>
+                <a:ea typeface="微软雅黑" panose="020B0503020204020204" pitchFamily="34" charset="-122"/>
+              </a:rPr>
+              <a:t>HTML</a:t>
+            </a:r>
+            <a:r>
+              <a:rPr lang="zh-CN" altLang="en-US" dirty="0" smtClean="0">
+                <a:latin typeface="微软雅黑" panose="020B0503020204020204" pitchFamily="34" charset="-122"/>
+                <a:ea typeface="微软雅黑" panose="020B0503020204020204" pitchFamily="34" charset="-122"/>
+              </a:rPr>
+              <a:t>标签</a:t>
+            </a:r>
+            <a:endParaRPr lang="zh-CN" altLang="en-US" dirty="0">
+              <a:latin typeface="微软雅黑" panose="020B0503020204020204" pitchFamily="34" charset="-122"/>
+              <a:ea typeface="微软雅黑" panose="020B0503020204020204" pitchFamily="34" charset="-122"/>
+            </a:endParaRPr>
+          </a:p>
+        </p:txBody>
+      </p:sp>
+    </p:spTree>
+    <p:extLst>
+      <p:ext uri="{BB962C8B-B14F-4D97-AF65-F5344CB8AC3E}">
+        <p14:creationId xmlns:p14="http://schemas.microsoft.com/office/powerpoint/2010/main" val="2298664550"/>
+      </p:ext>
+    </p:extLst>
+  </p:cSld>
+  <p:clrMapOvr>
+    <a:masterClrMapping/>
+  </p:clrMapOvr>
+  <p:timing>
+    <p:tnLst>
+      <p:par>
+        <p:cTn id="1" dur="indefinite" restart="never" nodeType="tmRoot"/>
+      </p:par>
+    </p:tnLst>
+  </p:timing>
+</p:sld>
+</file>
+
+<file path=ppt/slides/slide9.xml><?xml version="1.0" encoding="utf-8"?>
+<p:sld xmlns:a="http://schemas.openxmlformats.org/drawingml/2006/main" xmlns:r="http://schemas.openxmlformats.org/officeDocument/2006/relationships" xmlns:p="http://schemas.openxmlformats.org/presentationml/2006/main">
+  <p:cSld>
+    <p:spTree>
+      <p:nvGrpSpPr>
+        <p:cNvPr id="1" name=""/>
+        <p:cNvGrpSpPr/>
+        <p:nvPr/>
+      </p:nvGrpSpPr>
+      <p:grpSpPr>
+        <a:xfrm>
+          <a:off x="0" y="0"/>
+          <a:ext cx="0" cy="0"/>
+          <a:chOff x="0" y="0"/>
+          <a:chExt cx="0" cy="0"/>
+        </a:xfrm>
+      </p:grpSpPr>
+      <p:sp>
+        <p:nvSpPr>
+          <p:cNvPr id="2" name="标题 1"/>
+          <p:cNvSpPr>
+            <a:spLocks noGrp="1"/>
+          </p:cNvSpPr>
+          <p:nvPr>
+            <p:ph type="title"/>
+          </p:nvPr>
+        </p:nvSpPr>
+        <p:spPr/>
+        <p:txBody>
+          <a:bodyPr/>
+          <a:lstStyle/>
+          <a:p>
+            <a:r>
+              <a:rPr lang="zh-CN" altLang="en-US" dirty="0" smtClean="0"/>
+              <a:t>文字排版标签</a:t>
+            </a:r>
+            <a:endParaRPr lang="zh-CN" altLang="en-US" dirty="0"/>
+          </a:p>
+        </p:txBody>
+      </p:sp>
+      <p:sp>
+        <p:nvSpPr>
+          <p:cNvPr id="3" name="矩形 2"/>
+          <p:cNvSpPr/>
+          <p:nvPr/>
+        </p:nvSpPr>
+        <p:spPr>
+          <a:xfrm>
+            <a:off x="650629" y="1733900"/>
+            <a:ext cx="7044958" cy="5170646"/>
+          </a:xfrm>
+          <a:prstGeom prst="rect">
+            <a:avLst/>
+          </a:prstGeom>
+        </p:spPr>
+        <p:style>
+          <a:lnRef idx="2">
+            <a:schemeClr val="dk1">
+              <a:shade val="50000"/>
+            </a:schemeClr>
+          </a:lnRef>
+          <a:fillRef idx="1">
+            <a:schemeClr val="dk1"/>
+          </a:fillRef>
+          <a:effectRef idx="0">
+            <a:schemeClr val="dk1"/>
+          </a:effectRef>
+          <a:fontRef idx="minor">
+            <a:schemeClr val="lt1"/>
+          </a:fontRef>
+        </p:style>
+        <p:txBody>
+          <a:bodyPr wrap="square">
+            <a:spAutoFit/>
+          </a:bodyPr>
+          <a:lstStyle/>
+          <a:p>
+            <a:pPr>
+              <a:lnSpc>
+                <a:spcPct val="150000"/>
+              </a:lnSpc>
+            </a:pPr>
+            <a:r>
+              <a:rPr lang="en-US" altLang="zh-CN" sz="2000" dirty="0" smtClean="0">
+                <a:solidFill>
+                  <a:schemeClr val="bg1"/>
+                </a:solidFill>
+                <a:ea typeface="SimSun" panose="02010600030101010101" pitchFamily="2" charset="-122"/>
+              </a:rPr>
+              <a:t>h1,h2,h3,h4,h5,h6</a:t>
+            </a:r>
+          </a:p>
+          <a:p>
+            <a:pPr>
+              <a:lnSpc>
+                <a:spcPct val="150000"/>
+              </a:lnSpc>
+            </a:pPr>
+            <a:r>
+              <a:rPr lang="en-US" altLang="zh-CN" sz="2000" dirty="0" smtClean="0">
+                <a:solidFill>
+                  <a:schemeClr val="bg1"/>
+                </a:solidFill>
+                <a:ea typeface="SimSun" panose="02010600030101010101" pitchFamily="2" charset="-122"/>
+              </a:rPr>
+              <a:t>p</a:t>
+            </a:r>
+          </a:p>
+          <a:p>
+            <a:pPr>
+              <a:lnSpc>
+                <a:spcPct val="150000"/>
+              </a:lnSpc>
+            </a:pPr>
+            <a:r>
+              <a:rPr lang="en-US" altLang="zh-CN" sz="2000" dirty="0" smtClean="0">
+                <a:solidFill>
+                  <a:schemeClr val="bg1"/>
+                </a:solidFill>
+                <a:ea typeface="SimSun" panose="02010600030101010101" pitchFamily="2" charset="-122"/>
+              </a:rPr>
+              <a:t>strong</a:t>
+            </a:r>
+          </a:p>
+          <a:p>
+            <a:pPr>
+              <a:lnSpc>
+                <a:spcPct val="150000"/>
+              </a:lnSpc>
+            </a:pPr>
+            <a:r>
+              <a:rPr lang="en-US" altLang="zh-CN" sz="2000" dirty="0" smtClean="0">
+                <a:solidFill>
+                  <a:schemeClr val="bg1"/>
+                </a:solidFill>
+                <a:ea typeface="SimSun" panose="02010600030101010101" pitchFamily="2" charset="-122"/>
+              </a:rPr>
+              <a:t>time</a:t>
+            </a:r>
+          </a:p>
+          <a:p>
+            <a:pPr>
+              <a:lnSpc>
+                <a:spcPct val="150000"/>
+              </a:lnSpc>
+            </a:pPr>
+            <a:r>
+              <a:rPr lang="en-US" altLang="zh-CN" sz="2000" dirty="0" smtClean="0">
+                <a:solidFill>
+                  <a:schemeClr val="bg1"/>
+                </a:solidFill>
+                <a:ea typeface="SimSun" panose="02010600030101010101" pitchFamily="2" charset="-122"/>
+              </a:rPr>
+              <a:t>pre</a:t>
+            </a:r>
+          </a:p>
+          <a:p>
+            <a:pPr>
+              <a:lnSpc>
+                <a:spcPct val="150000"/>
+              </a:lnSpc>
+            </a:pPr>
+            <a:r>
+              <a:rPr lang="en-US" altLang="zh-CN" sz="2000" dirty="0" smtClean="0">
+                <a:solidFill>
+                  <a:schemeClr val="bg1"/>
+                </a:solidFill>
+                <a:ea typeface="SimSun" panose="02010600030101010101" pitchFamily="2" charset="-122"/>
+              </a:rPr>
+              <a:t>span</a:t>
+            </a:r>
+          </a:p>
+          <a:p>
+            <a:pPr>
+              <a:lnSpc>
+                <a:spcPct val="150000"/>
+              </a:lnSpc>
+            </a:pPr>
+            <a:r>
+              <a:rPr lang="en-US" altLang="zh-CN" sz="2000" dirty="0" err="1" smtClean="0">
+                <a:solidFill>
+                  <a:schemeClr val="bg1"/>
+                </a:solidFill>
+                <a:ea typeface="SimSun" panose="02010600030101010101" pitchFamily="2" charset="-122"/>
+              </a:rPr>
+              <a:t>em,i,mark</a:t>
+            </a:r>
+            <a:r>
+              <a:rPr lang="en-US" altLang="zh-CN" sz="2000" dirty="0" smtClean="0">
+                <a:solidFill>
+                  <a:schemeClr val="bg1"/>
+                </a:solidFill>
+                <a:ea typeface="SimSun" panose="02010600030101010101" pitchFamily="2" charset="-122"/>
+              </a:rPr>
+              <a:t>,</a:t>
+            </a:r>
+            <a:r>
+              <a:rPr lang="zh-CN" altLang="zh-CN" sz="2000" dirty="0" smtClean="0">
+                <a:solidFill>
+                  <a:schemeClr val="bg1"/>
+                </a:solidFill>
+                <a:ea typeface="Calibri" panose="020F0502020204030204" pitchFamily="34" charset="0"/>
+              </a:rPr>
+              <a:t>abbr</a:t>
+            </a:r>
+            <a:r>
+              <a:rPr lang="en-US" altLang="zh-CN" sz="2000" dirty="0" smtClean="0">
+                <a:solidFill>
+                  <a:schemeClr val="bg1"/>
+                </a:solidFill>
+                <a:ea typeface="Calibri" panose="020F0502020204030204" pitchFamily="34" charset="0"/>
+              </a:rPr>
+              <a:t>,</a:t>
+            </a:r>
+            <a:r>
+              <a:rPr lang="zh-CN" altLang="zh-CN" sz="2000" dirty="0" smtClean="0">
+                <a:solidFill>
+                  <a:schemeClr val="bg1"/>
+                </a:solidFill>
+                <a:ea typeface="Calibri" panose="020F0502020204030204" pitchFamily="34" charset="0"/>
+              </a:rPr>
+              <a:t>address</a:t>
+            </a:r>
+            <a:r>
+              <a:rPr lang="en-US" altLang="zh-CN" sz="2000" dirty="0" smtClean="0">
+                <a:solidFill>
+                  <a:schemeClr val="bg1"/>
+                </a:solidFill>
+                <a:ea typeface="Calibri" panose="020F0502020204030204" pitchFamily="34" charset="0"/>
+              </a:rPr>
+              <a:t>,b,</a:t>
+            </a:r>
+            <a:r>
+              <a:rPr lang="zh-CN" altLang="zh-CN" sz="2000" dirty="0" smtClean="0">
+                <a:solidFill>
+                  <a:schemeClr val="bg1"/>
+                </a:solidFill>
+                <a:ea typeface="Calibri" panose="020F0502020204030204" pitchFamily="34" charset="0"/>
+              </a:rPr>
+              <a:t>bdi</a:t>
+            </a:r>
+            <a:r>
+              <a:rPr lang="en-US" altLang="zh-CN" sz="2000" dirty="0" smtClean="0">
+                <a:solidFill>
+                  <a:schemeClr val="bg1"/>
+                </a:solidFill>
+                <a:ea typeface="Calibri" panose="020F0502020204030204" pitchFamily="34" charset="0"/>
+              </a:rPr>
+              <a:t>,big,</a:t>
+            </a:r>
+            <a:r>
+              <a:rPr lang="zh-CN" altLang="zh-CN" sz="2000" dirty="0" smtClean="0">
+                <a:solidFill>
+                  <a:schemeClr val="bg1"/>
+                </a:solidFill>
+                <a:ea typeface="Calibri" panose="020F0502020204030204" pitchFamily="34" charset="0"/>
+              </a:rPr>
+              <a:t>blink</a:t>
+            </a:r>
+            <a:r>
+              <a:rPr lang="en-US" altLang="zh-CN" sz="2000" dirty="0" smtClean="0">
+                <a:solidFill>
+                  <a:schemeClr val="bg1"/>
+                </a:solidFill>
+                <a:ea typeface="Calibri" panose="020F0502020204030204" pitchFamily="34" charset="0"/>
+              </a:rPr>
+              <a:t>,</a:t>
+            </a:r>
+            <a:r>
+              <a:rPr lang="zh-CN" altLang="zh-CN" sz="2000" dirty="0" smtClean="0">
+                <a:solidFill>
+                  <a:schemeClr val="bg1"/>
+                </a:solidFill>
+                <a:ea typeface="Calibri" panose="020F0502020204030204" pitchFamily="34" charset="0"/>
+              </a:rPr>
+              <a:t>blockquote</a:t>
+            </a:r>
+            <a:r>
+              <a:rPr lang="en-US" altLang="zh-CN" sz="2000" dirty="0" smtClean="0">
+                <a:solidFill>
+                  <a:schemeClr val="bg1"/>
+                </a:solidFill>
+                <a:ea typeface="Calibri" panose="020F0502020204030204" pitchFamily="34" charset="0"/>
+              </a:rPr>
+              <a:t>,</a:t>
+            </a:r>
+            <a:r>
+              <a:rPr lang="zh-CN" altLang="zh-CN" sz="2000" dirty="0" smtClean="0">
+                <a:solidFill>
+                  <a:schemeClr val="bg1"/>
+                </a:solidFill>
+                <a:ea typeface="Calibri" panose="020F0502020204030204" pitchFamily="34" charset="0"/>
+              </a:rPr>
+              <a:t>cite</a:t>
+            </a:r>
+            <a:r>
+              <a:rPr lang="en-US" altLang="zh-CN" sz="2000" dirty="0" smtClean="0">
+                <a:solidFill>
+                  <a:schemeClr val="bg1"/>
+                </a:solidFill>
+                <a:ea typeface="Calibri" panose="020F0502020204030204" pitchFamily="34" charset="0"/>
+              </a:rPr>
+              <a:t>,</a:t>
+            </a:r>
+            <a:r>
+              <a:rPr lang="zh-CN" altLang="zh-CN" sz="2000" dirty="0" smtClean="0">
+                <a:solidFill>
+                  <a:schemeClr val="bg1"/>
+                </a:solidFill>
+                <a:ea typeface="Calibri" panose="020F0502020204030204" pitchFamily="34" charset="0"/>
+              </a:rPr>
+              <a:t>center</a:t>
+            </a:r>
+            <a:endParaRPr lang="en-US" altLang="zh-CN" sz="2000" dirty="0" smtClean="0">
+              <a:solidFill>
+                <a:schemeClr val="bg1"/>
+              </a:solidFill>
+              <a:ea typeface="Calibri" panose="020F0502020204030204" pitchFamily="34" charset="0"/>
+            </a:endParaRPr>
+          </a:p>
+          <a:p>
+            <a:pPr>
+              <a:lnSpc>
+                <a:spcPct val="150000"/>
+              </a:lnSpc>
+            </a:pPr>
+            <a:r>
+              <a:rPr lang="en-US" altLang="zh-CN" sz="2000" dirty="0" err="1" smtClean="0">
+                <a:solidFill>
+                  <a:schemeClr val="bg1"/>
+                </a:solidFill>
+                <a:ea typeface="Calibri" panose="020F0502020204030204" pitchFamily="34" charset="0"/>
+              </a:rPr>
+              <a:t>data,del</a:t>
+            </a:r>
+            <a:r>
+              <a:rPr lang="en-US" altLang="zh-CN" sz="2000" dirty="0" smtClean="0">
+                <a:solidFill>
+                  <a:schemeClr val="bg1"/>
+                </a:solidFill>
+                <a:ea typeface="Calibri" panose="020F0502020204030204" pitchFamily="34" charset="0"/>
+              </a:rPr>
+              <a:t>,</a:t>
+            </a:r>
+            <a:r>
+              <a:rPr lang="zh-CN" altLang="zh-CN" sz="2000" dirty="0" smtClean="0">
+                <a:solidFill>
+                  <a:schemeClr val="bg1"/>
+                </a:solidFill>
+                <a:ea typeface="Calibri" panose="020F0502020204030204" pitchFamily="34" charset="0"/>
+              </a:rPr>
+              <a:t>dfn</a:t>
+            </a:r>
+            <a:r>
+              <a:rPr lang="en-US" altLang="zh-CN" sz="2000" dirty="0" smtClean="0">
+                <a:solidFill>
+                  <a:schemeClr val="bg1"/>
+                </a:solidFill>
+                <a:ea typeface="Calibri" panose="020F0502020204030204" pitchFamily="34" charset="0"/>
+              </a:rPr>
+              <a:t>,</a:t>
+            </a:r>
+            <a:r>
+              <a:rPr lang="en-US" altLang="zh-CN" sz="2000" dirty="0" err="1" smtClean="0">
+                <a:solidFill>
+                  <a:schemeClr val="bg1"/>
+                </a:solidFill>
+                <a:ea typeface="Calibri" panose="020F0502020204030204" pitchFamily="34" charset="0"/>
+              </a:rPr>
+              <a:t>dir</a:t>
+            </a:r>
+            <a:endParaRPr lang="en-US" altLang="zh-CN" sz="2000" dirty="0" smtClean="0">
+              <a:solidFill>
+                <a:schemeClr val="bg1"/>
+              </a:solidFill>
+              <a:ea typeface="Calibri" panose="020F0502020204030204" pitchFamily="34" charset="0"/>
+            </a:endParaRPr>
+          </a:p>
+          <a:p>
+            <a:pPr>
+              <a:lnSpc>
+                <a:spcPct val="150000"/>
+              </a:lnSpc>
+            </a:pPr>
+            <a:r>
+              <a:rPr lang="zh-CN" altLang="zh-CN" sz="2000" dirty="0" smtClean="0">
+                <a:solidFill>
+                  <a:schemeClr val="bg1"/>
+                </a:solidFill>
+                <a:ea typeface="Calibri" panose="020F0502020204030204" pitchFamily="34" charset="0"/>
+              </a:rPr>
+              <a:t>fieldset&gt;legend</a:t>
+            </a:r>
+            <a:endParaRPr lang="en-US" altLang="zh-CN" sz="2000" dirty="0" smtClean="0">
+              <a:solidFill>
+                <a:schemeClr val="bg1"/>
+              </a:solidFill>
+              <a:ea typeface="Calibri" panose="020F0502020204030204" pitchFamily="34" charset="0"/>
+            </a:endParaRPr>
+          </a:p>
+          <a:p>
+            <a:pPr>
+              <a:lnSpc>
+                <a:spcPct val="150000"/>
+              </a:lnSpc>
+            </a:pPr>
+            <a:r>
+              <a:rPr lang="en-US" altLang="zh-CN" sz="2000" dirty="0" err="1" smtClean="0">
+                <a:solidFill>
+                  <a:schemeClr val="bg1"/>
+                </a:solidFill>
+                <a:ea typeface="Calibri" panose="020F0502020204030204" pitchFamily="34" charset="0"/>
+              </a:rPr>
+              <a:t>sub,sup,tt,u</a:t>
+            </a:r>
+            <a:r>
+              <a:rPr lang="en-US" altLang="zh-CN" sz="2000" dirty="0" smtClean="0">
+                <a:solidFill>
+                  <a:schemeClr val="bg1"/>
+                </a:solidFill>
+                <a:ea typeface="Calibri" panose="020F0502020204030204" pitchFamily="34" charset="0"/>
+              </a:rPr>
+              <a:t>,</a:t>
+            </a:r>
+            <a:r>
+              <a:rPr lang="zh-CN" altLang="zh-CN" sz="2000" dirty="0" smtClean="0">
+                <a:solidFill>
+                  <a:schemeClr val="bg1"/>
+                </a:solidFill>
+                <a:ea typeface="Calibri" panose="020F0502020204030204" pitchFamily="34" charset="0"/>
+              </a:rPr>
+              <a:t>ins</a:t>
+            </a:r>
+            <a:r>
+              <a:rPr lang="en-US" altLang="zh-CN" sz="2000" dirty="0" smtClean="0">
+                <a:solidFill>
+                  <a:schemeClr val="bg1"/>
+                </a:solidFill>
+                <a:ea typeface="Calibri" panose="020F0502020204030204" pitchFamily="34" charset="0"/>
+              </a:rPr>
+              <a:t>,</a:t>
+            </a:r>
+            <a:r>
+              <a:rPr lang="zh-CN" altLang="zh-CN" sz="2000" dirty="0" smtClean="0">
+                <a:solidFill>
+                  <a:schemeClr val="bg1"/>
+                </a:solidFill>
+                <a:ea typeface="Calibri" panose="020F0502020204030204" pitchFamily="34" charset="0"/>
+              </a:rPr>
+              <a:t>kbd</a:t>
+            </a:r>
+            <a:r>
+              <a:rPr lang="en-US" altLang="zh-CN" sz="2000" dirty="0" smtClean="0">
+                <a:solidFill>
+                  <a:schemeClr val="bg1"/>
+                </a:solidFill>
+                <a:ea typeface="Calibri" panose="020F0502020204030204" pitchFamily="34" charset="0"/>
+              </a:rPr>
+              <a:t>,</a:t>
+            </a:r>
+            <a:r>
+              <a:rPr lang="zh-CN" altLang="zh-CN" sz="2000" dirty="0" smtClean="0">
+                <a:solidFill>
+                  <a:schemeClr val="bg1"/>
+                </a:solidFill>
+                <a:ea typeface="Calibri" panose="020F0502020204030204" pitchFamily="34" charset="0"/>
+              </a:rPr>
+              <a:t>keygen</a:t>
+            </a:r>
+            <a:r>
+              <a:rPr lang="en-US" altLang="zh-CN" sz="2000" dirty="0" smtClean="0">
+                <a:solidFill>
+                  <a:schemeClr val="bg1"/>
+                </a:solidFill>
+                <a:ea typeface="Calibri" panose="020F0502020204030204" pitchFamily="34" charset="0"/>
+              </a:rPr>
+              <a:t>,</a:t>
+            </a:r>
+            <a:r>
+              <a:rPr lang="zh-CN" altLang="zh-CN" sz="2000" dirty="0" smtClean="0">
+                <a:solidFill>
+                  <a:schemeClr val="bg1"/>
+                </a:solidFill>
+                <a:ea typeface="Calibri" panose="020F0502020204030204" pitchFamily="34" charset="0"/>
+              </a:rPr>
+              <a:t>marquee</a:t>
+            </a:r>
+            <a:r>
+              <a:rPr lang="en-US" altLang="zh-CN" sz="2000" dirty="0" smtClean="0">
+                <a:solidFill>
+                  <a:schemeClr val="bg1"/>
+                </a:solidFill>
+                <a:ea typeface="Calibri" panose="020F0502020204030204" pitchFamily="34" charset="0"/>
+              </a:rPr>
+              <a:t>,</a:t>
+            </a:r>
+            <a:r>
+              <a:rPr lang="zh-CN" altLang="zh-CN" sz="2000" dirty="0" smtClean="0">
+                <a:solidFill>
+                  <a:schemeClr val="bg1"/>
+                </a:solidFill>
+                <a:ea typeface="Calibri" panose="020F0502020204030204" pitchFamily="34" charset="0"/>
+              </a:rPr>
+              <a:t>wbr</a:t>
+            </a:r>
+            <a:endParaRPr lang="en-US" altLang="zh-CN" sz="2000" dirty="0" smtClean="0">
+              <a:solidFill>
+                <a:schemeClr val="bg1"/>
+              </a:solidFill>
+              <a:ea typeface="Calibri" panose="020F0502020204030204" pitchFamily="34" charset="0"/>
+            </a:endParaRPr>
+          </a:p>
+          <a:p>
+            <a:pPr>
+              <a:lnSpc>
+                <a:spcPct val="150000"/>
+              </a:lnSpc>
+            </a:pPr>
+            <a:r>
+              <a:rPr lang="en-US" altLang="zh-CN" sz="2000" dirty="0" smtClean="0">
+                <a:solidFill>
+                  <a:schemeClr val="bg1"/>
+                </a:solidFill>
+                <a:ea typeface="Calibri" panose="020F0502020204030204" pitchFamily="34" charset="0"/>
+              </a:rPr>
+              <a:t>ruby&gt;</a:t>
+            </a:r>
+            <a:r>
+              <a:rPr lang="en-US" altLang="zh-CN" sz="2000" dirty="0" err="1" smtClean="0">
+                <a:solidFill>
+                  <a:schemeClr val="bg1"/>
+                </a:solidFill>
+                <a:ea typeface="Calibri" panose="020F0502020204030204" pitchFamily="34" charset="0"/>
+              </a:rPr>
+              <a:t>rp+rt,q,</a:t>
+            </a:r>
+            <a:r>
+              <a:rPr lang="en-US" altLang="zh-CN" sz="2000" dirty="0" err="1" smtClean="0">
+                <a:solidFill>
+                  <a:schemeClr val="bg1"/>
+                </a:solidFill>
+                <a:ea typeface="SimSun" panose="02010600030101010101" pitchFamily="2" charset="-122"/>
+              </a:rPr>
+              <a:t>hr,br</a:t>
+            </a:r>
+            <a:endParaRPr lang="zh-CN" altLang="en-US" sz="2000" dirty="0">
+              <a:solidFill>
+                <a:schemeClr val="bg1"/>
+              </a:solidFill>
+            </a:endParaRPr>
+          </a:p>
+        </p:txBody>
+      </p:sp>
+      <p:sp>
+        <p:nvSpPr>
+          <p:cNvPr id="5" name="文本框 4"/>
+          <p:cNvSpPr txBox="1"/>
+          <p:nvPr/>
+        </p:nvSpPr>
+        <p:spPr>
+          <a:xfrm>
+            <a:off x="650629" y="1266093"/>
+            <a:ext cx="1301959" cy="369332"/>
+          </a:xfrm>
+          <a:prstGeom prst="rect">
+            <a:avLst/>
+          </a:prstGeom>
+        </p:spPr>
+        <p:style>
+          <a:lnRef idx="2">
+            <a:schemeClr val="dk1">
+              <a:shade val="50000"/>
+            </a:schemeClr>
+          </a:lnRef>
+          <a:fillRef idx="1">
+            <a:schemeClr val="dk1"/>
+          </a:fillRef>
+          <a:effectRef idx="0">
+            <a:schemeClr val="dk1"/>
+          </a:effectRef>
+          <a:fontRef idx="minor">
+            <a:schemeClr val="lt1"/>
+          </a:fontRef>
+        </p:style>
+        <p:txBody>
+          <a:bodyPr wrap="none" rtlCol="0">
+            <a:spAutoFit/>
+          </a:bodyPr>
+          <a:lstStyle/>
+          <a:p>
+            <a:r>
+              <a:rPr lang="en-US" altLang="zh-CN" dirty="0" smtClean="0">
+                <a:latin typeface="微软雅黑" panose="020B0503020204020204" pitchFamily="34" charset="-122"/>
+                <a:ea typeface="微软雅黑" panose="020B0503020204020204" pitchFamily="34" charset="-122"/>
+              </a:rPr>
+              <a:t>HTML</a:t>
+            </a:r>
+            <a:r>
+              <a:rPr lang="zh-CN" altLang="en-US" dirty="0" smtClean="0">
+                <a:latin typeface="微软雅黑" panose="020B0503020204020204" pitchFamily="34" charset="-122"/>
+                <a:ea typeface="微软雅黑" panose="020B0503020204020204" pitchFamily="34" charset="-122"/>
+              </a:rPr>
+              <a:t>标签</a:t>
+            </a:r>
+            <a:endParaRPr lang="zh-CN" altLang="en-US" dirty="0">
+              <a:latin typeface="微软雅黑" panose="020B0503020204020204" pitchFamily="34" charset="-122"/>
+              <a:ea typeface="微软雅黑" panose="020B0503020204020204" pitchFamily="34" charset="-122"/>
+            </a:endParaRPr>
+          </a:p>
+        </p:txBody>
+      </p:sp>
+    </p:spTree>
+    <p:extLst>
+      <p:ext uri="{BB962C8B-B14F-4D97-AF65-F5344CB8AC3E}">
+        <p14:creationId xmlns:p14="http://schemas.microsoft.com/office/powerpoint/2010/main" val="3693616360"/>
       </p:ext>
     </p:extLst>
   </p:cSld>

--- a/ppt/front-end/HTML5.pptx
+++ b/ppt/front-end/HTML5.pptx
@@ -20,6 +20,7 @@
     <p:sldId id="268" r:id="rId14"/>
     <p:sldId id="270" r:id="rId15"/>
     <p:sldId id="269" r:id="rId16"/>
+    <p:sldId id="271" r:id="rId17"/>
   </p:sldIdLst>
   <p:sldSz cx="12192000" cy="6858000"/>
   <p:notesSz cx="6858000" cy="9144000"/>
@@ -142,6 +143,7 @@
             <p14:sldId id="268"/>
             <p14:sldId id="270"/>
             <p14:sldId id="269"/>
+            <p14:sldId id="271"/>
           </p14:sldIdLst>
         </p14:section>
       </p14:sectionLst>
@@ -4104,6 +4106,14 @@
           <a:bodyPr/>
           <a:lstStyle/>
           <a:p>
+            <a:r>
+              <a:rPr lang="zh-CN" altLang="en-US" dirty="0" smtClean="0"/>
+              <a:t>最新的</a:t>
+            </a:r>
+            <a:r>
+              <a:rPr lang="en-US" altLang="zh-CN" dirty="0" smtClean="0"/>
+              <a:t>HTML</a:t>
+            </a:r>
             <a:endParaRPr lang="zh-CN" altLang="en-US" dirty="0"/>
           </a:p>
         </p:txBody>
@@ -5651,6 +5661,174 @@
     <p:extLst>
       <p:ext uri="{BB962C8B-B14F-4D97-AF65-F5344CB8AC3E}">
         <p14:creationId xmlns:p14="http://schemas.microsoft.com/office/powerpoint/2010/main" val="1057609553"/>
+      </p:ext>
+    </p:extLst>
+  </p:cSld>
+  <p:clrMapOvr>
+    <a:masterClrMapping/>
+  </p:clrMapOvr>
+  <p:timing>
+    <p:tnLst>
+      <p:par>
+        <p:cTn id="1" dur="indefinite" restart="never" nodeType="tmRoot"/>
+      </p:par>
+    </p:tnLst>
+  </p:timing>
+</p:sld>
+</file>
+
+<file path=ppt/slides/slide16.xml><?xml version="1.0" encoding="utf-8"?>
+<p:sld xmlns:a="http://schemas.openxmlformats.org/drawingml/2006/main" xmlns:r="http://schemas.openxmlformats.org/officeDocument/2006/relationships" xmlns:p="http://schemas.openxmlformats.org/presentationml/2006/main">
+  <p:cSld>
+    <p:spTree>
+      <p:nvGrpSpPr>
+        <p:cNvPr id="1" name=""/>
+        <p:cNvGrpSpPr/>
+        <p:nvPr/>
+      </p:nvGrpSpPr>
+      <p:grpSpPr>
+        <a:xfrm>
+          <a:off x="0" y="0"/>
+          <a:ext cx="0" cy="0"/>
+          <a:chOff x="0" y="0"/>
+          <a:chExt cx="0" cy="0"/>
+        </a:xfrm>
+      </p:grpSpPr>
+      <p:sp>
+        <p:nvSpPr>
+          <p:cNvPr id="2" name="标题 1"/>
+          <p:cNvSpPr>
+            <a:spLocks noGrp="1"/>
+          </p:cNvSpPr>
+          <p:nvPr>
+            <p:ph type="title"/>
+          </p:nvPr>
+        </p:nvSpPr>
+        <p:spPr/>
+        <p:txBody>
+          <a:bodyPr/>
+          <a:lstStyle/>
+          <a:p>
+            <a:r>
+              <a:rPr lang="zh-CN" altLang="en-US" dirty="0"/>
+              <a:t>画板</a:t>
+            </a:r>
+          </a:p>
+        </p:txBody>
+      </p:sp>
+      <p:sp>
+        <p:nvSpPr>
+          <p:cNvPr id="3" name="文本框 2"/>
+          <p:cNvSpPr txBox="1"/>
+          <p:nvPr/>
+        </p:nvSpPr>
+        <p:spPr>
+          <a:xfrm>
+            <a:off x="650629" y="1266093"/>
+            <a:ext cx="1301959" cy="369332"/>
+          </a:xfrm>
+          <a:prstGeom prst="rect">
+            <a:avLst/>
+          </a:prstGeom>
+        </p:spPr>
+        <p:style>
+          <a:lnRef idx="2">
+            <a:schemeClr val="dk1">
+              <a:shade val="50000"/>
+            </a:schemeClr>
+          </a:lnRef>
+          <a:fillRef idx="1">
+            <a:schemeClr val="dk1"/>
+          </a:fillRef>
+          <a:effectRef idx="0">
+            <a:schemeClr val="dk1"/>
+          </a:effectRef>
+          <a:fontRef idx="minor">
+            <a:schemeClr val="lt1"/>
+          </a:fontRef>
+        </p:style>
+        <p:txBody>
+          <a:bodyPr wrap="none" rtlCol="0">
+            <a:spAutoFit/>
+          </a:bodyPr>
+          <a:lstStyle/>
+          <a:p>
+            <a:r>
+              <a:rPr lang="en-US" altLang="zh-CN" dirty="0" smtClean="0">
+                <a:latin typeface="微软雅黑" panose="020B0503020204020204" pitchFamily="34" charset="-122"/>
+                <a:ea typeface="微软雅黑" panose="020B0503020204020204" pitchFamily="34" charset="-122"/>
+              </a:rPr>
+              <a:t>HTML</a:t>
+            </a:r>
+            <a:r>
+              <a:rPr lang="zh-CN" altLang="en-US" dirty="0" smtClean="0">
+                <a:latin typeface="微软雅黑" panose="020B0503020204020204" pitchFamily="34" charset="-122"/>
+                <a:ea typeface="微软雅黑" panose="020B0503020204020204" pitchFamily="34" charset="-122"/>
+              </a:rPr>
+              <a:t>标签</a:t>
+            </a:r>
+            <a:endParaRPr lang="zh-CN" altLang="en-US" dirty="0">
+              <a:latin typeface="微软雅黑" panose="020B0503020204020204" pitchFamily="34" charset="-122"/>
+              <a:ea typeface="微软雅黑" panose="020B0503020204020204" pitchFamily="34" charset="-122"/>
+            </a:endParaRPr>
+          </a:p>
+        </p:txBody>
+      </p:sp>
+      <p:sp>
+        <p:nvSpPr>
+          <p:cNvPr id="4" name="文本框 3"/>
+          <p:cNvSpPr txBox="1"/>
+          <p:nvPr/>
+        </p:nvSpPr>
+        <p:spPr>
+          <a:xfrm>
+            <a:off x="4572001" y="3084394"/>
+            <a:ext cx="2639890" cy="1015663"/>
+          </a:xfrm>
+          <a:prstGeom prst="rect">
+            <a:avLst/>
+          </a:prstGeom>
+        </p:spPr>
+        <p:style>
+          <a:lnRef idx="2">
+            <a:schemeClr val="dk1">
+              <a:shade val="50000"/>
+            </a:schemeClr>
+          </a:lnRef>
+          <a:fillRef idx="1">
+            <a:schemeClr val="dk1"/>
+          </a:fillRef>
+          <a:effectRef idx="0">
+            <a:schemeClr val="dk1"/>
+          </a:effectRef>
+          <a:fontRef idx="minor">
+            <a:schemeClr val="lt1"/>
+          </a:fontRef>
+        </p:style>
+        <p:txBody>
+          <a:bodyPr wrap="none" rtlCol="0">
+            <a:spAutoFit/>
+          </a:bodyPr>
+          <a:lstStyle/>
+          <a:p>
+            <a:r>
+              <a:rPr lang="en-US" altLang="zh-CN" sz="6000" dirty="0" smtClean="0">
+                <a:latin typeface="微软雅黑" panose="020B0503020204020204" pitchFamily="34" charset="-122"/>
+                <a:ea typeface="微软雅黑" panose="020B0503020204020204" pitchFamily="34" charset="-122"/>
+              </a:rPr>
+              <a:t>canvas</a:t>
+            </a:r>
+            <a:endParaRPr lang="zh-CN" altLang="en-US" sz="6000" dirty="0">
+              <a:latin typeface="微软雅黑" panose="020B0503020204020204" pitchFamily="34" charset="-122"/>
+              <a:ea typeface="微软雅黑" panose="020B0503020204020204" pitchFamily="34" charset="-122"/>
+            </a:endParaRPr>
+          </a:p>
+        </p:txBody>
+      </p:sp>
+    </p:spTree>
+    <p:extLst>
+      <p:ext uri="{BB962C8B-B14F-4D97-AF65-F5344CB8AC3E}">
+        <p14:creationId xmlns:p14="http://schemas.microsoft.com/office/powerpoint/2010/main" val="797834693"/>
       </p:ext>
     </p:extLst>
   </p:cSld>

--- a/ppt/front-end/HTML5.pptx
+++ b/ppt/front-end/HTML5.pptx
@@ -1191,372 +1191,6 @@
       <dsp:cNvGrpSpPr/>
     </dsp:nvGrpSpPr>
     <dsp:grpSpPr/>
-    <dsp:sp modelId="{1C7B37EE-5A23-46F5-9C50-B5DED2D48881}">
-      <dsp:nvSpPr>
-        <dsp:cNvPr id="0" name=""/>
-        <dsp:cNvSpPr/>
-      </dsp:nvSpPr>
-      <dsp:spPr>
-        <a:xfrm>
-          <a:off x="7143" y="1268025"/>
-          <a:ext cx="2135187" cy="1281112"/>
-        </a:xfrm>
-        <a:prstGeom prst="roundRect">
-          <a:avLst>
-            <a:gd name="adj" fmla="val 10000"/>
-          </a:avLst>
-        </a:prstGeom>
-        <a:solidFill>
-          <a:schemeClr val="accent1">
-            <a:hueOff val="0"/>
-            <a:satOff val="0"/>
-            <a:lumOff val="0"/>
-            <a:alphaOff val="0"/>
-          </a:schemeClr>
-        </a:solidFill>
-        <a:ln w="12700" cap="flat" cmpd="sng" algn="ctr">
-          <a:solidFill>
-            <a:schemeClr val="lt1">
-              <a:hueOff val="0"/>
-              <a:satOff val="0"/>
-              <a:lumOff val="0"/>
-              <a:alphaOff val="0"/>
-            </a:schemeClr>
-          </a:solidFill>
-          <a:prstDash val="solid"/>
-          <a:miter lim="800000"/>
-        </a:ln>
-        <a:effectLst/>
-      </dsp:spPr>
-      <dsp:style>
-        <a:lnRef idx="2">
-          <a:scrgbClr r="0" g="0" b="0"/>
-        </a:lnRef>
-        <a:fillRef idx="1">
-          <a:scrgbClr r="0" g="0" b="0"/>
-        </a:fillRef>
-        <a:effectRef idx="0">
-          <a:scrgbClr r="0" g="0" b="0"/>
-        </a:effectRef>
-        <a:fontRef idx="minor">
-          <a:schemeClr val="lt1"/>
-        </a:fontRef>
-      </dsp:style>
-      <dsp:txBody>
-        <a:bodyPr spcFirstLastPara="0" vert="horz" wrap="square" lIns="121920" tIns="121920" rIns="121920" bIns="121920" numCol="1" spcCol="1270" anchor="ctr" anchorCtr="0">
-          <a:noAutofit/>
-        </a:bodyPr>
-        <a:lstStyle/>
-        <a:p>
-          <a:pPr lvl="0" algn="ctr" defTabSz="1422400">
-            <a:lnSpc>
-              <a:spcPct val="90000"/>
-            </a:lnSpc>
-            <a:spcBef>
-              <a:spcPct val="0"/>
-            </a:spcBef>
-            <a:spcAft>
-              <a:spcPct val="35000"/>
-            </a:spcAft>
-          </a:pPr>
-          <a:r>
-            <a:rPr lang="zh-CN" altLang="en-US" sz="3200" kern="1200" dirty="0" smtClean="0"/>
-            <a:t>设计师</a:t>
-          </a:r>
-          <a:endParaRPr lang="zh-CN" altLang="en-US" sz="3200" kern="1200" dirty="0"/>
-        </a:p>
-      </dsp:txBody>
-      <dsp:txXfrm>
-        <a:off x="44665" y="1305547"/>
-        <a:ext cx="2060143" cy="1206068"/>
-      </dsp:txXfrm>
-    </dsp:sp>
-    <dsp:sp modelId="{402D7497-7529-4A8A-B39E-2B657AC74E0D}">
-      <dsp:nvSpPr>
-        <dsp:cNvPr id="0" name=""/>
-        <dsp:cNvSpPr/>
-      </dsp:nvSpPr>
-      <dsp:spPr>
-        <a:xfrm>
-          <a:off x="2355850" y="1643818"/>
-          <a:ext cx="452659" cy="529526"/>
-        </a:xfrm>
-        <a:prstGeom prst="rightArrow">
-          <a:avLst>
-            <a:gd name="adj1" fmla="val 60000"/>
-            <a:gd name="adj2" fmla="val 50000"/>
-          </a:avLst>
-        </a:prstGeom>
-        <a:solidFill>
-          <a:schemeClr val="accent1">
-            <a:tint val="60000"/>
-            <a:hueOff val="0"/>
-            <a:satOff val="0"/>
-            <a:lumOff val="0"/>
-            <a:alphaOff val="0"/>
-          </a:schemeClr>
-        </a:solidFill>
-        <a:ln>
-          <a:noFill/>
-        </a:ln>
-        <a:effectLst/>
-      </dsp:spPr>
-      <dsp:style>
-        <a:lnRef idx="0">
-          <a:scrgbClr r="0" g="0" b="0"/>
-        </a:lnRef>
-        <a:fillRef idx="1">
-          <a:scrgbClr r="0" g="0" b="0"/>
-        </a:fillRef>
-        <a:effectRef idx="0">
-          <a:scrgbClr r="0" g="0" b="0"/>
-        </a:effectRef>
-        <a:fontRef idx="minor">
-          <a:schemeClr val="lt1"/>
-        </a:fontRef>
-      </dsp:style>
-      <dsp:txBody>
-        <a:bodyPr spcFirstLastPara="0" vert="horz" wrap="square" lIns="0" tIns="0" rIns="0" bIns="0" numCol="1" spcCol="1270" anchor="ctr" anchorCtr="0">
-          <a:noAutofit/>
-        </a:bodyPr>
-        <a:lstStyle/>
-        <a:p>
-          <a:pPr lvl="0" algn="ctr" defTabSz="977900">
-            <a:lnSpc>
-              <a:spcPct val="90000"/>
-            </a:lnSpc>
-            <a:spcBef>
-              <a:spcPct val="0"/>
-            </a:spcBef>
-            <a:spcAft>
-              <a:spcPct val="35000"/>
-            </a:spcAft>
-          </a:pPr>
-          <a:endParaRPr lang="zh-CN" altLang="en-US" sz="2200" kern="1200"/>
-        </a:p>
-      </dsp:txBody>
-      <dsp:txXfrm>
-        <a:off x="2355850" y="1749723"/>
-        <a:ext cx="316861" cy="317716"/>
-      </dsp:txXfrm>
-    </dsp:sp>
-    <dsp:sp modelId="{B43157D3-230F-469F-99A9-B7E8E8219F62}">
-      <dsp:nvSpPr>
-        <dsp:cNvPr id="0" name=""/>
-        <dsp:cNvSpPr/>
-      </dsp:nvSpPr>
-      <dsp:spPr>
-        <a:xfrm>
-          <a:off x="2996406" y="1268025"/>
-          <a:ext cx="2135187" cy="1281112"/>
-        </a:xfrm>
-        <a:prstGeom prst="roundRect">
-          <a:avLst>
-            <a:gd name="adj" fmla="val 10000"/>
-          </a:avLst>
-        </a:prstGeom>
-        <a:solidFill>
-          <a:schemeClr val="dk1"/>
-        </a:solidFill>
-        <a:ln w="12700" cap="flat" cmpd="sng" algn="ctr">
-          <a:solidFill>
-            <a:schemeClr val="dk1">
-              <a:shade val="50000"/>
-            </a:schemeClr>
-          </a:solidFill>
-          <a:prstDash val="solid"/>
-          <a:miter lim="800000"/>
-        </a:ln>
-        <a:effectLst/>
-      </dsp:spPr>
-      <dsp:style>
-        <a:lnRef idx="2">
-          <a:schemeClr val="dk1">
-            <a:shade val="50000"/>
-          </a:schemeClr>
-        </a:lnRef>
-        <a:fillRef idx="1">
-          <a:schemeClr val="dk1"/>
-        </a:fillRef>
-        <a:effectRef idx="0">
-          <a:schemeClr val="dk1"/>
-        </a:effectRef>
-        <a:fontRef idx="minor">
-          <a:schemeClr val="lt1"/>
-        </a:fontRef>
-      </dsp:style>
-      <dsp:txBody>
-        <a:bodyPr spcFirstLastPara="0" vert="horz" wrap="square" lIns="121920" tIns="121920" rIns="121920" bIns="121920" numCol="1" spcCol="1270" anchor="ctr" anchorCtr="0">
-          <a:noAutofit/>
-        </a:bodyPr>
-        <a:lstStyle/>
-        <a:p>
-          <a:pPr lvl="0" algn="ctr" defTabSz="1422400">
-            <a:lnSpc>
-              <a:spcPct val="90000"/>
-            </a:lnSpc>
-            <a:spcBef>
-              <a:spcPct val="0"/>
-            </a:spcBef>
-            <a:spcAft>
-              <a:spcPct val="35000"/>
-            </a:spcAft>
-          </a:pPr>
-          <a:r>
-            <a:rPr lang="zh-CN" altLang="en-US" sz="3200" kern="1200" dirty="0" smtClean="0"/>
-            <a:t>前端工程师</a:t>
-          </a:r>
-          <a:endParaRPr lang="zh-CN" altLang="en-US" sz="3200" kern="1200" dirty="0"/>
-        </a:p>
-      </dsp:txBody>
-      <dsp:txXfrm>
-        <a:off x="3033928" y="1305547"/>
-        <a:ext cx="2060143" cy="1206068"/>
-      </dsp:txXfrm>
-    </dsp:sp>
-    <dsp:sp modelId="{6C9F72C1-63E8-48D5-BC51-F74C67F58B88}">
-      <dsp:nvSpPr>
-        <dsp:cNvPr id="0" name=""/>
-        <dsp:cNvSpPr/>
-      </dsp:nvSpPr>
-      <dsp:spPr>
-        <a:xfrm>
-          <a:off x="5345112" y="1643818"/>
-          <a:ext cx="452659" cy="529526"/>
-        </a:xfrm>
-        <a:prstGeom prst="rightArrow">
-          <a:avLst>
-            <a:gd name="adj1" fmla="val 60000"/>
-            <a:gd name="adj2" fmla="val 50000"/>
-          </a:avLst>
-        </a:prstGeom>
-        <a:solidFill>
-          <a:schemeClr val="accent1">
-            <a:tint val="60000"/>
-            <a:hueOff val="0"/>
-            <a:satOff val="0"/>
-            <a:lumOff val="0"/>
-            <a:alphaOff val="0"/>
-          </a:schemeClr>
-        </a:solidFill>
-        <a:ln>
-          <a:noFill/>
-        </a:ln>
-        <a:effectLst/>
-      </dsp:spPr>
-      <dsp:style>
-        <a:lnRef idx="0">
-          <a:scrgbClr r="0" g="0" b="0"/>
-        </a:lnRef>
-        <a:fillRef idx="1">
-          <a:scrgbClr r="0" g="0" b="0"/>
-        </a:fillRef>
-        <a:effectRef idx="0">
-          <a:scrgbClr r="0" g="0" b="0"/>
-        </a:effectRef>
-        <a:fontRef idx="minor">
-          <a:schemeClr val="lt1"/>
-        </a:fontRef>
-      </dsp:style>
-      <dsp:txBody>
-        <a:bodyPr spcFirstLastPara="0" vert="horz" wrap="square" lIns="0" tIns="0" rIns="0" bIns="0" numCol="1" spcCol="1270" anchor="ctr" anchorCtr="0">
-          <a:noAutofit/>
-        </a:bodyPr>
-        <a:lstStyle/>
-        <a:p>
-          <a:pPr lvl="0" algn="ctr" defTabSz="977900">
-            <a:lnSpc>
-              <a:spcPct val="90000"/>
-            </a:lnSpc>
-            <a:spcBef>
-              <a:spcPct val="0"/>
-            </a:spcBef>
-            <a:spcAft>
-              <a:spcPct val="35000"/>
-            </a:spcAft>
-          </a:pPr>
-          <a:endParaRPr lang="zh-CN" altLang="en-US" sz="2200" kern="1200"/>
-        </a:p>
-      </dsp:txBody>
-      <dsp:txXfrm>
-        <a:off x="5345112" y="1749723"/>
-        <a:ext cx="316861" cy="317716"/>
-      </dsp:txXfrm>
-    </dsp:sp>
-    <dsp:sp modelId="{EA04569A-0FB6-4B52-BB30-4AEA8ABBB160}">
-      <dsp:nvSpPr>
-        <dsp:cNvPr id="0" name=""/>
-        <dsp:cNvSpPr/>
-      </dsp:nvSpPr>
-      <dsp:spPr>
-        <a:xfrm>
-          <a:off x="5985668" y="1268025"/>
-          <a:ext cx="2135187" cy="1281112"/>
-        </a:xfrm>
-        <a:prstGeom prst="roundRect">
-          <a:avLst>
-            <a:gd name="adj" fmla="val 10000"/>
-          </a:avLst>
-        </a:prstGeom>
-        <a:solidFill>
-          <a:schemeClr val="accent5"/>
-        </a:solidFill>
-        <a:ln w="12700" cap="flat" cmpd="sng" algn="ctr">
-          <a:solidFill>
-            <a:schemeClr val="accent5">
-              <a:shade val="50000"/>
-            </a:schemeClr>
-          </a:solidFill>
-          <a:prstDash val="solid"/>
-          <a:miter lim="800000"/>
-        </a:ln>
-        <a:effectLst/>
-      </dsp:spPr>
-      <dsp:style>
-        <a:lnRef idx="2">
-          <a:schemeClr val="accent5">
-            <a:shade val="50000"/>
-          </a:schemeClr>
-        </a:lnRef>
-        <a:fillRef idx="1">
-          <a:schemeClr val="accent5"/>
-        </a:fillRef>
-        <a:effectRef idx="0">
-          <a:schemeClr val="accent5"/>
-        </a:effectRef>
-        <a:fontRef idx="minor">
-          <a:schemeClr val="lt1"/>
-        </a:fontRef>
-      </dsp:style>
-      <dsp:txBody>
-        <a:bodyPr spcFirstLastPara="0" vert="horz" wrap="square" lIns="121920" tIns="121920" rIns="121920" bIns="121920" numCol="1" spcCol="1270" anchor="ctr" anchorCtr="0">
-          <a:noAutofit/>
-        </a:bodyPr>
-        <a:lstStyle/>
-        <a:p>
-          <a:pPr lvl="0" algn="ctr" defTabSz="1422400">
-            <a:lnSpc>
-              <a:spcPct val="90000"/>
-            </a:lnSpc>
-            <a:spcBef>
-              <a:spcPct val="0"/>
-            </a:spcBef>
-            <a:spcAft>
-              <a:spcPct val="35000"/>
-            </a:spcAft>
-          </a:pPr>
-          <a:r>
-            <a:rPr lang="zh-CN" altLang="en-US" sz="3200" kern="1200" dirty="0" smtClean="0"/>
-            <a:t>后端开发工程师</a:t>
-          </a:r>
-          <a:endParaRPr lang="zh-CN" altLang="en-US" sz="3200" kern="1200" dirty="0"/>
-        </a:p>
-      </dsp:txBody>
-      <dsp:txXfrm>
-        <a:off x="6023190" y="1305547"/>
-        <a:ext cx="2060143" cy="1206068"/>
-      </dsp:txXfrm>
-    </dsp:sp>
   </dsp:spTree>
 </dsp:drawing>
 </file>
@@ -4710,7 +4344,7 @@
         <p:spPr>
           <a:xfrm>
             <a:off x="650629" y="1733900"/>
-            <a:ext cx="6505433" cy="3903504"/>
+            <a:ext cx="6505433" cy="3970318"/>
           </a:xfrm>
           <a:prstGeom prst="rect">
             <a:avLst/>
@@ -4738,11 +4372,6 @@
           </a:bodyPr>
           <a:lstStyle/>
           <a:p>
-            <a:pPr>
-              <a:lnSpc>
-                <a:spcPct val="150000"/>
-              </a:lnSpc>
-            </a:pPr>
             <a:r>
               <a:rPr lang="en-US" altLang="zh-CN" sz="2800" dirty="0" smtClean="0">
                 <a:solidFill>
@@ -4754,11 +4383,6 @@
             </a:r>
           </a:p>
           <a:p>
-            <a:pPr>
-              <a:lnSpc>
-                <a:spcPct val="150000"/>
-              </a:lnSpc>
-            </a:pPr>
             <a:r>
               <a:rPr lang="en-US" altLang="zh-CN" sz="2800" dirty="0" smtClean="0">
                 <a:solidFill>
@@ -4770,11 +4394,6 @@
             </a:r>
           </a:p>
           <a:p>
-            <a:pPr>
-              <a:lnSpc>
-                <a:spcPct val="150000"/>
-              </a:lnSpc>
-            </a:pPr>
             <a:r>
               <a:rPr lang="en-US" altLang="zh-CN" sz="2800" dirty="0" smtClean="0">
                 <a:solidFill>
@@ -4786,11 +4405,6 @@
             </a:r>
           </a:p>
           <a:p>
-            <a:pPr>
-              <a:lnSpc>
-                <a:spcPct val="150000"/>
-              </a:lnSpc>
-            </a:pPr>
             <a:r>
               <a:rPr lang="en-US" altLang="zh-CN" sz="2800" dirty="0" smtClean="0">
                 <a:solidFill>
@@ -4802,11 +4416,6 @@
             </a:r>
           </a:p>
           <a:p>
-            <a:pPr>
-              <a:lnSpc>
-                <a:spcPct val="150000"/>
-              </a:lnSpc>
-            </a:pPr>
             <a:r>
               <a:rPr lang="en-US" altLang="zh-CN" sz="2800" dirty="0" err="1" smtClean="0">
                 <a:solidFill>
@@ -4824,11 +4433,6 @@
             </a:endParaRPr>
           </a:p>
           <a:p>
-            <a:pPr>
-              <a:lnSpc>
-                <a:spcPct val="150000"/>
-              </a:lnSpc>
-            </a:pPr>
             <a:r>
               <a:rPr lang="zh-CN" altLang="zh-CN" sz="2800" dirty="0" smtClean="0">
                 <a:solidFill>
@@ -4838,11 +4442,51 @@
               </a:rPr>
               <a:t>command </a:t>
             </a:r>
-            <a:endParaRPr lang="zh-CN" altLang="en-US" sz="2800" dirty="0">
+            <a:endParaRPr lang="en-US" altLang="zh-CN" sz="2800" dirty="0" smtClean="0">
               <a:solidFill>
                 <a:schemeClr val="bg1"/>
               </a:solidFill>
+              <a:ea typeface="Calibri" panose="020F0502020204030204" pitchFamily="34" charset="0"/>
             </a:endParaRPr>
+          </a:p>
+          <a:p>
+            <a:r>
+              <a:rPr lang="en-US" altLang="zh-CN" sz="2800" dirty="0" smtClean="0">
+                <a:solidFill>
+                  <a:schemeClr val="bg1"/>
+                </a:solidFill>
+                <a:ea typeface="Calibri" panose="020F0502020204030204" pitchFamily="34" charset="0"/>
+              </a:rPr>
+              <a:t>K</a:t>
+            </a:r>
+            <a:r>
+              <a:rPr lang="zh-CN" altLang="zh-CN" sz="2800" dirty="0" smtClean="0">
+                <a:solidFill>
+                  <a:schemeClr val="bg1"/>
+                </a:solidFill>
+                <a:ea typeface="Calibri" panose="020F0502020204030204" pitchFamily="34" charset="0"/>
+              </a:rPr>
+              <a:t>eygen</a:t>
+            </a:r>
+            <a:endParaRPr lang="en-US" altLang="zh-CN" sz="2800" dirty="0" smtClean="0">
+              <a:solidFill>
+                <a:schemeClr val="bg1"/>
+              </a:solidFill>
+              <a:ea typeface="Calibri" panose="020F0502020204030204" pitchFamily="34" charset="0"/>
+            </a:endParaRPr>
+          </a:p>
+          <a:p>
+            <a:r>
+              <a:rPr lang="en-US" altLang="zh-CN" sz="2800" b="1" dirty="0" smtClean="0"/>
+              <a:t>Progress</a:t>
+            </a:r>
+          </a:p>
+          <a:p>
+            <a:r>
+              <a:rPr lang="en-US" altLang="zh-CN" sz="2800" b="1" dirty="0" smtClean="0"/>
+              <a:t>output</a:t>
+            </a:r>
+            <a:endParaRPr lang="en-US" altLang="zh-CN" sz="2800" b="1" dirty="0"/>
           </a:p>
         </p:txBody>
       </p:sp>
@@ -4900,6 +4544,119 @@
             <a:endParaRPr lang="zh-CN" altLang="en-US" dirty="0">
               <a:latin typeface="微软雅黑" panose="020B0503020204020204" pitchFamily="34" charset="-122"/>
               <a:ea typeface="微软雅黑" panose="020B0503020204020204" pitchFamily="34" charset="-122"/>
+            </a:endParaRPr>
+          </a:p>
+        </p:txBody>
+      </p:sp>
+      <p:sp>
+        <p:nvSpPr>
+          <p:cNvPr id="5" name="Rectangle 1"/>
+          <p:cNvSpPr>
+            <a:spLocks noChangeArrowheads="1"/>
+          </p:cNvSpPr>
+          <p:nvPr/>
+        </p:nvSpPr>
+        <p:spPr bwMode="auto">
+          <a:xfrm>
+            <a:off x="0" y="0"/>
+            <a:ext cx="12192000" cy="457200"/>
+          </a:xfrm>
+          <a:prstGeom prst="rect">
+            <a:avLst/>
+          </a:prstGeom>
+          <a:noFill/>
+          <a:ln>
+            <a:noFill/>
+          </a:ln>
+          <a:effectLst/>
+          <a:extLst>
+            <a:ext uri="{909E8E84-426E-40DD-AFC4-6F175D3DCCD1}">
+              <a14:hiddenFill xmlns:a14="http://schemas.microsoft.com/office/drawing/2010/main">
+                <a:solidFill>
+                  <a:schemeClr val="accent1"/>
+                </a:solidFill>
+              </a14:hiddenFill>
+            </a:ext>
+            <a:ext uri="{91240B29-F687-4F45-9708-019B960494DF}">
+              <a14:hiddenLine xmlns:a14="http://schemas.microsoft.com/office/drawing/2010/main" w="9525">
+                <a:solidFill>
+                  <a:schemeClr val="tx1"/>
+                </a:solidFill>
+                <a:miter lim="800000"/>
+                <a:headEnd/>
+                <a:tailEnd/>
+              </a14:hiddenLine>
+            </a:ext>
+            <a:ext uri="{AF507438-7753-43E0-B8FC-AC1667EBCBE1}">
+              <a14:hiddenEffects xmlns:a14="http://schemas.microsoft.com/office/drawing/2010/main">
+                <a:effectLst>
+                  <a:outerShdw dist="35921" dir="2700000" algn="ctr" rotWithShape="0">
+                    <a:schemeClr val="bg2"/>
+                  </a:outerShdw>
+                </a:effectLst>
+              </a14:hiddenEffects>
+            </a:ext>
+          </a:extLst>
+        </p:spPr>
+        <p:txBody>
+          <a:bodyPr vert="horz" wrap="none" lIns="91440" tIns="45720" rIns="91440" bIns="45720" numCol="1" anchor="ctr" anchorCtr="0" compatLnSpc="1">
+            <a:prstTxWarp prst="textNoShape">
+              <a:avLst/>
+            </a:prstTxWarp>
+            <a:spAutoFit/>
+          </a:bodyPr>
+          <a:lstStyle/>
+          <a:p>
+            <a:pPr marL="0" marR="0" lvl="0" indent="0" algn="l" defTabSz="914400" rtl="0" eaLnBrk="0" fontAlgn="base" latinLnBrk="0" hangingPunct="0">
+              <a:lnSpc>
+                <a:spcPct val="100000"/>
+              </a:lnSpc>
+              <a:spcBef>
+                <a:spcPct val="0"/>
+              </a:spcBef>
+              <a:spcAft>
+                <a:spcPct val="0"/>
+              </a:spcAft>
+              <a:buClrTx/>
+              <a:buSzTx/>
+              <a:buFontTx/>
+              <a:buNone/>
+              <a:tabLst/>
+            </a:pPr>
+            <a:r>
+              <a:rPr kumimoji="0" lang="zh-CN" altLang="zh-CN" sz="1000" b="0" i="0" u="none" strike="noStrike" cap="none" normalizeH="0" baseline="0" smtClean="0">
+                <a:ln>
+                  <a:noFill/>
+                </a:ln>
+                <a:solidFill>
+                  <a:schemeClr val="tx1"/>
+                </a:solidFill>
+                <a:effectLst/>
+                <a:latin typeface="Arial Unicode MS" panose="020B0604020202020204" pitchFamily="34" charset="-122"/>
+              </a:rPr>
+              <a:t>output</a:t>
+            </a:r>
+            <a:r>
+              <a:rPr kumimoji="0" lang="zh-CN" altLang="zh-CN" sz="1100" b="0" i="0" u="none" strike="noStrike" cap="none" normalizeH="0" baseline="0" smtClean="0">
+                <a:ln>
+                  <a:noFill/>
+                </a:ln>
+                <a:solidFill>
+                  <a:schemeClr val="tx1"/>
+                </a:solidFill>
+                <a:effectLst/>
+              </a:rPr>
+              <a:t> </a:t>
+            </a:r>
+            <a:endParaRPr kumimoji="0" lang="zh-CN" altLang="zh-CN" sz="1800" b="0" i="0" u="none" strike="noStrike" cap="none" normalizeH="0" baseline="0" smtClean="0">
+              <a:ln>
+                <a:noFill/>
+              </a:ln>
+              <a:solidFill>
+                <a:schemeClr val="tx1"/>
+              </a:solidFill>
+              <a:effectLst/>
+              <a:latin typeface="Arial" panose="020B0604020202020204" pitchFamily="34" charset="0"/>
             </a:endParaRPr>
           </a:p>
         </p:txBody>
@@ -5782,7 +5539,7 @@
         </p:nvSpPr>
         <p:spPr>
           <a:xfrm>
-            <a:off x="4572001" y="3084394"/>
+            <a:off x="4531058" y="2975212"/>
             <a:ext cx="2639890" cy="1015663"/>
           </a:xfrm>
           <a:prstGeom prst="rect">
@@ -7504,7 +7261,7 @@
         <p:spPr>
           <a:xfrm>
             <a:off x="650629" y="1733900"/>
-            <a:ext cx="6951174" cy="4247317"/>
+            <a:ext cx="5518159" cy="4247317"/>
           </a:xfrm>
           <a:prstGeom prst="rect">
             <a:avLst/>
@@ -7569,229 +7326,16 @@
                 </a:solidFill>
                 <a:ea typeface="SimSun" panose="02010600030101010101" pitchFamily="2" charset="-122"/>
               </a:rPr>
-              <a:t>header</a:t>
-            </a:r>
-          </a:p>
-          <a:p>
-            <a:pPr>
-              <a:lnSpc>
-                <a:spcPct val="150000"/>
-              </a:lnSpc>
-            </a:pPr>
-            <a:r>
-              <a:rPr lang="en-US" altLang="zh-CN" sz="2000" dirty="0" smtClean="0">
+              <a:t>header   </a:t>
+            </a:r>
+            <a:r>
+              <a:rPr lang="zh-CN" altLang="en-US" sz="2000" dirty="0" smtClean="0">
                 <a:solidFill>
                   <a:schemeClr val="bg1"/>
                 </a:solidFill>
                 <a:ea typeface="SimSun" panose="02010600030101010101" pitchFamily="2" charset="-122"/>
               </a:rPr>
-              <a:t>article</a:t>
-            </a:r>
-          </a:p>
-          <a:p>
-            <a:pPr>
-              <a:lnSpc>
-                <a:spcPct val="150000"/>
-              </a:lnSpc>
-            </a:pPr>
-            <a:r>
-              <a:rPr lang="en-US" altLang="zh-CN" sz="2000" dirty="0" smtClean="0">
-                <a:solidFill>
-                  <a:schemeClr val="bg1"/>
-                </a:solidFill>
-                <a:ea typeface="SimSun" panose="02010600030101010101" pitchFamily="2" charset="-122"/>
-              </a:rPr>
-              <a:t>footer</a:t>
-            </a:r>
-          </a:p>
-          <a:p>
-            <a:pPr>
-              <a:lnSpc>
-                <a:spcPct val="150000"/>
-              </a:lnSpc>
-            </a:pPr>
-            <a:r>
-              <a:rPr lang="en-US" altLang="zh-CN" sz="2000" dirty="0" smtClean="0">
-                <a:solidFill>
-                  <a:schemeClr val="bg1"/>
-                </a:solidFill>
-                <a:ea typeface="SimSun" panose="02010600030101010101" pitchFamily="2" charset="-122"/>
-              </a:rPr>
-              <a:t>section</a:t>
-            </a:r>
-          </a:p>
-          <a:p>
-            <a:pPr>
-              <a:lnSpc>
-                <a:spcPct val="150000"/>
-              </a:lnSpc>
-            </a:pPr>
-            <a:r>
-              <a:rPr lang="en-US" altLang="zh-CN" sz="2000" dirty="0" smtClean="0">
-                <a:solidFill>
-                  <a:schemeClr val="bg1"/>
-                </a:solidFill>
-                <a:ea typeface="SimSun" panose="02010600030101010101" pitchFamily="2" charset="-122"/>
-              </a:rPr>
-              <a:t>aside</a:t>
-            </a:r>
-          </a:p>
-          <a:p>
-            <a:pPr>
-              <a:lnSpc>
-                <a:spcPct val="150000"/>
-              </a:lnSpc>
-            </a:pPr>
-            <a:r>
-              <a:rPr lang="en-US" altLang="zh-CN" sz="2000" dirty="0" smtClean="0">
-                <a:solidFill>
-                  <a:schemeClr val="bg1"/>
-                </a:solidFill>
-                <a:ea typeface="SimSun" panose="02010600030101010101" pitchFamily="2" charset="-122"/>
-              </a:rPr>
-              <a:t>table&gt;(</a:t>
-            </a:r>
-            <a:r>
-              <a:rPr lang="en-US" altLang="zh-CN" sz="2000" dirty="0" err="1" smtClean="0">
-                <a:solidFill>
-                  <a:schemeClr val="bg1"/>
-                </a:solidFill>
-                <a:ea typeface="SimSun" panose="02010600030101010101" pitchFamily="2" charset="-122"/>
-              </a:rPr>
-              <a:t>thead</a:t>
-            </a:r>
-            <a:r>
-              <a:rPr lang="en-US" altLang="zh-CN" sz="2000" dirty="0" smtClean="0">
-                <a:solidFill>
-                  <a:schemeClr val="bg1"/>
-                </a:solidFill>
-                <a:ea typeface="SimSun" panose="02010600030101010101" pitchFamily="2" charset="-122"/>
-              </a:rPr>
-              <a:t>&gt;</a:t>
-            </a:r>
-            <a:r>
-              <a:rPr lang="en-US" altLang="zh-CN" sz="2000" dirty="0" err="1" smtClean="0">
-                <a:solidFill>
-                  <a:schemeClr val="bg1"/>
-                </a:solidFill>
-                <a:ea typeface="SimSun" panose="02010600030101010101" pitchFamily="2" charset="-122"/>
-              </a:rPr>
-              <a:t>tr</a:t>
-            </a:r>
-            <a:r>
-              <a:rPr lang="en-US" altLang="zh-CN" sz="2000" dirty="0" smtClean="0">
-                <a:solidFill>
-                  <a:schemeClr val="bg1"/>
-                </a:solidFill>
-                <a:ea typeface="SimSun" panose="02010600030101010101" pitchFamily="2" charset="-122"/>
-              </a:rPr>
-              <a:t>&gt;</a:t>
-            </a:r>
-            <a:r>
-              <a:rPr lang="en-US" altLang="zh-CN" sz="2000" dirty="0" err="1" smtClean="0">
-                <a:solidFill>
-                  <a:schemeClr val="bg1"/>
-                </a:solidFill>
-                <a:ea typeface="SimSun" panose="02010600030101010101" pitchFamily="2" charset="-122"/>
-              </a:rPr>
-              <a:t>th</a:t>
-            </a:r>
-            <a:r>
-              <a:rPr lang="en-US" altLang="zh-CN" sz="2000" dirty="0" smtClean="0">
-                <a:solidFill>
-                  <a:schemeClr val="bg1"/>
-                </a:solidFill>
-                <a:ea typeface="SimSun" panose="02010600030101010101" pitchFamily="2" charset="-122"/>
-              </a:rPr>
-              <a:t>)+(</a:t>
-            </a:r>
-            <a:r>
-              <a:rPr lang="en-US" altLang="zh-CN" sz="2000" dirty="0" err="1" smtClean="0">
-                <a:solidFill>
-                  <a:schemeClr val="bg1"/>
-                </a:solidFill>
-                <a:ea typeface="SimSun" panose="02010600030101010101" pitchFamily="2" charset="-122"/>
-              </a:rPr>
-              <a:t>tbody</a:t>
-            </a:r>
-            <a:r>
-              <a:rPr lang="en-US" altLang="zh-CN" sz="2000" dirty="0" smtClean="0">
-                <a:solidFill>
-                  <a:schemeClr val="bg1"/>
-                </a:solidFill>
-                <a:ea typeface="SimSun" panose="02010600030101010101" pitchFamily="2" charset="-122"/>
-              </a:rPr>
-              <a:t>&gt;</a:t>
-            </a:r>
-            <a:r>
-              <a:rPr lang="en-US" altLang="zh-CN" sz="2000" dirty="0" err="1" smtClean="0">
-                <a:solidFill>
-                  <a:schemeClr val="bg1"/>
-                </a:solidFill>
-                <a:ea typeface="SimSun" panose="02010600030101010101" pitchFamily="2" charset="-122"/>
-              </a:rPr>
-              <a:t>tr</a:t>
-            </a:r>
-            <a:r>
-              <a:rPr lang="en-US" altLang="zh-CN" sz="2000" dirty="0" smtClean="0">
-                <a:solidFill>
-                  <a:schemeClr val="bg1"/>
-                </a:solidFill>
-                <a:ea typeface="SimSun" panose="02010600030101010101" pitchFamily="2" charset="-122"/>
-              </a:rPr>
-              <a:t>&gt;td)+(</a:t>
-            </a:r>
-            <a:r>
-              <a:rPr lang="en-US" altLang="zh-CN" sz="2000" dirty="0" err="1" smtClean="0">
-                <a:solidFill>
-                  <a:schemeClr val="bg1"/>
-                </a:solidFill>
-                <a:ea typeface="SimSun" panose="02010600030101010101" pitchFamily="2" charset="-122"/>
-              </a:rPr>
-              <a:t>tfoot</a:t>
-            </a:r>
-            <a:r>
-              <a:rPr lang="en-US" altLang="zh-CN" sz="2000" dirty="0" smtClean="0">
-                <a:solidFill>
-                  <a:schemeClr val="bg1"/>
-                </a:solidFill>
-                <a:ea typeface="SimSun" panose="02010600030101010101" pitchFamily="2" charset="-122"/>
-              </a:rPr>
-              <a:t>&gt;</a:t>
-            </a:r>
-            <a:r>
-              <a:rPr lang="en-US" altLang="zh-CN" sz="2000" dirty="0" err="1" smtClean="0">
-                <a:solidFill>
-                  <a:schemeClr val="bg1"/>
-                </a:solidFill>
-                <a:ea typeface="SimSun" panose="02010600030101010101" pitchFamily="2" charset="-122"/>
-              </a:rPr>
-              <a:t>tr</a:t>
-            </a:r>
-            <a:r>
-              <a:rPr lang="en-US" altLang="zh-CN" sz="2000" dirty="0" smtClean="0">
-                <a:solidFill>
-                  <a:schemeClr val="bg1"/>
-                </a:solidFill>
-                <a:ea typeface="SimSun" panose="02010600030101010101" pitchFamily="2" charset="-122"/>
-              </a:rPr>
-              <a:t>&gt;td)</a:t>
-            </a:r>
-          </a:p>
-          <a:p>
-            <a:pPr>
-              <a:lnSpc>
-                <a:spcPct val="150000"/>
-              </a:lnSpc>
-            </a:pPr>
-            <a:r>
-              <a:rPr lang="en-US" altLang="zh-CN" sz="2000" dirty="0" err="1" smtClean="0">
-                <a:solidFill>
-                  <a:schemeClr val="bg1"/>
-                </a:solidFill>
-                <a:ea typeface="SimSun" panose="02010600030101010101" pitchFamily="2" charset="-122"/>
-              </a:rPr>
-              <a:t>nav</a:t>
+              <a:t>页头</a:t>
             </a:r>
             <a:endParaRPr lang="en-US" altLang="zh-CN" sz="2000" dirty="0" smtClean="0">
               <a:solidFill>
@@ -7813,6 +7357,348 @@
                 </a:solidFill>
                 <a:ea typeface="SimSun" panose="02010600030101010101" pitchFamily="2" charset="-122"/>
               </a:rPr>
+              <a:t>article  </a:t>
+            </a:r>
+            <a:r>
+              <a:rPr lang="zh-CN" altLang="en-US" sz="2000" dirty="0" smtClean="0">
+                <a:solidFill>
+                  <a:schemeClr val="bg1"/>
+                </a:solidFill>
+                <a:ea typeface="SimSun" panose="02010600030101010101" pitchFamily="2" charset="-122"/>
+              </a:rPr>
+              <a:t>文章</a:t>
+            </a:r>
+            <a:endParaRPr lang="en-US" altLang="zh-CN" sz="2000" dirty="0" smtClean="0">
+              <a:solidFill>
+                <a:schemeClr val="bg1"/>
+              </a:solidFill>
+              <a:ea typeface="SimSun" panose="02010600030101010101" pitchFamily="2" charset="-122"/>
+            </a:endParaRPr>
+          </a:p>
+          <a:p>
+            <a:pPr>
+              <a:lnSpc>
+                <a:spcPct val="150000"/>
+              </a:lnSpc>
+            </a:pPr>
+            <a:r>
+              <a:rPr lang="en-US" altLang="zh-CN" sz="2000" dirty="0" smtClean="0">
+                <a:solidFill>
+                  <a:schemeClr val="bg1"/>
+                </a:solidFill>
+                <a:ea typeface="SimSun" panose="02010600030101010101" pitchFamily="2" charset="-122"/>
+              </a:rPr>
+              <a:t>footer  </a:t>
+            </a:r>
+            <a:r>
+              <a:rPr lang="zh-CN" altLang="en-US" sz="2000" dirty="0" smtClean="0">
+                <a:solidFill>
+                  <a:schemeClr val="bg1"/>
+                </a:solidFill>
+                <a:ea typeface="SimSun" panose="02010600030101010101" pitchFamily="2" charset="-122"/>
+              </a:rPr>
+              <a:t>页尾</a:t>
+            </a:r>
+            <a:endParaRPr lang="en-US" altLang="zh-CN" sz="2000" dirty="0" smtClean="0">
+              <a:solidFill>
+                <a:schemeClr val="bg1"/>
+              </a:solidFill>
+              <a:ea typeface="SimSun" panose="02010600030101010101" pitchFamily="2" charset="-122"/>
+            </a:endParaRPr>
+          </a:p>
+          <a:p>
+            <a:pPr>
+              <a:lnSpc>
+                <a:spcPct val="150000"/>
+              </a:lnSpc>
+            </a:pPr>
+            <a:r>
+              <a:rPr lang="en-US" altLang="zh-CN" sz="2000" dirty="0" smtClean="0">
+                <a:solidFill>
+                  <a:schemeClr val="bg1"/>
+                </a:solidFill>
+                <a:ea typeface="SimSun" panose="02010600030101010101" pitchFamily="2" charset="-122"/>
+              </a:rPr>
+              <a:t>section  </a:t>
+            </a:r>
+            <a:r>
+              <a:rPr lang="zh-CN" altLang="en-US" sz="2000" dirty="0" smtClean="0">
+                <a:solidFill>
+                  <a:schemeClr val="bg1"/>
+                </a:solidFill>
+                <a:ea typeface="SimSun" panose="02010600030101010101" pitchFamily="2" charset="-122"/>
+              </a:rPr>
+              <a:t>部分</a:t>
+            </a:r>
+            <a:r>
+              <a:rPr lang="en-US" altLang="zh-CN" sz="2000" dirty="0" smtClean="0">
+                <a:solidFill>
+                  <a:schemeClr val="bg1"/>
+                </a:solidFill>
+                <a:ea typeface="SimSun" panose="02010600030101010101" pitchFamily="2" charset="-122"/>
+              </a:rPr>
+              <a:t>,</a:t>
+            </a:r>
+            <a:r>
+              <a:rPr lang="zh-CN" altLang="en-US" sz="2000" dirty="0" smtClean="0">
+                <a:solidFill>
+                  <a:schemeClr val="bg1"/>
+                </a:solidFill>
+                <a:ea typeface="SimSun" panose="02010600030101010101" pitchFamily="2" charset="-122"/>
+              </a:rPr>
+              <a:t>划分</a:t>
+            </a:r>
+            <a:endParaRPr lang="en-US" altLang="zh-CN" sz="2000" dirty="0" smtClean="0">
+              <a:solidFill>
+                <a:schemeClr val="bg1"/>
+              </a:solidFill>
+              <a:ea typeface="SimSun" panose="02010600030101010101" pitchFamily="2" charset="-122"/>
+            </a:endParaRPr>
+          </a:p>
+          <a:p>
+            <a:pPr>
+              <a:lnSpc>
+                <a:spcPct val="150000"/>
+              </a:lnSpc>
+            </a:pPr>
+            <a:r>
+              <a:rPr lang="en-US" altLang="zh-CN" sz="2000" dirty="0" smtClean="0">
+                <a:solidFill>
+                  <a:schemeClr val="bg1"/>
+                </a:solidFill>
+                <a:ea typeface="SimSun" panose="02010600030101010101" pitchFamily="2" charset="-122"/>
+              </a:rPr>
+              <a:t>aside  </a:t>
+            </a:r>
+            <a:r>
+              <a:rPr lang="zh-CN" altLang="en-US" sz="2000" dirty="0" smtClean="0">
+                <a:solidFill>
+                  <a:schemeClr val="bg1"/>
+                </a:solidFill>
+                <a:ea typeface="SimSun" panose="02010600030101010101" pitchFamily="2" charset="-122"/>
+              </a:rPr>
+              <a:t>一边</a:t>
+            </a:r>
+            <a:r>
+              <a:rPr lang="en-US" altLang="zh-CN" sz="2000" dirty="0" smtClean="0">
+                <a:solidFill>
+                  <a:schemeClr val="bg1"/>
+                </a:solidFill>
+                <a:ea typeface="SimSun" panose="02010600030101010101" pitchFamily="2" charset="-122"/>
+              </a:rPr>
+              <a:t>,</a:t>
+            </a:r>
+            <a:r>
+              <a:rPr lang="zh-CN" altLang="en-US" sz="2000" dirty="0" smtClean="0">
+                <a:solidFill>
+                  <a:schemeClr val="bg1"/>
+                </a:solidFill>
+                <a:ea typeface="SimSun" panose="02010600030101010101" pitchFamily="2" charset="-122"/>
+              </a:rPr>
+              <a:t>旁边</a:t>
+            </a:r>
+            <a:endParaRPr lang="en-US" altLang="zh-CN" sz="2000" dirty="0" smtClean="0">
+              <a:solidFill>
+                <a:schemeClr val="bg1"/>
+              </a:solidFill>
+              <a:ea typeface="SimSun" panose="02010600030101010101" pitchFamily="2" charset="-122"/>
+            </a:endParaRPr>
+          </a:p>
+          <a:p>
+            <a:pPr>
+              <a:lnSpc>
+                <a:spcPct val="150000"/>
+              </a:lnSpc>
+            </a:pPr>
+            <a:r>
+              <a:rPr lang="en-US" altLang="zh-CN" sz="2000" dirty="0" smtClean="0">
+                <a:solidFill>
+                  <a:schemeClr val="bg1"/>
+                </a:solidFill>
+                <a:ea typeface="SimSun" panose="02010600030101010101" pitchFamily="2" charset="-122"/>
+              </a:rPr>
+              <a:t>table&gt;(</a:t>
+            </a:r>
+            <a:r>
+              <a:rPr lang="en-US" altLang="zh-CN" sz="2000" dirty="0" err="1" smtClean="0">
+                <a:solidFill>
+                  <a:schemeClr val="bg1"/>
+                </a:solidFill>
+                <a:ea typeface="SimSun" panose="02010600030101010101" pitchFamily="2" charset="-122"/>
+              </a:rPr>
+              <a:t>thead</a:t>
+            </a:r>
+            <a:r>
+              <a:rPr lang="en-US" altLang="zh-CN" sz="2000" dirty="0" smtClean="0">
+                <a:solidFill>
+                  <a:schemeClr val="bg1"/>
+                </a:solidFill>
+                <a:ea typeface="SimSun" panose="02010600030101010101" pitchFamily="2" charset="-122"/>
+              </a:rPr>
+              <a:t>&gt;</a:t>
+            </a:r>
+            <a:r>
+              <a:rPr lang="en-US" altLang="zh-CN" sz="2000" dirty="0" err="1" smtClean="0">
+                <a:solidFill>
+                  <a:schemeClr val="bg1"/>
+                </a:solidFill>
+                <a:ea typeface="SimSun" panose="02010600030101010101" pitchFamily="2" charset="-122"/>
+              </a:rPr>
+              <a:t>tr</a:t>
+            </a:r>
+            <a:r>
+              <a:rPr lang="en-US" altLang="zh-CN" sz="2000" dirty="0" smtClean="0">
+                <a:solidFill>
+                  <a:schemeClr val="bg1"/>
+                </a:solidFill>
+                <a:ea typeface="SimSun" panose="02010600030101010101" pitchFamily="2" charset="-122"/>
+              </a:rPr>
+              <a:t>&gt;</a:t>
+            </a:r>
+            <a:r>
+              <a:rPr lang="en-US" altLang="zh-CN" sz="2000" dirty="0" err="1" smtClean="0">
+                <a:solidFill>
+                  <a:schemeClr val="bg1"/>
+                </a:solidFill>
+                <a:ea typeface="SimSun" panose="02010600030101010101" pitchFamily="2" charset="-122"/>
+              </a:rPr>
+              <a:t>th</a:t>
+            </a:r>
+            <a:r>
+              <a:rPr lang="en-US" altLang="zh-CN" sz="2000" dirty="0" smtClean="0">
+                <a:solidFill>
+                  <a:schemeClr val="bg1"/>
+                </a:solidFill>
+                <a:ea typeface="SimSun" panose="02010600030101010101" pitchFamily="2" charset="-122"/>
+              </a:rPr>
+              <a:t>)+(</a:t>
+            </a:r>
+            <a:r>
+              <a:rPr lang="en-US" altLang="zh-CN" sz="2000" dirty="0" err="1" smtClean="0">
+                <a:solidFill>
+                  <a:schemeClr val="bg1"/>
+                </a:solidFill>
+                <a:ea typeface="SimSun" panose="02010600030101010101" pitchFamily="2" charset="-122"/>
+              </a:rPr>
+              <a:t>tbody</a:t>
+            </a:r>
+            <a:r>
+              <a:rPr lang="en-US" altLang="zh-CN" sz="2000" dirty="0" smtClean="0">
+                <a:solidFill>
+                  <a:schemeClr val="bg1"/>
+                </a:solidFill>
+                <a:ea typeface="SimSun" panose="02010600030101010101" pitchFamily="2" charset="-122"/>
+              </a:rPr>
+              <a:t>&gt;</a:t>
+            </a:r>
+            <a:r>
+              <a:rPr lang="en-US" altLang="zh-CN" sz="2000" dirty="0" err="1" smtClean="0">
+                <a:solidFill>
+                  <a:schemeClr val="bg1"/>
+                </a:solidFill>
+                <a:ea typeface="SimSun" panose="02010600030101010101" pitchFamily="2" charset="-122"/>
+              </a:rPr>
+              <a:t>tr</a:t>
+            </a:r>
+            <a:r>
+              <a:rPr lang="en-US" altLang="zh-CN" sz="2000" dirty="0" smtClean="0">
+                <a:solidFill>
+                  <a:schemeClr val="bg1"/>
+                </a:solidFill>
+                <a:ea typeface="SimSun" panose="02010600030101010101" pitchFamily="2" charset="-122"/>
+              </a:rPr>
+              <a:t>&gt;td)+(</a:t>
+            </a:r>
+            <a:r>
+              <a:rPr lang="en-US" altLang="zh-CN" sz="2000" dirty="0" err="1" smtClean="0">
+                <a:solidFill>
+                  <a:schemeClr val="bg1"/>
+                </a:solidFill>
+                <a:ea typeface="SimSun" panose="02010600030101010101" pitchFamily="2" charset="-122"/>
+              </a:rPr>
+              <a:t>tfoot</a:t>
+            </a:r>
+            <a:r>
+              <a:rPr lang="en-US" altLang="zh-CN" sz="2000" dirty="0" smtClean="0">
+                <a:solidFill>
+                  <a:schemeClr val="bg1"/>
+                </a:solidFill>
+                <a:ea typeface="SimSun" panose="02010600030101010101" pitchFamily="2" charset="-122"/>
+              </a:rPr>
+              <a:t>&gt;</a:t>
+            </a:r>
+            <a:r>
+              <a:rPr lang="en-US" altLang="zh-CN" sz="2000" dirty="0" err="1" smtClean="0">
+                <a:solidFill>
+                  <a:schemeClr val="bg1"/>
+                </a:solidFill>
+                <a:ea typeface="SimSun" panose="02010600030101010101" pitchFamily="2" charset="-122"/>
+              </a:rPr>
+              <a:t>tr</a:t>
+            </a:r>
+            <a:r>
+              <a:rPr lang="en-US" altLang="zh-CN" sz="2000" dirty="0" smtClean="0">
+                <a:solidFill>
+                  <a:schemeClr val="bg1"/>
+                </a:solidFill>
+                <a:ea typeface="SimSun" panose="02010600030101010101" pitchFamily="2" charset="-122"/>
+              </a:rPr>
+              <a:t>&gt;td)</a:t>
+            </a:r>
+          </a:p>
+          <a:p>
+            <a:pPr>
+              <a:lnSpc>
+                <a:spcPct val="150000"/>
+              </a:lnSpc>
+            </a:pPr>
+            <a:r>
+              <a:rPr lang="en-US" altLang="zh-CN" sz="2000" dirty="0" err="1" smtClean="0">
+                <a:solidFill>
+                  <a:schemeClr val="bg1"/>
+                </a:solidFill>
+                <a:ea typeface="SimSun" panose="02010600030101010101" pitchFamily="2" charset="-122"/>
+              </a:rPr>
+              <a:t>nav</a:t>
+            </a:r>
+            <a:r>
+              <a:rPr lang="en-US" altLang="zh-CN" sz="2000" dirty="0" smtClean="0">
+                <a:solidFill>
+                  <a:schemeClr val="bg1"/>
+                </a:solidFill>
+                <a:ea typeface="SimSun" panose="02010600030101010101" pitchFamily="2" charset="-122"/>
+              </a:rPr>
+              <a:t>  </a:t>
+            </a:r>
+            <a:r>
+              <a:rPr lang="zh-CN" altLang="en-US" sz="2000" dirty="0" smtClean="0">
+                <a:solidFill>
+                  <a:schemeClr val="bg1"/>
+                </a:solidFill>
+                <a:ea typeface="SimSun" panose="02010600030101010101" pitchFamily="2" charset="-122"/>
+              </a:rPr>
+              <a:t>导航条</a:t>
+            </a:r>
+            <a:endParaRPr lang="en-US" altLang="zh-CN" sz="2000" dirty="0" smtClean="0">
+              <a:solidFill>
+                <a:schemeClr val="bg1"/>
+              </a:solidFill>
+              <a:ea typeface="SimSun" panose="02010600030101010101" pitchFamily="2" charset="-122"/>
+            </a:endParaRPr>
+          </a:p>
+          <a:p>
+            <a:pPr>
+              <a:lnSpc>
+                <a:spcPct val="150000"/>
+              </a:lnSpc>
+            </a:pPr>
+            <a:r>
+              <a:rPr lang="en-US" altLang="zh-CN" sz="2000" dirty="0" smtClean="0">
+                <a:solidFill>
+                  <a:schemeClr val="bg1"/>
+                </a:solidFill>
+                <a:ea typeface="SimSun" panose="02010600030101010101" pitchFamily="2" charset="-122"/>
+              </a:rPr>
               <a:t>menu(</a:t>
             </a:r>
             <a:r>
@@ -7838,6 +7724,197 @@
                 <a:schemeClr val="bg1"/>
               </a:solidFill>
             </a:endParaRPr>
+          </a:p>
+        </p:txBody>
+      </p:sp>
+      <p:sp>
+        <p:nvSpPr>
+          <p:cNvPr id="5" name="文本框 4"/>
+          <p:cNvSpPr txBox="1"/>
+          <p:nvPr/>
+        </p:nvSpPr>
+        <p:spPr>
+          <a:xfrm>
+            <a:off x="6598802" y="1733900"/>
+            <a:ext cx="5593198" cy="646331"/>
+          </a:xfrm>
+          <a:prstGeom prst="rect">
+            <a:avLst/>
+          </a:prstGeom>
+        </p:spPr>
+        <p:style>
+          <a:lnRef idx="2">
+            <a:schemeClr val="accent5">
+              <a:shade val="50000"/>
+            </a:schemeClr>
+          </a:lnRef>
+          <a:fillRef idx="1">
+            <a:schemeClr val="accent5"/>
+          </a:fillRef>
+          <a:effectRef idx="0">
+            <a:schemeClr val="accent5"/>
+          </a:effectRef>
+          <a:fontRef idx="minor">
+            <a:schemeClr val="lt1"/>
+          </a:fontRef>
+        </p:style>
+        <p:txBody>
+          <a:bodyPr wrap="none" rtlCol="0">
+            <a:spAutoFit/>
+          </a:bodyPr>
+          <a:lstStyle/>
+          <a:p>
+            <a:r>
+              <a:rPr lang="en-US" altLang="zh-CN" dirty="0" smtClean="0"/>
+              <a:t>id  </a:t>
+            </a:r>
+            <a:r>
+              <a:rPr lang="zh-CN" altLang="en-US" dirty="0" smtClean="0"/>
+              <a:t>一个页面只能有唯一的名字</a:t>
+            </a:r>
+            <a:endParaRPr lang="en-US" altLang="zh-CN" dirty="0" smtClean="0"/>
+          </a:p>
+          <a:p>
+            <a:r>
+              <a:rPr lang="en-US" altLang="zh-CN" dirty="0" smtClean="0"/>
+              <a:t>class  </a:t>
+            </a:r>
+            <a:r>
+              <a:rPr lang="zh-CN" altLang="en-US" dirty="0" smtClean="0"/>
+              <a:t>类</a:t>
+            </a:r>
+            <a:r>
+              <a:rPr lang="en-US" altLang="zh-CN" dirty="0" smtClean="0"/>
+              <a:t>,</a:t>
+            </a:r>
+            <a:r>
+              <a:rPr lang="zh-CN" altLang="en-US" dirty="0" smtClean="0"/>
+              <a:t>从意思来讲</a:t>
+            </a:r>
+            <a:r>
+              <a:rPr lang="en-US" altLang="zh-CN" dirty="0" smtClean="0"/>
+              <a:t>,</a:t>
+            </a:r>
+            <a:r>
+              <a:rPr lang="zh-CN" altLang="en-US" dirty="0" smtClean="0"/>
+              <a:t>就是一类的意思</a:t>
+            </a:r>
+            <a:r>
+              <a:rPr lang="en-US" altLang="zh-CN" dirty="0" smtClean="0"/>
+              <a:t>,</a:t>
+            </a:r>
+            <a:r>
+              <a:rPr lang="zh-CN" altLang="en-US" dirty="0" smtClean="0"/>
+              <a:t>主要是用在</a:t>
+            </a:r>
+            <a:r>
+              <a:rPr lang="en-US" altLang="zh-CN" dirty="0" err="1" smtClean="0"/>
+              <a:t>css</a:t>
+            </a:r>
+            <a:r>
+              <a:rPr lang="zh-CN" altLang="en-US" dirty="0" smtClean="0"/>
+              <a:t>上</a:t>
+            </a:r>
+            <a:endParaRPr lang="zh-CN" altLang="en-US" dirty="0"/>
+          </a:p>
+        </p:txBody>
+      </p:sp>
+      <p:sp>
+        <p:nvSpPr>
+          <p:cNvPr id="6" name="文本框 5"/>
+          <p:cNvSpPr txBox="1"/>
+          <p:nvPr/>
+        </p:nvSpPr>
+        <p:spPr>
+          <a:xfrm>
+            <a:off x="6598802" y="2893325"/>
+            <a:ext cx="5593198" cy="646331"/>
+          </a:xfrm>
+          <a:prstGeom prst="rect">
+            <a:avLst/>
+          </a:prstGeom>
+        </p:spPr>
+        <p:style>
+          <a:lnRef idx="2">
+            <a:schemeClr val="dk1">
+              <a:shade val="50000"/>
+            </a:schemeClr>
+          </a:lnRef>
+          <a:fillRef idx="1">
+            <a:schemeClr val="dk1"/>
+          </a:fillRef>
+          <a:effectRef idx="0">
+            <a:schemeClr val="dk1"/>
+          </a:effectRef>
+          <a:fontRef idx="minor">
+            <a:schemeClr val="lt1"/>
+          </a:fontRef>
+        </p:style>
+        <p:txBody>
+          <a:bodyPr wrap="square" rtlCol="0">
+            <a:spAutoFit/>
+          </a:bodyPr>
+          <a:lstStyle/>
+          <a:p>
+            <a:pPr marL="342900" indent="-342900">
+              <a:buAutoNum type="arabicPeriod"/>
+            </a:pPr>
+            <a:r>
+              <a:rPr lang="zh-CN" altLang="en-US" dirty="0" smtClean="0"/>
+              <a:t>行块标签   </a:t>
+            </a:r>
+            <a:r>
+              <a:rPr lang="en-US" altLang="zh-CN" dirty="0" err="1" smtClean="0"/>
+              <a:t>div,header,article,footer,aside,nav</a:t>
+            </a:r>
+            <a:r>
+              <a:rPr lang="zh-CN" altLang="en-US" dirty="0" smtClean="0"/>
+              <a:t> </a:t>
+            </a:r>
+            <a:endParaRPr lang="en-US" altLang="zh-CN" dirty="0" smtClean="0"/>
+          </a:p>
+          <a:p>
+            <a:pPr marL="342900" indent="-342900">
+              <a:buFontTx/>
+              <a:buAutoNum type="arabicPeriod"/>
+            </a:pPr>
+            <a:r>
+              <a:rPr lang="zh-CN" altLang="en-US" dirty="0" smtClean="0"/>
+              <a:t>行内标签  </a:t>
+            </a:r>
+            <a:r>
+              <a:rPr lang="en-US" altLang="zh-CN" dirty="0" err="1" smtClean="0"/>
+              <a:t>a,span,u,I,img</a:t>
+            </a:r>
+            <a:endParaRPr lang="en-US" altLang="zh-CN" dirty="0"/>
+          </a:p>
+        </p:txBody>
+      </p:sp>
+      <p:sp>
+        <p:nvSpPr>
+          <p:cNvPr id="7" name="矩形 6"/>
+          <p:cNvSpPr/>
+          <p:nvPr/>
+        </p:nvSpPr>
+        <p:spPr>
+          <a:xfrm>
+            <a:off x="6168788" y="1130665"/>
+            <a:ext cx="6123792" cy="369332"/>
+          </a:xfrm>
+          <a:prstGeom prst="rect">
+            <a:avLst/>
+          </a:prstGeom>
+        </p:spPr>
+        <p:txBody>
+          <a:bodyPr wrap="none">
+            <a:spAutoFit/>
+          </a:bodyPr>
+          <a:lstStyle/>
+          <a:p>
+            <a:r>
+              <a:rPr lang="zh-CN" altLang="en-US" dirty="0"/>
+              <a:t>https://developer.mozilla.org/zh-CN/docs/Web/HTML/Element</a:t>
+            </a:r>
           </a:p>
         </p:txBody>
       </p:sp>
@@ -7914,7 +7991,7 @@
         <p:spPr>
           <a:xfrm>
             <a:off x="650629" y="1733900"/>
-            <a:ext cx="7017662" cy="1964512"/>
+            <a:ext cx="7017662" cy="2031325"/>
           </a:xfrm>
           <a:prstGeom prst="rect">
             <a:avLst/>
@@ -7949,8 +8026,13 @@
             </a:pPr>
             <a:r>
               <a:rPr lang="en-US" altLang="zh-CN" sz="2800" dirty="0" smtClean="0"/>
-              <a:t>style</a:t>
-            </a:r>
+              <a:t>style   </a:t>
+            </a:r>
+            <a:r>
+              <a:rPr lang="zh-CN" altLang="en-US" sz="2800" dirty="0" smtClean="0"/>
+              <a:t>样式标签</a:t>
+            </a:r>
+            <a:endParaRPr lang="en-US" altLang="zh-CN" sz="2800" dirty="0" smtClean="0"/>
           </a:p>
           <a:p>
             <a:pPr>
@@ -7960,8 +8042,13 @@
             </a:pPr>
             <a:r>
               <a:rPr lang="en-US" altLang="zh-CN" sz="2800" dirty="0" smtClean="0"/>
-              <a:t>link</a:t>
-            </a:r>
+              <a:t>link     </a:t>
+            </a:r>
+            <a:r>
+              <a:rPr lang="zh-CN" altLang="en-US" sz="2800" dirty="0" smtClean="0"/>
+              <a:t>链接内容标签</a:t>
+            </a:r>
+            <a:endParaRPr lang="en-US" altLang="zh-CN" sz="2800" dirty="0" smtClean="0"/>
           </a:p>
           <a:p>
             <a:pPr>
@@ -7976,6 +8063,14 @@
             <a:r>
               <a:rPr lang="en-US" altLang="zh-CN" sz="2800" dirty="0" err="1" smtClean="0"/>
               <a:t>noscript</a:t>
+            </a:r>
+            <a:r>
+              <a:rPr lang="en-US" altLang="zh-CN" sz="2800" dirty="0" smtClean="0"/>
+              <a:t>    </a:t>
+            </a:r>
+            <a:r>
+              <a:rPr lang="zh-CN" altLang="en-US" sz="2800" dirty="0" smtClean="0"/>
+              <a:t>脚本标签</a:t>
             </a:r>
             <a:endParaRPr lang="zh-CN" altLang="en-US" sz="2800" dirty="0"/>
           </a:p>
@@ -8456,14 +8551,65 @@
               </a:lnSpc>
             </a:pPr>
             <a:r>
+              <a:rPr lang="en-US" altLang="zh-CN" sz="2000" dirty="0" err="1">
+                <a:solidFill>
+                  <a:schemeClr val="bg1"/>
+                </a:solidFill>
+                <a:ea typeface="SimSun" panose="02010600030101010101" pitchFamily="2" charset="-122"/>
+              </a:rPr>
+              <a:t>s</a:t>
+            </a:r>
+            <a:r>
+              <a:rPr lang="en-US" altLang="zh-CN" sz="2000" dirty="0" err="1" smtClean="0">
+                <a:solidFill>
+                  <a:schemeClr val="bg1"/>
+                </a:solidFill>
+                <a:ea typeface="SimSun" panose="02010600030101010101" pitchFamily="2" charset="-122"/>
+              </a:rPr>
+              <a:t>pan,em,i</a:t>
+            </a:r>
+            <a:r>
               <a:rPr lang="en-US" altLang="zh-CN" sz="2000" dirty="0" smtClean="0">
                 <a:solidFill>
                   <a:schemeClr val="bg1"/>
                 </a:solidFill>
                 <a:ea typeface="SimSun" panose="02010600030101010101" pitchFamily="2" charset="-122"/>
               </a:rPr>
-              <a:t>span</a:t>
-            </a:r>
+              <a:t>,</a:t>
+            </a:r>
+            <a:r>
+              <a:rPr lang="zh-CN" altLang="zh-CN" sz="2000" dirty="0" smtClean="0">
+                <a:solidFill>
+                  <a:schemeClr val="bg1"/>
+                </a:solidFill>
+                <a:ea typeface="Calibri" panose="020F0502020204030204" pitchFamily="34" charset="0"/>
+              </a:rPr>
+              <a:t>address</a:t>
+            </a:r>
+            <a:r>
+              <a:rPr lang="en-US" altLang="zh-CN" sz="2000" dirty="0" smtClean="0">
+                <a:solidFill>
+                  <a:schemeClr val="bg1"/>
+                </a:solidFill>
+                <a:ea typeface="Calibri" panose="020F0502020204030204" pitchFamily="34" charset="0"/>
+              </a:rPr>
+              <a:t>,b,</a:t>
+            </a:r>
+            <a:r>
+              <a:rPr lang="zh-CN" altLang="zh-CN" sz="2000" dirty="0">
+                <a:solidFill>
+                  <a:schemeClr val="bg1"/>
+                </a:solidFill>
+                <a:ea typeface="Calibri" panose="020F0502020204030204" pitchFamily="34" charset="0"/>
+              </a:rPr>
+              <a:t> blockquote</a:t>
+            </a:r>
+            <a:endParaRPr lang="en-US" altLang="zh-CN" sz="2000" dirty="0" smtClean="0">
+              <a:solidFill>
+                <a:schemeClr val="bg1"/>
+              </a:solidFill>
+              <a:ea typeface="SimSun" panose="02010600030101010101" pitchFamily="2" charset="-122"/>
+            </a:endParaRPr>
           </a:p>
           <a:p>
             <a:pPr>
@@ -8472,20 +8618,29 @@
               </a:lnSpc>
             </a:pPr>
             <a:r>
-              <a:rPr lang="en-US" altLang="zh-CN" sz="2000" dirty="0" err="1" smtClean="0">
+              <a:rPr lang="en-US" altLang="zh-CN" sz="2000" dirty="0" smtClean="0">
                 <a:solidFill>
                   <a:schemeClr val="bg1"/>
                 </a:solidFill>
                 <a:ea typeface="SimSun" panose="02010600030101010101" pitchFamily="2" charset="-122"/>
               </a:rPr>
-              <a:t>em,i,mark</a:t>
+              <a:t>mark,</a:t>
+            </a:r>
+            <a:r>
+              <a:rPr lang="zh-CN" altLang="zh-CN" sz="2000" dirty="0" smtClean="0">
+                <a:solidFill>
+                  <a:schemeClr val="bg1"/>
+                </a:solidFill>
+                <a:ea typeface="Calibri" panose="020F0502020204030204" pitchFamily="34" charset="0"/>
+              </a:rPr>
+              <a:t>abbr</a:t>
             </a:r>
             <a:r>
               <a:rPr lang="en-US" altLang="zh-CN" sz="2000" dirty="0" smtClean="0">
                 <a:solidFill>
                   <a:schemeClr val="bg1"/>
                 </a:solidFill>
-                <a:ea typeface="SimSun" panose="02010600030101010101" pitchFamily="2" charset="-122"/>
+                <a:ea typeface="Calibri" panose="020F0502020204030204" pitchFamily="34" charset="0"/>
               </a:rPr>
               <a:t>,</a:t>
             </a:r>
@@ -8496,7 +8651,7 @@
                 </a:solidFill>
                 <a:ea typeface="Calibri" panose="020F0502020204030204" pitchFamily="34" charset="0"/>
               </a:rPr>
-              <a:t>abbr</a:t>
+              <a:t>bdi</a:t>
             </a:r>
             <a:r>
               <a:rPr lang="en-US" altLang="zh-CN" sz="2000" dirty="0" smtClean="0">
@@ -8505,7 +8660,7 @@
                 </a:solidFill>
                 <a:ea typeface="Calibri" panose="020F0502020204030204" pitchFamily="34" charset="0"/>
               </a:rPr>
-              <a:t>,</a:t>
+              <a:t>,big,</a:t>
             </a:r>
             <a:r>
               <a:rPr lang="zh-CN" altLang="zh-CN" sz="2000" dirty="0" smtClean="0">
@@ -8514,61 +8669,7 @@
                 </a:solidFill>
                 <a:ea typeface="Calibri" panose="020F0502020204030204" pitchFamily="34" charset="0"/>
               </a:rPr>
-              <a:t>address</a:t>
-            </a:r>
-            <a:r>
-              <a:rPr lang="en-US" altLang="zh-CN" sz="2000" dirty="0" smtClean="0">
-                <a:solidFill>
-                  <a:schemeClr val="bg1"/>
-                </a:solidFill>
-                <a:ea typeface="Calibri" panose="020F0502020204030204" pitchFamily="34" charset="0"/>
-              </a:rPr>
-              <a:t>,b,</a:t>
-            </a:r>
-            <a:r>
-              <a:rPr lang="zh-CN" altLang="zh-CN" sz="2000" dirty="0" smtClean="0">
-                <a:solidFill>
-                  <a:schemeClr val="bg1"/>
-                </a:solidFill>
-                <a:ea typeface="Calibri" panose="020F0502020204030204" pitchFamily="34" charset="0"/>
-              </a:rPr>
-              <a:t>bdi</a:t>
-            </a:r>
-            <a:r>
-              <a:rPr lang="en-US" altLang="zh-CN" sz="2000" dirty="0" smtClean="0">
-                <a:solidFill>
-                  <a:schemeClr val="bg1"/>
-                </a:solidFill>
-                <a:ea typeface="Calibri" panose="020F0502020204030204" pitchFamily="34" charset="0"/>
-              </a:rPr>
-              <a:t>,big,</a:t>
-            </a:r>
-            <a:r>
-              <a:rPr lang="zh-CN" altLang="zh-CN" sz="2000" dirty="0" smtClean="0">
-                <a:solidFill>
-                  <a:schemeClr val="bg1"/>
-                </a:solidFill>
-                <a:ea typeface="Calibri" panose="020F0502020204030204" pitchFamily="34" charset="0"/>
-              </a:rPr>
               <a:t>blink</a:t>
-            </a:r>
-            <a:r>
-              <a:rPr lang="en-US" altLang="zh-CN" sz="2000" dirty="0" smtClean="0">
-                <a:solidFill>
-                  <a:schemeClr val="bg1"/>
-                </a:solidFill>
-                <a:ea typeface="Calibri" panose="020F0502020204030204" pitchFamily="34" charset="0"/>
-              </a:rPr>
-              <a:t>,</a:t>
-            </a:r>
-            <a:r>
-              <a:rPr lang="zh-CN" altLang="zh-CN" sz="2000" dirty="0" smtClean="0">
-                <a:solidFill>
-                  <a:schemeClr val="bg1"/>
-                </a:solidFill>
-                <a:ea typeface="Calibri" panose="020F0502020204030204" pitchFamily="34" charset="0"/>
-              </a:rPr>
-              <a:t>blockquote</a:t>
             </a:r>
             <a:r>
               <a:rPr lang="en-US" altLang="zh-CN" sz="2000" dirty="0" smtClean="0">
@@ -8743,24 +8844,6 @@
                 <a:ea typeface="Calibri" panose="020F0502020204030204" pitchFamily="34" charset="0"/>
               </a:rPr>
               <a:t>kbd</a:t>
-            </a:r>
-            <a:r>
-              <a:rPr lang="en-US" altLang="zh-CN" sz="2000" dirty="0" smtClean="0">
-                <a:solidFill>
-                  <a:schemeClr val="bg1"/>
-                </a:solidFill>
-                <a:ea typeface="Calibri" panose="020F0502020204030204" pitchFamily="34" charset="0"/>
-              </a:rPr>
-              <a:t>,</a:t>
-            </a:r>
-            <a:r>
-              <a:rPr lang="zh-CN" altLang="zh-CN" sz="2000" dirty="0" smtClean="0">
-                <a:solidFill>
-                  <a:schemeClr val="bg1"/>
-                </a:solidFill>
-                <a:ea typeface="Calibri" panose="020F0502020204030204" pitchFamily="34" charset="0"/>
-              </a:rPr>
-              <a:t>keygen</a:t>
             </a:r>
             <a:r>
               <a:rPr lang="en-US" altLang="zh-CN" sz="2000" dirty="0" smtClean="0">
@@ -8932,7 +9015,7 @@
         <a:sysClr val="windowText" lastClr="000000"/>
       </a:dk1>
       <a:lt1>
-        <a:sysClr val="window" lastClr="CCE8CF"/>
+        <a:sysClr val="window" lastClr="FFFFFF"/>
       </a:lt1>
       <a:dk2>
         <a:srgbClr val="44546A"/>
